--- a/docs/DevConf_BrendanFry_AYearOfRabbitMQ.pptx
+++ b/docs/DevConf_BrendanFry_AYearOfRabbitMQ.pptx
@@ -5,18 +5,29 @@
     <p:sldMasterId id="2147483648" r:id="rId1"/>
   </p:sldMasterIdLst>
   <p:notesMasterIdLst>
-    <p:notesMasterId r:id="rId11"/>
+    <p:notesMasterId r:id="rId22"/>
   </p:notesMasterIdLst>
   <p:sldIdLst>
     <p:sldId id="448" r:id="rId2"/>
     <p:sldId id="455" r:id="rId3"/>
     <p:sldId id="457" r:id="rId4"/>
     <p:sldId id="451" r:id="rId5"/>
-    <p:sldId id="456" r:id="rId6"/>
-    <p:sldId id="449" r:id="rId7"/>
-    <p:sldId id="452" r:id="rId8"/>
-    <p:sldId id="453" r:id="rId9"/>
-    <p:sldId id="450" r:id="rId10"/>
+    <p:sldId id="449" r:id="rId6"/>
+    <p:sldId id="458" r:id="rId7"/>
+    <p:sldId id="456" r:id="rId8"/>
+    <p:sldId id="459" r:id="rId9"/>
+    <p:sldId id="460" r:id="rId10"/>
+    <p:sldId id="472" r:id="rId11"/>
+    <p:sldId id="465" r:id="rId12"/>
+    <p:sldId id="466" r:id="rId13"/>
+    <p:sldId id="467" r:id="rId14"/>
+    <p:sldId id="468" r:id="rId15"/>
+    <p:sldId id="462" r:id="rId16"/>
+    <p:sldId id="469" r:id="rId17"/>
+    <p:sldId id="470" r:id="rId18"/>
+    <p:sldId id="471" r:id="rId19"/>
+    <p:sldId id="461" r:id="rId20"/>
+    <p:sldId id="450" r:id="rId21"/>
   </p:sldIdLst>
   <p:sldSz cx="12192000" cy="6858000"/>
   <p:notesSz cx="6797675" cy="9926638"/>
@@ -139,7 +150,7 @@
   <p:cmAuthor id="1" name="Jasmine Germanus" initials="JG" lastIdx="1" clrIdx="0">
     <p:extLst/>
   </p:cmAuthor>
-  <p:cmAuthor id="2" name="Brendan Fry" initials="BF" lastIdx="2" clrIdx="1">
+  <p:cmAuthor id="2" name="Brendan Fry" initials="BF" lastIdx="3" clrIdx="1">
     <p:extLst>
       <p:ext uri="{19B8F6BF-5375-455C-9EA6-DF929625EA0E}">
         <p15:presenceInfo xmlns:p15="http://schemas.microsoft.com/office/powerpoint/2012/main" userId="5aaa1c51fb8d3b0e" providerId="Windows Live"/>
@@ -147,6 +158,20 @@
     </p:extLst>
   </p:cmAuthor>
 </p:cmAuthorLst>
+</file>
+
+<file path=ppt/comments/comment1.xml><?xml version="1.0" encoding="utf-8"?>
+<p:cmLst xmlns:a="http://schemas.openxmlformats.org/drawingml/2006/main" xmlns:r="http://schemas.openxmlformats.org/officeDocument/2006/relationships" xmlns:p="http://schemas.openxmlformats.org/presentationml/2006/main">
+  <p:cm authorId="2" dt="2016-02-29T08:48:32.334" idx="3">
+    <p:pos x="10" y="10"/>
+    <p:text/>
+    <p:extLst>
+      <p:ext uri="{C676402C-5697-4E1C-873F-D02D1690AC5C}">
+        <p15:threadingInfo xmlns:p15="http://schemas.microsoft.com/office/powerpoint/2012/main" timeZoneBias="-120"/>
+      </p:ext>
+    </p:extLst>
+  </p:cm>
+</p:cmLst>
 </file>
 
 <file path=ppt/notesMasters/notesMaster1.xml><?xml version="1.0" encoding="utf-8"?>
@@ -231,7 +256,7 @@
           <a:p>
             <a:fld id="{B33470DC-EEC2-4157-BD2B-691675EE583E}" type="datetimeFigureOut">
               <a:rPr lang="en-ZA" smtClean="0"/>
-              <a:t>2016-02-22</a:t>
+              <a:t>2016-02-29</a:t>
             </a:fld>
             <a:endParaRPr lang="en-ZA"/>
           </a:p>
@@ -499,6 +524,779 @@
 </p:notesMaster>
 </file>
 
+<file path=ppt/notesSlides/notesSlide1.xml><?xml version="1.0" encoding="utf-8"?>
+<p:notes xmlns:a="http://schemas.openxmlformats.org/drawingml/2006/main" xmlns:r="http://schemas.openxmlformats.org/officeDocument/2006/relationships" xmlns:p="http://schemas.openxmlformats.org/presentationml/2006/main">
+  <p:cSld>
+    <p:spTree>
+      <p:nvGrpSpPr>
+        <p:cNvPr id="1" name=""/>
+        <p:cNvGrpSpPr/>
+        <p:nvPr/>
+      </p:nvGrpSpPr>
+      <p:grpSpPr>
+        <a:xfrm>
+          <a:off x="0" y="0"/>
+          <a:ext cx="0" cy="0"/>
+          <a:chOff x="0" y="0"/>
+          <a:chExt cx="0" cy="0"/>
+        </a:xfrm>
+      </p:grpSpPr>
+      <p:sp>
+        <p:nvSpPr>
+          <p:cNvPr id="2" name="Slide Image Placeholder 1"/>
+          <p:cNvSpPr>
+            <a:spLocks noGrp="1" noRot="1" noChangeAspect="1"/>
+          </p:cNvSpPr>
+          <p:nvPr>
+            <p:ph type="sldImg"/>
+          </p:nvPr>
+        </p:nvSpPr>
+        <p:spPr/>
+      </p:sp>
+      <p:sp>
+        <p:nvSpPr>
+          <p:cNvPr id="3" name="Notes Placeholder 2"/>
+          <p:cNvSpPr>
+            <a:spLocks noGrp="1"/>
+          </p:cNvSpPr>
+          <p:nvPr>
+            <p:ph type="body" idx="1"/>
+          </p:nvPr>
+        </p:nvSpPr>
+        <p:spPr/>
+        <p:txBody>
+          <a:bodyPr/>
+          <a:lstStyle/>
+          <a:p>
+            <a:endParaRPr lang="en-ZA" dirty="0"/>
+          </a:p>
+        </p:txBody>
+      </p:sp>
+      <p:sp>
+        <p:nvSpPr>
+          <p:cNvPr id="4" name="Slide Number Placeholder 3"/>
+          <p:cNvSpPr>
+            <a:spLocks noGrp="1"/>
+          </p:cNvSpPr>
+          <p:nvPr>
+            <p:ph type="sldNum" sz="quarter" idx="10"/>
+          </p:nvPr>
+        </p:nvSpPr>
+        <p:spPr/>
+        <p:txBody>
+          <a:bodyPr/>
+          <a:lstStyle/>
+          <a:p>
+            <a:fld id="{BBF75A95-E78D-401B-AFBF-BB84E2FCDE39}" type="slidenum">
+              <a:rPr lang="en-ZA" smtClean="0"/>
+              <a:t>1</a:t>
+            </a:fld>
+            <a:endParaRPr lang="en-ZA"/>
+          </a:p>
+        </p:txBody>
+      </p:sp>
+    </p:spTree>
+    <p:extLst>
+      <p:ext uri="{BB962C8B-B14F-4D97-AF65-F5344CB8AC3E}">
+        <p14:creationId xmlns:p14="http://schemas.microsoft.com/office/powerpoint/2010/main" val="3345163477"/>
+      </p:ext>
+    </p:extLst>
+  </p:cSld>
+  <p:clrMapOvr>
+    <a:masterClrMapping/>
+  </p:clrMapOvr>
+</p:notes>
+</file>
+
+<file path=ppt/notesSlides/notesSlide2.xml><?xml version="1.0" encoding="utf-8"?>
+<p:notes xmlns:a="http://schemas.openxmlformats.org/drawingml/2006/main" xmlns:r="http://schemas.openxmlformats.org/officeDocument/2006/relationships" xmlns:p="http://schemas.openxmlformats.org/presentationml/2006/main">
+  <p:cSld>
+    <p:spTree>
+      <p:nvGrpSpPr>
+        <p:cNvPr id="1" name=""/>
+        <p:cNvGrpSpPr/>
+        <p:nvPr/>
+      </p:nvGrpSpPr>
+      <p:grpSpPr>
+        <a:xfrm>
+          <a:off x="0" y="0"/>
+          <a:ext cx="0" cy="0"/>
+          <a:chOff x="0" y="0"/>
+          <a:chExt cx="0" cy="0"/>
+        </a:xfrm>
+      </p:grpSpPr>
+      <p:sp>
+        <p:nvSpPr>
+          <p:cNvPr id="2" name="Slide Image Placeholder 1"/>
+          <p:cNvSpPr>
+            <a:spLocks noGrp="1" noRot="1" noChangeAspect="1"/>
+          </p:cNvSpPr>
+          <p:nvPr>
+            <p:ph type="sldImg"/>
+          </p:nvPr>
+        </p:nvSpPr>
+        <p:spPr/>
+      </p:sp>
+      <p:sp>
+        <p:nvSpPr>
+          <p:cNvPr id="3" name="Notes Placeholder 2"/>
+          <p:cNvSpPr>
+            <a:spLocks noGrp="1"/>
+          </p:cNvSpPr>
+          <p:nvPr>
+            <p:ph type="body" idx="1"/>
+          </p:nvPr>
+        </p:nvSpPr>
+        <p:spPr/>
+        <p:txBody>
+          <a:bodyPr/>
+          <a:lstStyle/>
+          <a:p>
+            <a:pPr marL="171450" indent="-171450">
+              <a:buFont typeface="Arial" panose="020B0604020202020204" pitchFamily="34" charset="0"/>
+              <a:buChar char="•"/>
+            </a:pPr>
+            <a:r>
+              <a:rPr lang="en-ZA" dirty="0" smtClean="0"/>
+              <a:t>Need your</a:t>
+            </a:r>
+            <a:r>
+              <a:rPr lang="en-ZA" baseline="0" dirty="0" smtClean="0"/>
+              <a:t> help to generate some data</a:t>
+            </a:r>
+          </a:p>
+          <a:p>
+            <a:pPr marL="171450" indent="-171450">
+              <a:buFont typeface="Arial" panose="020B0604020202020204" pitchFamily="34" charset="0"/>
+              <a:buChar char="•"/>
+            </a:pPr>
+            <a:r>
+              <a:rPr lang="en-ZA" baseline="0" dirty="0" smtClean="0"/>
+              <a:t>Head to this page &amp; click the vote button</a:t>
+            </a:r>
+          </a:p>
+          <a:p>
+            <a:pPr marL="171450" indent="-171450">
+              <a:buFont typeface="Arial" panose="020B0604020202020204" pitchFamily="34" charset="0"/>
+              <a:buChar char="•"/>
+            </a:pPr>
+            <a:r>
+              <a:rPr lang="en-ZA" baseline="0" dirty="0" smtClean="0"/>
+              <a:t>Let me know how I am doing</a:t>
+            </a:r>
+          </a:p>
+          <a:p>
+            <a:pPr marL="171450" indent="-171450">
+              <a:buFont typeface="Arial" panose="020B0604020202020204" pitchFamily="34" charset="0"/>
+              <a:buChar char="•"/>
+            </a:pPr>
+            <a:r>
+              <a:rPr lang="en-ZA" baseline="0" dirty="0" smtClean="0"/>
+              <a:t>More will be explained during the talk.</a:t>
+            </a:r>
+            <a:endParaRPr lang="en-ZA" dirty="0"/>
+          </a:p>
+        </p:txBody>
+      </p:sp>
+      <p:sp>
+        <p:nvSpPr>
+          <p:cNvPr id="4" name="Slide Number Placeholder 3"/>
+          <p:cNvSpPr>
+            <a:spLocks noGrp="1"/>
+          </p:cNvSpPr>
+          <p:nvPr>
+            <p:ph type="sldNum" sz="quarter" idx="10"/>
+          </p:nvPr>
+        </p:nvSpPr>
+        <p:spPr/>
+        <p:txBody>
+          <a:bodyPr/>
+          <a:lstStyle/>
+          <a:p>
+            <a:fld id="{BBF75A95-E78D-401B-AFBF-BB84E2FCDE39}" type="slidenum">
+              <a:rPr lang="en-ZA" smtClean="0"/>
+              <a:t>3</a:t>
+            </a:fld>
+            <a:endParaRPr lang="en-ZA"/>
+          </a:p>
+        </p:txBody>
+      </p:sp>
+    </p:spTree>
+    <p:extLst>
+      <p:ext uri="{BB962C8B-B14F-4D97-AF65-F5344CB8AC3E}">
+        <p14:creationId xmlns:p14="http://schemas.microsoft.com/office/powerpoint/2010/main" val="134323693"/>
+      </p:ext>
+    </p:extLst>
+  </p:cSld>
+  <p:clrMapOvr>
+    <a:masterClrMapping/>
+  </p:clrMapOvr>
+</p:notes>
+</file>
+
+<file path=ppt/notesSlides/notesSlide3.xml><?xml version="1.0" encoding="utf-8"?>
+<p:notes xmlns:a="http://schemas.openxmlformats.org/drawingml/2006/main" xmlns:r="http://schemas.openxmlformats.org/officeDocument/2006/relationships" xmlns:p="http://schemas.openxmlformats.org/presentationml/2006/main">
+  <p:cSld>
+    <p:spTree>
+      <p:nvGrpSpPr>
+        <p:cNvPr id="1" name=""/>
+        <p:cNvGrpSpPr/>
+        <p:nvPr/>
+      </p:nvGrpSpPr>
+      <p:grpSpPr>
+        <a:xfrm>
+          <a:off x="0" y="0"/>
+          <a:ext cx="0" cy="0"/>
+          <a:chOff x="0" y="0"/>
+          <a:chExt cx="0" cy="0"/>
+        </a:xfrm>
+      </p:grpSpPr>
+      <p:sp>
+        <p:nvSpPr>
+          <p:cNvPr id="2" name="Slide Image Placeholder 1"/>
+          <p:cNvSpPr>
+            <a:spLocks noGrp="1" noRot="1" noChangeAspect="1"/>
+          </p:cNvSpPr>
+          <p:nvPr>
+            <p:ph type="sldImg"/>
+          </p:nvPr>
+        </p:nvSpPr>
+        <p:spPr/>
+      </p:sp>
+      <p:sp>
+        <p:nvSpPr>
+          <p:cNvPr id="3" name="Notes Placeholder 2"/>
+          <p:cNvSpPr>
+            <a:spLocks noGrp="1"/>
+          </p:cNvSpPr>
+          <p:nvPr>
+            <p:ph type="body" idx="1"/>
+          </p:nvPr>
+        </p:nvSpPr>
+        <p:spPr/>
+        <p:txBody>
+          <a:bodyPr/>
+          <a:lstStyle/>
+          <a:p>
+            <a:pPr marL="171450" indent="-171450">
+              <a:buFont typeface="Arial" panose="020B0604020202020204" pitchFamily="34" charset="0"/>
+              <a:buChar char="•"/>
+            </a:pPr>
+            <a:r>
+              <a:rPr lang="en-ZA" dirty="0" smtClean="0"/>
+              <a:t>Queue</a:t>
+            </a:r>
+            <a:r>
+              <a:rPr lang="en-ZA" baseline="0" dirty="0" smtClean="0"/>
+              <a:t> theory</a:t>
+            </a:r>
+          </a:p>
+          <a:p>
+            <a:pPr marL="171450" indent="-171450">
+              <a:buFont typeface="Arial" panose="020B0604020202020204" pitchFamily="34" charset="0"/>
+              <a:buChar char="•"/>
+            </a:pPr>
+            <a:r>
+              <a:rPr lang="en-ZA" baseline="0" dirty="0" smtClean="0"/>
+              <a:t>First in –&gt; First out</a:t>
+            </a:r>
+          </a:p>
+          <a:p>
+            <a:pPr marL="171450" indent="-171450">
+              <a:buFont typeface="Arial" panose="020B0604020202020204" pitchFamily="34" charset="0"/>
+              <a:buChar char="•"/>
+            </a:pPr>
+            <a:r>
+              <a:rPr lang="en-ZA" baseline="0" dirty="0" err="1" smtClean="0"/>
+              <a:t>Enqueue</a:t>
+            </a:r>
+            <a:r>
+              <a:rPr lang="en-ZA" baseline="0" dirty="0" smtClean="0"/>
+              <a:t> -&gt; </a:t>
+            </a:r>
+            <a:r>
+              <a:rPr lang="en-ZA" baseline="0" dirty="0" err="1" smtClean="0"/>
+              <a:t>DeQueue</a:t>
+            </a:r>
+            <a:endParaRPr lang="en-ZA" baseline="0" dirty="0" smtClean="0"/>
+          </a:p>
+          <a:p>
+            <a:pPr marL="171450" indent="-171450">
+              <a:buFont typeface="Arial" panose="020B0604020202020204" pitchFamily="34" charset="0"/>
+              <a:buChar char="•"/>
+            </a:pPr>
+            <a:r>
+              <a:rPr lang="en-ZA" baseline="0" dirty="0" smtClean="0"/>
+              <a:t>Time &amp; Processing to </a:t>
+            </a:r>
+            <a:r>
+              <a:rPr lang="en-ZA" baseline="0" dirty="0" err="1" smtClean="0"/>
+              <a:t>Enqueue</a:t>
+            </a:r>
+            <a:r>
+              <a:rPr lang="en-ZA" baseline="0" dirty="0" smtClean="0"/>
+              <a:t> </a:t>
+            </a:r>
+          </a:p>
+          <a:p>
+            <a:pPr marL="628650" lvl="1" indent="-171450">
+              <a:buFont typeface="Arial" panose="020B0604020202020204" pitchFamily="34" charset="0"/>
+              <a:buChar char="•"/>
+            </a:pPr>
+            <a:r>
+              <a:rPr lang="en-ZA" baseline="0" dirty="0" smtClean="0"/>
+              <a:t>Latency?</a:t>
+            </a:r>
+          </a:p>
+          <a:p>
+            <a:pPr marL="171450" lvl="0" indent="-171450">
+              <a:buFont typeface="Arial" panose="020B0604020202020204" pitchFamily="34" charset="0"/>
+              <a:buChar char="•"/>
+            </a:pPr>
+            <a:r>
+              <a:rPr lang="en-ZA" baseline="0" dirty="0" smtClean="0"/>
+              <a:t>Waiting Time = Time spent in queue</a:t>
+            </a:r>
+          </a:p>
+          <a:p>
+            <a:pPr marL="171450" lvl="0" indent="-171450">
+              <a:buFont typeface="Arial" panose="020B0604020202020204" pitchFamily="34" charset="0"/>
+              <a:buChar char="•"/>
+            </a:pPr>
+            <a:r>
+              <a:rPr lang="en-ZA" baseline="0" dirty="0" smtClean="0"/>
+              <a:t>Time &amp; processing to </a:t>
+            </a:r>
+            <a:r>
+              <a:rPr lang="en-ZA" baseline="0" dirty="0" err="1" smtClean="0"/>
+              <a:t>dequeue</a:t>
+            </a:r>
+            <a:endParaRPr lang="en-ZA" baseline="0" dirty="0" smtClean="0"/>
+          </a:p>
+          <a:p>
+            <a:pPr marL="628650" lvl="1" indent="-171450">
+              <a:buFont typeface="Arial" panose="020B0604020202020204" pitchFamily="34" charset="0"/>
+              <a:buChar char="•"/>
+            </a:pPr>
+            <a:r>
+              <a:rPr lang="en-ZA" baseline="0" dirty="0" smtClean="0"/>
+              <a:t>Latency</a:t>
+            </a:r>
+          </a:p>
+          <a:p>
+            <a:pPr marL="171450" lvl="0" indent="-171450">
+              <a:buFont typeface="Arial" panose="020B0604020202020204" pitchFamily="34" charset="0"/>
+              <a:buChar char="•"/>
+            </a:pPr>
+            <a:r>
+              <a:rPr lang="en-ZA" baseline="0" dirty="0" smtClean="0"/>
+              <a:t>Processing time before next message can be </a:t>
+            </a:r>
+            <a:r>
+              <a:rPr lang="en-ZA" baseline="0" dirty="0" err="1" smtClean="0"/>
+              <a:t>dequeued</a:t>
+            </a:r>
+            <a:endParaRPr lang="en-ZA" baseline="0" dirty="0" smtClean="0"/>
+          </a:p>
+          <a:p>
+            <a:pPr marL="171450" lvl="0" indent="-171450">
+              <a:buFont typeface="Arial" panose="020B0604020202020204" pitchFamily="34" charset="0"/>
+              <a:buChar char="•"/>
+            </a:pPr>
+            <a:r>
+              <a:rPr lang="en-ZA" baseline="0" dirty="0" smtClean="0"/>
+              <a:t>Result</a:t>
+            </a:r>
+            <a:endParaRPr lang="en-ZA" dirty="0"/>
+          </a:p>
+        </p:txBody>
+      </p:sp>
+      <p:sp>
+        <p:nvSpPr>
+          <p:cNvPr id="4" name="Slide Number Placeholder 3"/>
+          <p:cNvSpPr>
+            <a:spLocks noGrp="1"/>
+          </p:cNvSpPr>
+          <p:nvPr>
+            <p:ph type="sldNum" sz="quarter" idx="10"/>
+          </p:nvPr>
+        </p:nvSpPr>
+        <p:spPr/>
+        <p:txBody>
+          <a:bodyPr/>
+          <a:lstStyle/>
+          <a:p>
+            <a:fld id="{BBF75A95-E78D-401B-AFBF-BB84E2FCDE39}" type="slidenum">
+              <a:rPr lang="en-ZA" smtClean="0"/>
+              <a:t>4</a:t>
+            </a:fld>
+            <a:endParaRPr lang="en-ZA"/>
+          </a:p>
+        </p:txBody>
+      </p:sp>
+    </p:spTree>
+    <p:extLst>
+      <p:ext uri="{BB962C8B-B14F-4D97-AF65-F5344CB8AC3E}">
+        <p14:creationId xmlns:p14="http://schemas.microsoft.com/office/powerpoint/2010/main" val="474843506"/>
+      </p:ext>
+    </p:extLst>
+  </p:cSld>
+  <p:clrMapOvr>
+    <a:masterClrMapping/>
+  </p:clrMapOvr>
+</p:notes>
+</file>
+
+<file path=ppt/notesSlides/notesSlide4.xml><?xml version="1.0" encoding="utf-8"?>
+<p:notes xmlns:a="http://schemas.openxmlformats.org/drawingml/2006/main" xmlns:r="http://schemas.openxmlformats.org/officeDocument/2006/relationships" xmlns:p="http://schemas.openxmlformats.org/presentationml/2006/main">
+  <p:cSld>
+    <p:spTree>
+      <p:nvGrpSpPr>
+        <p:cNvPr id="1" name=""/>
+        <p:cNvGrpSpPr/>
+        <p:nvPr/>
+      </p:nvGrpSpPr>
+      <p:grpSpPr>
+        <a:xfrm>
+          <a:off x="0" y="0"/>
+          <a:ext cx="0" cy="0"/>
+          <a:chOff x="0" y="0"/>
+          <a:chExt cx="0" cy="0"/>
+        </a:xfrm>
+      </p:grpSpPr>
+      <p:sp>
+        <p:nvSpPr>
+          <p:cNvPr id="2" name="Slide Image Placeholder 1"/>
+          <p:cNvSpPr>
+            <a:spLocks noGrp="1" noRot="1" noChangeAspect="1"/>
+          </p:cNvSpPr>
+          <p:nvPr>
+            <p:ph type="sldImg"/>
+          </p:nvPr>
+        </p:nvSpPr>
+        <p:spPr/>
+      </p:sp>
+      <p:sp>
+        <p:nvSpPr>
+          <p:cNvPr id="3" name="Notes Placeholder 2"/>
+          <p:cNvSpPr>
+            <a:spLocks noGrp="1"/>
+          </p:cNvSpPr>
+          <p:nvPr>
+            <p:ph type="body" idx="1"/>
+          </p:nvPr>
+        </p:nvSpPr>
+        <p:spPr/>
+        <p:txBody>
+          <a:bodyPr/>
+          <a:lstStyle/>
+          <a:p>
+            <a:r>
+              <a:rPr lang="en-ZA" dirty="0" smtClean="0"/>
+              <a:t>Many</a:t>
+            </a:r>
+            <a:r>
+              <a:rPr lang="en-ZA" baseline="0" dirty="0" smtClean="0"/>
+              <a:t> </a:t>
+            </a:r>
+            <a:r>
+              <a:rPr lang="en-ZA" baseline="0" dirty="0" err="1" smtClean="0"/>
+              <a:t>many</a:t>
+            </a:r>
+            <a:r>
+              <a:rPr lang="en-ZA" baseline="0" dirty="0" smtClean="0"/>
+              <a:t> options out there!</a:t>
+            </a:r>
+            <a:endParaRPr lang="en-ZA" dirty="0"/>
+          </a:p>
+        </p:txBody>
+      </p:sp>
+      <p:sp>
+        <p:nvSpPr>
+          <p:cNvPr id="4" name="Slide Number Placeholder 3"/>
+          <p:cNvSpPr>
+            <a:spLocks noGrp="1"/>
+          </p:cNvSpPr>
+          <p:nvPr>
+            <p:ph type="sldNum" sz="quarter" idx="10"/>
+          </p:nvPr>
+        </p:nvSpPr>
+        <p:spPr/>
+        <p:txBody>
+          <a:bodyPr/>
+          <a:lstStyle/>
+          <a:p>
+            <a:fld id="{BBF75A95-E78D-401B-AFBF-BB84E2FCDE39}" type="slidenum">
+              <a:rPr lang="en-ZA" smtClean="0"/>
+              <a:t>5</a:t>
+            </a:fld>
+            <a:endParaRPr lang="en-ZA"/>
+          </a:p>
+        </p:txBody>
+      </p:sp>
+    </p:spTree>
+    <p:extLst>
+      <p:ext uri="{BB962C8B-B14F-4D97-AF65-F5344CB8AC3E}">
+        <p14:creationId xmlns:p14="http://schemas.microsoft.com/office/powerpoint/2010/main" val="3706268924"/>
+      </p:ext>
+    </p:extLst>
+  </p:cSld>
+  <p:clrMapOvr>
+    <a:masterClrMapping/>
+  </p:clrMapOvr>
+</p:notes>
+</file>
+
+<file path=ppt/notesSlides/notesSlide5.xml><?xml version="1.0" encoding="utf-8"?>
+<p:notes xmlns:a="http://schemas.openxmlformats.org/drawingml/2006/main" xmlns:r="http://schemas.openxmlformats.org/officeDocument/2006/relationships" xmlns:p="http://schemas.openxmlformats.org/presentationml/2006/main">
+  <p:cSld>
+    <p:spTree>
+      <p:nvGrpSpPr>
+        <p:cNvPr id="1" name=""/>
+        <p:cNvGrpSpPr/>
+        <p:nvPr/>
+      </p:nvGrpSpPr>
+      <p:grpSpPr>
+        <a:xfrm>
+          <a:off x="0" y="0"/>
+          <a:ext cx="0" cy="0"/>
+          <a:chOff x="0" y="0"/>
+          <a:chExt cx="0" cy="0"/>
+        </a:xfrm>
+      </p:grpSpPr>
+      <p:sp>
+        <p:nvSpPr>
+          <p:cNvPr id="2" name="Slide Image Placeholder 1"/>
+          <p:cNvSpPr>
+            <a:spLocks noGrp="1" noRot="1" noChangeAspect="1"/>
+          </p:cNvSpPr>
+          <p:nvPr>
+            <p:ph type="sldImg"/>
+          </p:nvPr>
+        </p:nvSpPr>
+        <p:spPr/>
+      </p:sp>
+      <p:sp>
+        <p:nvSpPr>
+          <p:cNvPr id="3" name="Notes Placeholder 2"/>
+          <p:cNvSpPr>
+            <a:spLocks noGrp="1"/>
+          </p:cNvSpPr>
+          <p:nvPr>
+            <p:ph type="body" idx="1"/>
+          </p:nvPr>
+        </p:nvSpPr>
+        <p:spPr/>
+        <p:txBody>
+          <a:bodyPr/>
+          <a:lstStyle/>
+          <a:p>
+            <a:r>
+              <a:rPr lang="en-ZA" dirty="0" smtClean="0"/>
+              <a:t>Service</a:t>
+            </a:r>
+            <a:r>
+              <a:rPr lang="en-ZA" baseline="0" dirty="0" smtClean="0"/>
+              <a:t> bus / Enterprise service bus</a:t>
+            </a:r>
+            <a:endParaRPr lang="en-ZA" dirty="0"/>
+          </a:p>
+        </p:txBody>
+      </p:sp>
+      <p:sp>
+        <p:nvSpPr>
+          <p:cNvPr id="4" name="Slide Number Placeholder 3"/>
+          <p:cNvSpPr>
+            <a:spLocks noGrp="1"/>
+          </p:cNvSpPr>
+          <p:nvPr>
+            <p:ph type="sldNum" sz="quarter" idx="10"/>
+          </p:nvPr>
+        </p:nvSpPr>
+        <p:spPr/>
+        <p:txBody>
+          <a:bodyPr/>
+          <a:lstStyle/>
+          <a:p>
+            <a:fld id="{BBF75A95-E78D-401B-AFBF-BB84E2FCDE39}" type="slidenum">
+              <a:rPr lang="en-ZA" smtClean="0"/>
+              <a:t>6</a:t>
+            </a:fld>
+            <a:endParaRPr lang="en-ZA"/>
+          </a:p>
+        </p:txBody>
+      </p:sp>
+    </p:spTree>
+    <p:extLst>
+      <p:ext uri="{BB962C8B-B14F-4D97-AF65-F5344CB8AC3E}">
+        <p14:creationId xmlns:p14="http://schemas.microsoft.com/office/powerpoint/2010/main" val="1358001867"/>
+      </p:ext>
+    </p:extLst>
+  </p:cSld>
+  <p:clrMapOvr>
+    <a:masterClrMapping/>
+  </p:clrMapOvr>
+</p:notes>
+</file>
+
+<file path=ppt/notesSlides/notesSlide6.xml><?xml version="1.0" encoding="utf-8"?>
+<p:notes xmlns:a="http://schemas.openxmlformats.org/drawingml/2006/main" xmlns:r="http://schemas.openxmlformats.org/officeDocument/2006/relationships" xmlns:p="http://schemas.openxmlformats.org/presentationml/2006/main">
+  <p:cSld>
+    <p:spTree>
+      <p:nvGrpSpPr>
+        <p:cNvPr id="1" name=""/>
+        <p:cNvGrpSpPr/>
+        <p:nvPr/>
+      </p:nvGrpSpPr>
+      <p:grpSpPr>
+        <a:xfrm>
+          <a:off x="0" y="0"/>
+          <a:ext cx="0" cy="0"/>
+          <a:chOff x="0" y="0"/>
+          <a:chExt cx="0" cy="0"/>
+        </a:xfrm>
+      </p:grpSpPr>
+      <p:sp>
+        <p:nvSpPr>
+          <p:cNvPr id="2" name="Slide Image Placeholder 1"/>
+          <p:cNvSpPr>
+            <a:spLocks noGrp="1" noRot="1" noChangeAspect="1"/>
+          </p:cNvSpPr>
+          <p:nvPr>
+            <p:ph type="sldImg"/>
+          </p:nvPr>
+        </p:nvSpPr>
+        <p:spPr/>
+      </p:sp>
+      <p:sp>
+        <p:nvSpPr>
+          <p:cNvPr id="3" name="Notes Placeholder 2"/>
+          <p:cNvSpPr>
+            <a:spLocks noGrp="1"/>
+          </p:cNvSpPr>
+          <p:nvPr>
+            <p:ph type="body" idx="1"/>
+          </p:nvPr>
+        </p:nvSpPr>
+        <p:spPr/>
+        <p:txBody>
+          <a:bodyPr/>
+          <a:lstStyle/>
+          <a:p>
+            <a:r>
+              <a:rPr lang="en-ZA" sz="1200" b="0" i="0" u="none" strike="noStrike" kern="1200" dirty="0" smtClean="0">
+                <a:solidFill>
+                  <a:schemeClr val="tx1"/>
+                </a:solidFill>
+                <a:effectLst/>
+                <a:latin typeface="+mn-lt"/>
+                <a:ea typeface="+mn-ea"/>
+                <a:cs typeface="+mn-cs"/>
+                <a:hlinkClick r:id="rId3"/>
+              </a:rPr>
+              <a:t>Simon van </a:t>
+            </a:r>
+            <a:r>
+              <a:rPr lang="en-ZA" sz="1200" b="0" i="0" u="none" strike="noStrike" kern="1200" dirty="0" err="1" smtClean="0">
+                <a:solidFill>
+                  <a:schemeClr val="tx1"/>
+                </a:solidFill>
+                <a:effectLst/>
+                <a:latin typeface="+mn-lt"/>
+                <a:ea typeface="+mn-ea"/>
+                <a:cs typeface="+mn-cs"/>
+                <a:hlinkClick r:id="rId3"/>
+              </a:rPr>
+              <a:t>Dyk</a:t>
+            </a:r>
+            <a:r>
+              <a:rPr lang="en-ZA" sz="1200" b="0" i="0" u="none" strike="noStrike" kern="1200" dirty="0" smtClean="0">
+                <a:solidFill>
+                  <a:schemeClr val="tx1"/>
+                </a:solidFill>
+                <a:effectLst/>
+                <a:latin typeface="+mn-lt"/>
+                <a:ea typeface="+mn-ea"/>
+                <a:cs typeface="+mn-cs"/>
+              </a:rPr>
+              <a:t> – Sorry for the lack of </a:t>
+            </a:r>
+            <a:r>
+              <a:rPr lang="en-ZA" sz="1200" b="0" i="0" u="none" strike="noStrike" kern="1200" dirty="0" err="1" smtClean="0">
+                <a:solidFill>
+                  <a:schemeClr val="tx1"/>
+                </a:solidFill>
+                <a:effectLst/>
+                <a:latin typeface="+mn-lt"/>
+                <a:ea typeface="+mn-ea"/>
+                <a:cs typeface="+mn-cs"/>
+              </a:rPr>
+              <a:t>erlang</a:t>
+            </a:r>
+            <a:r>
+              <a:rPr lang="en-ZA" sz="1200" b="0" i="0" u="none" strike="noStrike" kern="1200" dirty="0" smtClean="0">
+                <a:solidFill>
+                  <a:schemeClr val="tx1"/>
+                </a:solidFill>
+                <a:effectLst/>
+                <a:latin typeface="+mn-lt"/>
+                <a:ea typeface="+mn-ea"/>
+                <a:cs typeface="+mn-cs"/>
+              </a:rPr>
+              <a:t> content in</a:t>
+            </a:r>
+            <a:r>
+              <a:rPr lang="en-ZA" sz="1200" b="0" i="0" u="none" strike="noStrike" kern="1200" baseline="0" dirty="0" smtClean="0">
+                <a:solidFill>
+                  <a:schemeClr val="tx1"/>
+                </a:solidFill>
+                <a:effectLst/>
+                <a:latin typeface="+mn-lt"/>
+                <a:ea typeface="+mn-ea"/>
+                <a:cs typeface="+mn-cs"/>
+              </a:rPr>
+              <a:t> this presentation</a:t>
+            </a:r>
+            <a:endParaRPr lang="en-ZA" b="0" dirty="0"/>
+          </a:p>
+        </p:txBody>
+      </p:sp>
+      <p:sp>
+        <p:nvSpPr>
+          <p:cNvPr id="4" name="Slide Number Placeholder 3"/>
+          <p:cNvSpPr>
+            <a:spLocks noGrp="1"/>
+          </p:cNvSpPr>
+          <p:nvPr>
+            <p:ph type="sldNum" sz="quarter" idx="10"/>
+          </p:nvPr>
+        </p:nvSpPr>
+        <p:spPr/>
+        <p:txBody>
+          <a:bodyPr/>
+          <a:lstStyle/>
+          <a:p>
+            <a:fld id="{BBF75A95-E78D-401B-AFBF-BB84E2FCDE39}" type="slidenum">
+              <a:rPr lang="en-ZA" smtClean="0"/>
+              <a:t>8</a:t>
+            </a:fld>
+            <a:endParaRPr lang="en-ZA"/>
+          </a:p>
+        </p:txBody>
+      </p:sp>
+    </p:spTree>
+    <p:extLst>
+      <p:ext uri="{BB962C8B-B14F-4D97-AF65-F5344CB8AC3E}">
+        <p14:creationId xmlns:p14="http://schemas.microsoft.com/office/powerpoint/2010/main" val="1976648336"/>
+      </p:ext>
+    </p:extLst>
+  </p:cSld>
+  <p:clrMapOvr>
+    <a:masterClrMapping/>
+  </p:clrMapOvr>
+</p:notes>
+</file>
+
 <file path=ppt/slideLayouts/slideLayout1.xml><?xml version="1.0" encoding="utf-8"?>
 <p:sldLayout xmlns:a="http://schemas.openxmlformats.org/drawingml/2006/main" xmlns:r="http://schemas.openxmlformats.org/officeDocument/2006/relationships" xmlns:p="http://schemas.openxmlformats.org/presentationml/2006/main" type="obj" preserve="1">
   <p:cSld name="Title and Content">
@@ -1077,7 +1875,7 @@
           <a:p>
             <a:fld id="{3C4F6173-99EB-4A31-9EA7-DF076F90448D}" type="datetimeFigureOut">
               <a:rPr lang="en-ZA" smtClean="0"/>
-              <a:t>2016-02-22</a:t>
+              <a:t>2016-02-29</a:t>
             </a:fld>
             <a:endParaRPr lang="en-ZA"/>
           </a:p>
@@ -1490,7 +2288,7 @@
           <p:nvPr/>
         </p:nvPicPr>
         <p:blipFill>
-          <a:blip r:embed="rId2">
+          <a:blip r:embed="rId3">
             <a:extLst>
               <a:ext uri="{28A0092B-C50C-407E-A947-70E740481C1C}">
                 <a14:useLocalDpi xmlns:a14="http://schemas.microsoft.com/office/drawing/2010/main" val="0"/>
@@ -1670,7 +2468,7 @@
           <p:nvPr/>
         </p:nvPicPr>
         <p:blipFill>
-          <a:blip r:embed="rId3" cstate="print">
+          <a:blip r:embed="rId4" cstate="print">
             <a:extLst>
               <a:ext uri="{28A0092B-C50C-407E-A947-70E740481C1C}">
                 <a14:useLocalDpi xmlns:a14="http://schemas.microsoft.com/office/drawing/2010/main" val="0"/>
@@ -1700,7 +2498,7 @@
           <p:nvPr/>
         </p:nvPicPr>
         <p:blipFill>
-          <a:blip r:embed="rId4" cstate="print">
+          <a:blip r:embed="rId5" cstate="print">
             <a:extLst>
               <a:ext uri="{28A0092B-C50C-407E-A947-70E740481C1C}">
                 <a14:useLocalDpi xmlns:a14="http://schemas.microsoft.com/office/drawing/2010/main" val="0"/>
@@ -1741,6 +2539,3589 @@
 </p:sld>
 </file>
 
+<file path=ppt/slides/slide10.xml><?xml version="1.0" encoding="utf-8"?>
+<p:sld xmlns:a="http://schemas.openxmlformats.org/drawingml/2006/main" xmlns:r="http://schemas.openxmlformats.org/officeDocument/2006/relationships" xmlns:p="http://schemas.openxmlformats.org/presentationml/2006/main">
+  <p:cSld>
+    <p:spTree>
+      <p:nvGrpSpPr>
+        <p:cNvPr id="1" name=""/>
+        <p:cNvGrpSpPr/>
+        <p:nvPr/>
+      </p:nvGrpSpPr>
+      <p:grpSpPr>
+        <a:xfrm>
+          <a:off x="0" y="0"/>
+          <a:ext cx="0" cy="0"/>
+          <a:chOff x="0" y="0"/>
+          <a:chExt cx="0" cy="0"/>
+        </a:xfrm>
+      </p:grpSpPr>
+      <p:sp>
+        <p:nvSpPr>
+          <p:cNvPr id="2" name="Title 1"/>
+          <p:cNvSpPr>
+            <a:spLocks noGrp="1"/>
+          </p:cNvSpPr>
+          <p:nvPr>
+            <p:ph type="title"/>
+          </p:nvPr>
+        </p:nvSpPr>
+        <p:spPr/>
+        <p:txBody>
+          <a:bodyPr/>
+          <a:lstStyle/>
+          <a:p>
+            <a:r>
+              <a:rPr lang="en-ZA" dirty="0" smtClean="0"/>
+              <a:t>Wrappers</a:t>
+            </a:r>
+            <a:endParaRPr lang="en-ZA" dirty="0"/>
+          </a:p>
+        </p:txBody>
+      </p:sp>
+      <p:sp>
+        <p:nvSpPr>
+          <p:cNvPr id="3" name="Content Placeholder 2"/>
+          <p:cNvSpPr>
+            <a:spLocks noGrp="1"/>
+          </p:cNvSpPr>
+          <p:nvPr>
+            <p:ph idx="1"/>
+          </p:nvPr>
+        </p:nvSpPr>
+        <p:spPr/>
+        <p:txBody>
+          <a:bodyPr/>
+          <a:lstStyle/>
+          <a:p>
+            <a:r>
+              <a:rPr lang="en-ZA" dirty="0" smtClean="0"/>
+              <a:t>Native</a:t>
+            </a:r>
+          </a:p>
+          <a:p>
+            <a:r>
+              <a:rPr lang="en-ZA" dirty="0" err="1" smtClean="0"/>
+              <a:t>EasyNetQ</a:t>
+            </a:r>
+            <a:endParaRPr lang="en-ZA" dirty="0" smtClean="0"/>
+          </a:p>
+          <a:p>
+            <a:r>
+              <a:rPr lang="en-ZA" smtClean="0"/>
+              <a:t>…</a:t>
+            </a:r>
+            <a:endParaRPr lang="en-ZA"/>
+          </a:p>
+        </p:txBody>
+      </p:sp>
+    </p:spTree>
+    <p:extLst>
+      <p:ext uri="{BB962C8B-B14F-4D97-AF65-F5344CB8AC3E}">
+        <p14:creationId xmlns:p14="http://schemas.microsoft.com/office/powerpoint/2010/main" val="2662253065"/>
+      </p:ext>
+    </p:extLst>
+  </p:cSld>
+  <p:clrMapOvr>
+    <a:masterClrMapping/>
+  </p:clrMapOvr>
+</p:sld>
+</file>
+
+<file path=ppt/slides/slide11.xml><?xml version="1.0" encoding="utf-8"?>
+<p:sld xmlns:a="http://schemas.openxmlformats.org/drawingml/2006/main" xmlns:r="http://schemas.openxmlformats.org/officeDocument/2006/relationships" xmlns:p="http://schemas.openxmlformats.org/presentationml/2006/main">
+  <p:cSld>
+    <p:spTree>
+      <p:nvGrpSpPr>
+        <p:cNvPr id="1" name=""/>
+        <p:cNvGrpSpPr/>
+        <p:nvPr/>
+      </p:nvGrpSpPr>
+      <p:grpSpPr>
+        <a:xfrm>
+          <a:off x="0" y="0"/>
+          <a:ext cx="0" cy="0"/>
+          <a:chOff x="0" y="0"/>
+          <a:chExt cx="0" cy="0"/>
+        </a:xfrm>
+      </p:grpSpPr>
+      <p:sp>
+        <p:nvSpPr>
+          <p:cNvPr id="2" name="Title 1"/>
+          <p:cNvSpPr>
+            <a:spLocks noGrp="1"/>
+          </p:cNvSpPr>
+          <p:nvPr>
+            <p:ph type="title"/>
+          </p:nvPr>
+        </p:nvSpPr>
+        <p:spPr/>
+        <p:txBody>
+          <a:bodyPr/>
+          <a:lstStyle/>
+          <a:p>
+            <a:r>
+              <a:rPr lang="en-ZA" dirty="0" smtClean="0"/>
+              <a:t>Demo</a:t>
+            </a:r>
+            <a:endParaRPr lang="en-ZA" dirty="0"/>
+          </a:p>
+        </p:txBody>
+      </p:sp>
+      <p:sp>
+        <p:nvSpPr>
+          <p:cNvPr id="4" name="Oval 3"/>
+          <p:cNvSpPr/>
+          <p:nvPr/>
+        </p:nvSpPr>
+        <p:spPr>
+          <a:xfrm>
+            <a:off x="983953" y="1815370"/>
+            <a:ext cx="1605154" cy="693019"/>
+          </a:xfrm>
+          <a:prstGeom prst="ellipse">
+            <a:avLst/>
+          </a:prstGeom>
+        </p:spPr>
+        <p:style>
+          <a:lnRef idx="2">
+            <a:schemeClr val="accent1">
+              <a:shade val="50000"/>
+            </a:schemeClr>
+          </a:lnRef>
+          <a:fillRef idx="1">
+            <a:schemeClr val="accent1"/>
+          </a:fillRef>
+          <a:effectRef idx="0">
+            <a:schemeClr val="accent1"/>
+          </a:effectRef>
+          <a:fontRef idx="minor">
+            <a:schemeClr val="lt1"/>
+          </a:fontRef>
+        </p:style>
+        <p:txBody>
+          <a:bodyPr rtlCol="0" anchor="ctr"/>
+          <a:lstStyle/>
+          <a:p>
+            <a:pPr algn="ctr"/>
+            <a:r>
+              <a:rPr lang="en-ZA" dirty="0" smtClean="0"/>
+              <a:t>Web host</a:t>
+            </a:r>
+            <a:endParaRPr lang="en-ZA" dirty="0"/>
+          </a:p>
+        </p:txBody>
+      </p:sp>
+      <p:sp>
+        <p:nvSpPr>
+          <p:cNvPr id="5" name="Plaque 4"/>
+          <p:cNvSpPr/>
+          <p:nvPr/>
+        </p:nvSpPr>
+        <p:spPr>
+          <a:xfrm>
+            <a:off x="3532045" y="1715018"/>
+            <a:ext cx="1347537" cy="886636"/>
+          </a:xfrm>
+          <a:prstGeom prst="plaque">
+            <a:avLst/>
+          </a:prstGeom>
+        </p:spPr>
+        <p:style>
+          <a:lnRef idx="3">
+            <a:schemeClr val="lt1"/>
+          </a:lnRef>
+          <a:fillRef idx="1">
+            <a:schemeClr val="accent2"/>
+          </a:fillRef>
+          <a:effectRef idx="1">
+            <a:schemeClr val="accent2"/>
+          </a:effectRef>
+          <a:fontRef idx="minor">
+            <a:schemeClr val="lt1"/>
+          </a:fontRef>
+        </p:style>
+        <p:txBody>
+          <a:bodyPr rtlCol="0" anchor="ctr"/>
+          <a:lstStyle/>
+          <a:p>
+            <a:pPr algn="ctr"/>
+            <a:r>
+              <a:rPr lang="en-ZA" dirty="0" smtClean="0"/>
+              <a:t>Vote</a:t>
+            </a:r>
+            <a:endParaRPr lang="en-ZA" dirty="0"/>
+          </a:p>
+        </p:txBody>
+      </p:sp>
+      <p:grpSp>
+        <p:nvGrpSpPr>
+          <p:cNvPr id="6" name="Group 5"/>
+          <p:cNvGrpSpPr/>
+          <p:nvPr/>
+        </p:nvGrpSpPr>
+        <p:grpSpPr>
+          <a:xfrm>
+            <a:off x="6311985" y="1197614"/>
+            <a:ext cx="2685448" cy="563579"/>
+            <a:chOff x="7883091" y="1419225"/>
+            <a:chExt cx="2685448" cy="563579"/>
+          </a:xfrm>
+        </p:grpSpPr>
+        <p:sp>
+          <p:nvSpPr>
+            <p:cNvPr id="7" name="Rectangle 6"/>
+            <p:cNvSpPr/>
+            <p:nvPr/>
+          </p:nvSpPr>
+          <p:spPr>
+            <a:xfrm>
+              <a:off x="7883091" y="1419225"/>
+              <a:ext cx="2685448" cy="563579"/>
+            </a:xfrm>
+            <a:prstGeom prst="rect">
+              <a:avLst/>
+            </a:prstGeom>
+          </p:spPr>
+          <p:style>
+            <a:lnRef idx="3">
+              <a:schemeClr val="lt1"/>
+            </a:lnRef>
+            <a:fillRef idx="1">
+              <a:schemeClr val="accent6"/>
+            </a:fillRef>
+            <a:effectRef idx="1">
+              <a:schemeClr val="accent6"/>
+            </a:effectRef>
+            <a:fontRef idx="minor">
+              <a:schemeClr val="lt1"/>
+            </a:fontRef>
+          </p:style>
+          <p:txBody>
+            <a:bodyPr rtlCol="0" anchor="ctr"/>
+            <a:lstStyle/>
+            <a:p>
+              <a:pPr algn="ctr"/>
+              <a:endParaRPr lang="en-ZA"/>
+            </a:p>
+          </p:txBody>
+        </p:sp>
+        <p:cxnSp>
+          <p:nvCxnSpPr>
+            <p:cNvPr id="8" name="Straight Connector 7"/>
+            <p:cNvCxnSpPr/>
+            <p:nvPr/>
+          </p:nvCxnSpPr>
+          <p:spPr>
+            <a:xfrm flipH="1">
+              <a:off x="8296977" y="1419225"/>
+              <a:ext cx="1" cy="563579"/>
+            </a:xfrm>
+            <a:prstGeom prst="line">
+              <a:avLst/>
+            </a:prstGeom>
+          </p:spPr>
+          <p:style>
+            <a:lnRef idx="3">
+              <a:schemeClr val="lt1"/>
+            </a:lnRef>
+            <a:fillRef idx="1">
+              <a:schemeClr val="accent6"/>
+            </a:fillRef>
+            <a:effectRef idx="1">
+              <a:schemeClr val="accent6"/>
+            </a:effectRef>
+            <a:fontRef idx="minor">
+              <a:schemeClr val="lt1"/>
+            </a:fontRef>
+          </p:style>
+        </p:cxnSp>
+        <p:cxnSp>
+          <p:nvCxnSpPr>
+            <p:cNvPr id="9" name="Straight Connector 8"/>
+            <p:cNvCxnSpPr/>
+            <p:nvPr/>
+          </p:nvCxnSpPr>
+          <p:spPr>
+            <a:xfrm>
+              <a:off x="8778242" y="1419225"/>
+              <a:ext cx="0" cy="563579"/>
+            </a:xfrm>
+            <a:prstGeom prst="line">
+              <a:avLst/>
+            </a:prstGeom>
+          </p:spPr>
+          <p:style>
+            <a:lnRef idx="3">
+              <a:schemeClr val="lt1"/>
+            </a:lnRef>
+            <a:fillRef idx="1">
+              <a:schemeClr val="accent6"/>
+            </a:fillRef>
+            <a:effectRef idx="1">
+              <a:schemeClr val="accent6"/>
+            </a:effectRef>
+            <a:fontRef idx="minor">
+              <a:schemeClr val="lt1"/>
+            </a:fontRef>
+          </p:style>
+        </p:cxnSp>
+        <p:cxnSp>
+          <p:nvCxnSpPr>
+            <p:cNvPr id="10" name="Straight Connector 9"/>
+            <p:cNvCxnSpPr/>
+            <p:nvPr/>
+          </p:nvCxnSpPr>
+          <p:spPr>
+            <a:xfrm flipH="1">
+              <a:off x="9297102" y="1419225"/>
+              <a:ext cx="1" cy="563579"/>
+            </a:xfrm>
+            <a:prstGeom prst="line">
+              <a:avLst/>
+            </a:prstGeom>
+          </p:spPr>
+          <p:style>
+            <a:lnRef idx="3">
+              <a:schemeClr val="lt1"/>
+            </a:lnRef>
+            <a:fillRef idx="1">
+              <a:schemeClr val="accent6"/>
+            </a:fillRef>
+            <a:effectRef idx="1">
+              <a:schemeClr val="accent6"/>
+            </a:effectRef>
+            <a:fontRef idx="minor">
+              <a:schemeClr val="lt1"/>
+            </a:fontRef>
+          </p:style>
+        </p:cxnSp>
+        <p:cxnSp>
+          <p:nvCxnSpPr>
+            <p:cNvPr id="11" name="Straight Connector 10"/>
+            <p:cNvCxnSpPr/>
+            <p:nvPr/>
+          </p:nvCxnSpPr>
+          <p:spPr>
+            <a:xfrm>
+              <a:off x="9778367" y="1419225"/>
+              <a:ext cx="0" cy="563579"/>
+            </a:xfrm>
+            <a:prstGeom prst="line">
+              <a:avLst/>
+            </a:prstGeom>
+          </p:spPr>
+          <p:style>
+            <a:lnRef idx="3">
+              <a:schemeClr val="lt1"/>
+            </a:lnRef>
+            <a:fillRef idx="1">
+              <a:schemeClr val="accent6"/>
+            </a:fillRef>
+            <a:effectRef idx="1">
+              <a:schemeClr val="accent6"/>
+            </a:effectRef>
+            <a:fontRef idx="minor">
+              <a:schemeClr val="lt1"/>
+            </a:fontRef>
+          </p:style>
+        </p:cxnSp>
+        <p:cxnSp>
+          <p:nvCxnSpPr>
+            <p:cNvPr id="12" name="Straight Connector 11"/>
+            <p:cNvCxnSpPr/>
+            <p:nvPr/>
+          </p:nvCxnSpPr>
+          <p:spPr>
+            <a:xfrm>
+              <a:off x="10206992" y="1419225"/>
+              <a:ext cx="0" cy="563579"/>
+            </a:xfrm>
+            <a:prstGeom prst="line">
+              <a:avLst/>
+            </a:prstGeom>
+          </p:spPr>
+          <p:style>
+            <a:lnRef idx="3">
+              <a:schemeClr val="lt1"/>
+            </a:lnRef>
+            <a:fillRef idx="1">
+              <a:schemeClr val="accent6"/>
+            </a:fillRef>
+            <a:effectRef idx="1">
+              <a:schemeClr val="accent6"/>
+            </a:effectRef>
+            <a:fontRef idx="minor">
+              <a:schemeClr val="lt1"/>
+            </a:fontRef>
+          </p:style>
+        </p:cxnSp>
+      </p:grpSp>
+      <p:grpSp>
+        <p:nvGrpSpPr>
+          <p:cNvPr id="13" name="Group 12"/>
+          <p:cNvGrpSpPr/>
+          <p:nvPr/>
+        </p:nvGrpSpPr>
+        <p:grpSpPr>
+          <a:xfrm>
+            <a:off x="6310801" y="1832309"/>
+            <a:ext cx="2685448" cy="563579"/>
+            <a:chOff x="7883091" y="1419225"/>
+            <a:chExt cx="2685448" cy="563579"/>
+          </a:xfrm>
+        </p:grpSpPr>
+        <p:sp>
+          <p:nvSpPr>
+            <p:cNvPr id="14" name="Rectangle 13"/>
+            <p:cNvSpPr/>
+            <p:nvPr/>
+          </p:nvSpPr>
+          <p:spPr>
+            <a:xfrm>
+              <a:off x="7883091" y="1419225"/>
+              <a:ext cx="2685448" cy="563579"/>
+            </a:xfrm>
+            <a:prstGeom prst="rect">
+              <a:avLst/>
+            </a:prstGeom>
+          </p:spPr>
+          <p:style>
+            <a:lnRef idx="3">
+              <a:schemeClr val="lt1"/>
+            </a:lnRef>
+            <a:fillRef idx="1">
+              <a:schemeClr val="accent6"/>
+            </a:fillRef>
+            <a:effectRef idx="1">
+              <a:schemeClr val="accent6"/>
+            </a:effectRef>
+            <a:fontRef idx="minor">
+              <a:schemeClr val="lt1"/>
+            </a:fontRef>
+          </p:style>
+          <p:txBody>
+            <a:bodyPr rtlCol="0" anchor="ctr"/>
+            <a:lstStyle/>
+            <a:p>
+              <a:pPr algn="ctr"/>
+              <a:endParaRPr lang="en-ZA"/>
+            </a:p>
+          </p:txBody>
+        </p:sp>
+        <p:cxnSp>
+          <p:nvCxnSpPr>
+            <p:cNvPr id="15" name="Straight Connector 14"/>
+            <p:cNvCxnSpPr/>
+            <p:nvPr/>
+          </p:nvCxnSpPr>
+          <p:spPr>
+            <a:xfrm flipH="1">
+              <a:off x="8296977" y="1419225"/>
+              <a:ext cx="1" cy="563579"/>
+            </a:xfrm>
+            <a:prstGeom prst="line">
+              <a:avLst/>
+            </a:prstGeom>
+          </p:spPr>
+          <p:style>
+            <a:lnRef idx="3">
+              <a:schemeClr val="lt1"/>
+            </a:lnRef>
+            <a:fillRef idx="1">
+              <a:schemeClr val="accent6"/>
+            </a:fillRef>
+            <a:effectRef idx="1">
+              <a:schemeClr val="accent6"/>
+            </a:effectRef>
+            <a:fontRef idx="minor">
+              <a:schemeClr val="lt1"/>
+            </a:fontRef>
+          </p:style>
+        </p:cxnSp>
+        <p:cxnSp>
+          <p:nvCxnSpPr>
+            <p:cNvPr id="16" name="Straight Connector 15"/>
+            <p:cNvCxnSpPr/>
+            <p:nvPr/>
+          </p:nvCxnSpPr>
+          <p:spPr>
+            <a:xfrm>
+              <a:off x="8778242" y="1419225"/>
+              <a:ext cx="0" cy="563579"/>
+            </a:xfrm>
+            <a:prstGeom prst="line">
+              <a:avLst/>
+            </a:prstGeom>
+          </p:spPr>
+          <p:style>
+            <a:lnRef idx="3">
+              <a:schemeClr val="lt1"/>
+            </a:lnRef>
+            <a:fillRef idx="1">
+              <a:schemeClr val="accent6"/>
+            </a:fillRef>
+            <a:effectRef idx="1">
+              <a:schemeClr val="accent6"/>
+            </a:effectRef>
+            <a:fontRef idx="minor">
+              <a:schemeClr val="lt1"/>
+            </a:fontRef>
+          </p:style>
+        </p:cxnSp>
+        <p:cxnSp>
+          <p:nvCxnSpPr>
+            <p:cNvPr id="17" name="Straight Connector 16"/>
+            <p:cNvCxnSpPr/>
+            <p:nvPr/>
+          </p:nvCxnSpPr>
+          <p:spPr>
+            <a:xfrm flipH="1">
+              <a:off x="9297102" y="1419225"/>
+              <a:ext cx="1" cy="563579"/>
+            </a:xfrm>
+            <a:prstGeom prst="line">
+              <a:avLst/>
+            </a:prstGeom>
+          </p:spPr>
+          <p:style>
+            <a:lnRef idx="3">
+              <a:schemeClr val="lt1"/>
+            </a:lnRef>
+            <a:fillRef idx="1">
+              <a:schemeClr val="accent6"/>
+            </a:fillRef>
+            <a:effectRef idx="1">
+              <a:schemeClr val="accent6"/>
+            </a:effectRef>
+            <a:fontRef idx="minor">
+              <a:schemeClr val="lt1"/>
+            </a:fontRef>
+          </p:style>
+        </p:cxnSp>
+        <p:cxnSp>
+          <p:nvCxnSpPr>
+            <p:cNvPr id="18" name="Straight Connector 17"/>
+            <p:cNvCxnSpPr/>
+            <p:nvPr/>
+          </p:nvCxnSpPr>
+          <p:spPr>
+            <a:xfrm>
+              <a:off x="9778367" y="1419225"/>
+              <a:ext cx="0" cy="563579"/>
+            </a:xfrm>
+            <a:prstGeom prst="line">
+              <a:avLst/>
+            </a:prstGeom>
+          </p:spPr>
+          <p:style>
+            <a:lnRef idx="3">
+              <a:schemeClr val="lt1"/>
+            </a:lnRef>
+            <a:fillRef idx="1">
+              <a:schemeClr val="accent6"/>
+            </a:fillRef>
+            <a:effectRef idx="1">
+              <a:schemeClr val="accent6"/>
+            </a:effectRef>
+            <a:fontRef idx="minor">
+              <a:schemeClr val="lt1"/>
+            </a:fontRef>
+          </p:style>
+        </p:cxnSp>
+        <p:cxnSp>
+          <p:nvCxnSpPr>
+            <p:cNvPr id="19" name="Straight Connector 18"/>
+            <p:cNvCxnSpPr/>
+            <p:nvPr/>
+          </p:nvCxnSpPr>
+          <p:spPr>
+            <a:xfrm>
+              <a:off x="10206992" y="1419225"/>
+              <a:ext cx="0" cy="563579"/>
+            </a:xfrm>
+            <a:prstGeom prst="line">
+              <a:avLst/>
+            </a:prstGeom>
+          </p:spPr>
+          <p:style>
+            <a:lnRef idx="3">
+              <a:schemeClr val="lt1"/>
+            </a:lnRef>
+            <a:fillRef idx="1">
+              <a:schemeClr val="accent6"/>
+            </a:fillRef>
+            <a:effectRef idx="1">
+              <a:schemeClr val="accent6"/>
+            </a:effectRef>
+            <a:fontRef idx="minor">
+              <a:schemeClr val="lt1"/>
+            </a:fontRef>
+          </p:style>
+        </p:cxnSp>
+      </p:grpSp>
+      <p:sp>
+        <p:nvSpPr>
+          <p:cNvPr id="20" name="Plaque 19"/>
+          <p:cNvSpPr/>
+          <p:nvPr/>
+        </p:nvSpPr>
+        <p:spPr>
+          <a:xfrm>
+            <a:off x="3532044" y="3841153"/>
+            <a:ext cx="1347537" cy="886636"/>
+          </a:xfrm>
+          <a:prstGeom prst="plaque">
+            <a:avLst/>
+          </a:prstGeom>
+        </p:spPr>
+        <p:style>
+          <a:lnRef idx="3">
+            <a:schemeClr val="lt1"/>
+          </a:lnRef>
+          <a:fillRef idx="1">
+            <a:schemeClr val="accent2"/>
+          </a:fillRef>
+          <a:effectRef idx="1">
+            <a:schemeClr val="accent2"/>
+          </a:effectRef>
+          <a:fontRef idx="minor">
+            <a:schemeClr val="lt1"/>
+          </a:fontRef>
+        </p:style>
+        <p:txBody>
+          <a:bodyPr rtlCol="0" anchor="ctr"/>
+          <a:lstStyle/>
+          <a:p>
+            <a:pPr algn="ctr"/>
+            <a:r>
+              <a:rPr lang="en-ZA" dirty="0" smtClean="0"/>
+              <a:t>Vote Processed</a:t>
+            </a:r>
+            <a:endParaRPr lang="en-ZA" dirty="0"/>
+          </a:p>
+        </p:txBody>
+      </p:sp>
+      <p:sp>
+        <p:nvSpPr>
+          <p:cNvPr id="21" name="Plaque 20"/>
+          <p:cNvSpPr/>
+          <p:nvPr/>
+        </p:nvSpPr>
+        <p:spPr>
+          <a:xfrm>
+            <a:off x="3532044" y="5342092"/>
+            <a:ext cx="1347537" cy="886636"/>
+          </a:xfrm>
+          <a:prstGeom prst="plaque">
+            <a:avLst/>
+          </a:prstGeom>
+        </p:spPr>
+        <p:style>
+          <a:lnRef idx="3">
+            <a:schemeClr val="lt1"/>
+          </a:lnRef>
+          <a:fillRef idx="1">
+            <a:schemeClr val="accent2"/>
+          </a:fillRef>
+          <a:effectRef idx="1">
+            <a:schemeClr val="accent2"/>
+          </a:effectRef>
+          <a:fontRef idx="minor">
+            <a:schemeClr val="lt1"/>
+          </a:fontRef>
+        </p:style>
+        <p:txBody>
+          <a:bodyPr rtlCol="0" anchor="ctr"/>
+          <a:lstStyle/>
+          <a:p>
+            <a:pPr algn="ctr"/>
+            <a:r>
+              <a:rPr lang="en-ZA" dirty="0" err="1" smtClean="0"/>
+              <a:t>Avg</a:t>
+            </a:r>
+            <a:r>
+              <a:rPr lang="en-ZA" dirty="0" smtClean="0"/>
+              <a:t> Result</a:t>
+            </a:r>
+            <a:endParaRPr lang="en-ZA" dirty="0"/>
+          </a:p>
+        </p:txBody>
+      </p:sp>
+      <p:grpSp>
+        <p:nvGrpSpPr>
+          <p:cNvPr id="22" name="Group 21"/>
+          <p:cNvGrpSpPr/>
+          <p:nvPr/>
+        </p:nvGrpSpPr>
+        <p:grpSpPr>
+          <a:xfrm>
+            <a:off x="6284312" y="4014154"/>
+            <a:ext cx="2685448" cy="563579"/>
+            <a:chOff x="7883091" y="1419225"/>
+            <a:chExt cx="2685448" cy="563579"/>
+          </a:xfrm>
+        </p:grpSpPr>
+        <p:sp>
+          <p:nvSpPr>
+            <p:cNvPr id="23" name="Rectangle 22"/>
+            <p:cNvSpPr/>
+            <p:nvPr/>
+          </p:nvSpPr>
+          <p:spPr>
+            <a:xfrm>
+              <a:off x="7883091" y="1419225"/>
+              <a:ext cx="2685448" cy="563579"/>
+            </a:xfrm>
+            <a:prstGeom prst="rect">
+              <a:avLst/>
+            </a:prstGeom>
+          </p:spPr>
+          <p:style>
+            <a:lnRef idx="3">
+              <a:schemeClr val="lt1"/>
+            </a:lnRef>
+            <a:fillRef idx="1">
+              <a:schemeClr val="accent6"/>
+            </a:fillRef>
+            <a:effectRef idx="1">
+              <a:schemeClr val="accent6"/>
+            </a:effectRef>
+            <a:fontRef idx="minor">
+              <a:schemeClr val="lt1"/>
+            </a:fontRef>
+          </p:style>
+          <p:txBody>
+            <a:bodyPr rtlCol="0" anchor="ctr"/>
+            <a:lstStyle/>
+            <a:p>
+              <a:pPr algn="ctr"/>
+              <a:endParaRPr lang="en-ZA"/>
+            </a:p>
+          </p:txBody>
+        </p:sp>
+        <p:cxnSp>
+          <p:nvCxnSpPr>
+            <p:cNvPr id="24" name="Straight Connector 23"/>
+            <p:cNvCxnSpPr/>
+            <p:nvPr/>
+          </p:nvCxnSpPr>
+          <p:spPr>
+            <a:xfrm flipH="1">
+              <a:off x="8296977" y="1419225"/>
+              <a:ext cx="1" cy="563579"/>
+            </a:xfrm>
+            <a:prstGeom prst="line">
+              <a:avLst/>
+            </a:prstGeom>
+          </p:spPr>
+          <p:style>
+            <a:lnRef idx="3">
+              <a:schemeClr val="lt1"/>
+            </a:lnRef>
+            <a:fillRef idx="1">
+              <a:schemeClr val="accent6"/>
+            </a:fillRef>
+            <a:effectRef idx="1">
+              <a:schemeClr val="accent6"/>
+            </a:effectRef>
+            <a:fontRef idx="minor">
+              <a:schemeClr val="lt1"/>
+            </a:fontRef>
+          </p:style>
+        </p:cxnSp>
+        <p:cxnSp>
+          <p:nvCxnSpPr>
+            <p:cNvPr id="25" name="Straight Connector 24"/>
+            <p:cNvCxnSpPr/>
+            <p:nvPr/>
+          </p:nvCxnSpPr>
+          <p:spPr>
+            <a:xfrm>
+              <a:off x="8778242" y="1419225"/>
+              <a:ext cx="0" cy="563579"/>
+            </a:xfrm>
+            <a:prstGeom prst="line">
+              <a:avLst/>
+            </a:prstGeom>
+          </p:spPr>
+          <p:style>
+            <a:lnRef idx="3">
+              <a:schemeClr val="lt1"/>
+            </a:lnRef>
+            <a:fillRef idx="1">
+              <a:schemeClr val="accent6"/>
+            </a:fillRef>
+            <a:effectRef idx="1">
+              <a:schemeClr val="accent6"/>
+            </a:effectRef>
+            <a:fontRef idx="minor">
+              <a:schemeClr val="lt1"/>
+            </a:fontRef>
+          </p:style>
+        </p:cxnSp>
+        <p:cxnSp>
+          <p:nvCxnSpPr>
+            <p:cNvPr id="26" name="Straight Connector 25"/>
+            <p:cNvCxnSpPr/>
+            <p:nvPr/>
+          </p:nvCxnSpPr>
+          <p:spPr>
+            <a:xfrm flipH="1">
+              <a:off x="9297102" y="1419225"/>
+              <a:ext cx="1" cy="563579"/>
+            </a:xfrm>
+            <a:prstGeom prst="line">
+              <a:avLst/>
+            </a:prstGeom>
+          </p:spPr>
+          <p:style>
+            <a:lnRef idx="3">
+              <a:schemeClr val="lt1"/>
+            </a:lnRef>
+            <a:fillRef idx="1">
+              <a:schemeClr val="accent6"/>
+            </a:fillRef>
+            <a:effectRef idx="1">
+              <a:schemeClr val="accent6"/>
+            </a:effectRef>
+            <a:fontRef idx="minor">
+              <a:schemeClr val="lt1"/>
+            </a:fontRef>
+          </p:style>
+        </p:cxnSp>
+        <p:cxnSp>
+          <p:nvCxnSpPr>
+            <p:cNvPr id="27" name="Straight Connector 26"/>
+            <p:cNvCxnSpPr/>
+            <p:nvPr/>
+          </p:nvCxnSpPr>
+          <p:spPr>
+            <a:xfrm>
+              <a:off x="9778367" y="1419225"/>
+              <a:ext cx="0" cy="563579"/>
+            </a:xfrm>
+            <a:prstGeom prst="line">
+              <a:avLst/>
+            </a:prstGeom>
+          </p:spPr>
+          <p:style>
+            <a:lnRef idx="3">
+              <a:schemeClr val="lt1"/>
+            </a:lnRef>
+            <a:fillRef idx="1">
+              <a:schemeClr val="accent6"/>
+            </a:fillRef>
+            <a:effectRef idx="1">
+              <a:schemeClr val="accent6"/>
+            </a:effectRef>
+            <a:fontRef idx="minor">
+              <a:schemeClr val="lt1"/>
+            </a:fontRef>
+          </p:style>
+        </p:cxnSp>
+        <p:cxnSp>
+          <p:nvCxnSpPr>
+            <p:cNvPr id="28" name="Straight Connector 27"/>
+            <p:cNvCxnSpPr/>
+            <p:nvPr/>
+          </p:nvCxnSpPr>
+          <p:spPr>
+            <a:xfrm>
+              <a:off x="10206992" y="1419225"/>
+              <a:ext cx="0" cy="563579"/>
+            </a:xfrm>
+            <a:prstGeom prst="line">
+              <a:avLst/>
+            </a:prstGeom>
+          </p:spPr>
+          <p:style>
+            <a:lnRef idx="3">
+              <a:schemeClr val="lt1"/>
+            </a:lnRef>
+            <a:fillRef idx="1">
+              <a:schemeClr val="accent6"/>
+            </a:fillRef>
+            <a:effectRef idx="1">
+              <a:schemeClr val="accent6"/>
+            </a:effectRef>
+            <a:fontRef idx="minor">
+              <a:schemeClr val="lt1"/>
+            </a:fontRef>
+          </p:style>
+        </p:cxnSp>
+      </p:grpSp>
+      <p:grpSp>
+        <p:nvGrpSpPr>
+          <p:cNvPr id="29" name="Group 28"/>
+          <p:cNvGrpSpPr/>
+          <p:nvPr/>
+        </p:nvGrpSpPr>
+        <p:grpSpPr>
+          <a:xfrm>
+            <a:off x="6308614" y="5503620"/>
+            <a:ext cx="2685448" cy="563579"/>
+            <a:chOff x="7883091" y="1419225"/>
+            <a:chExt cx="2685448" cy="563579"/>
+          </a:xfrm>
+        </p:grpSpPr>
+        <p:sp>
+          <p:nvSpPr>
+            <p:cNvPr id="30" name="Rectangle 29"/>
+            <p:cNvSpPr/>
+            <p:nvPr/>
+          </p:nvSpPr>
+          <p:spPr>
+            <a:xfrm>
+              <a:off x="7883091" y="1419225"/>
+              <a:ext cx="2685448" cy="563579"/>
+            </a:xfrm>
+            <a:prstGeom prst="rect">
+              <a:avLst/>
+            </a:prstGeom>
+          </p:spPr>
+          <p:style>
+            <a:lnRef idx="3">
+              <a:schemeClr val="lt1"/>
+            </a:lnRef>
+            <a:fillRef idx="1">
+              <a:schemeClr val="accent6"/>
+            </a:fillRef>
+            <a:effectRef idx="1">
+              <a:schemeClr val="accent6"/>
+            </a:effectRef>
+            <a:fontRef idx="minor">
+              <a:schemeClr val="lt1"/>
+            </a:fontRef>
+          </p:style>
+          <p:txBody>
+            <a:bodyPr rtlCol="0" anchor="ctr"/>
+            <a:lstStyle/>
+            <a:p>
+              <a:pPr algn="ctr"/>
+              <a:endParaRPr lang="en-ZA"/>
+            </a:p>
+          </p:txBody>
+        </p:sp>
+        <p:cxnSp>
+          <p:nvCxnSpPr>
+            <p:cNvPr id="31" name="Straight Connector 30"/>
+            <p:cNvCxnSpPr/>
+            <p:nvPr/>
+          </p:nvCxnSpPr>
+          <p:spPr>
+            <a:xfrm flipH="1">
+              <a:off x="8296977" y="1419225"/>
+              <a:ext cx="1" cy="563579"/>
+            </a:xfrm>
+            <a:prstGeom prst="line">
+              <a:avLst/>
+            </a:prstGeom>
+          </p:spPr>
+          <p:style>
+            <a:lnRef idx="3">
+              <a:schemeClr val="lt1"/>
+            </a:lnRef>
+            <a:fillRef idx="1">
+              <a:schemeClr val="accent6"/>
+            </a:fillRef>
+            <a:effectRef idx="1">
+              <a:schemeClr val="accent6"/>
+            </a:effectRef>
+            <a:fontRef idx="minor">
+              <a:schemeClr val="lt1"/>
+            </a:fontRef>
+          </p:style>
+        </p:cxnSp>
+        <p:cxnSp>
+          <p:nvCxnSpPr>
+            <p:cNvPr id="32" name="Straight Connector 31"/>
+            <p:cNvCxnSpPr/>
+            <p:nvPr/>
+          </p:nvCxnSpPr>
+          <p:spPr>
+            <a:xfrm>
+              <a:off x="8778242" y="1419225"/>
+              <a:ext cx="0" cy="563579"/>
+            </a:xfrm>
+            <a:prstGeom prst="line">
+              <a:avLst/>
+            </a:prstGeom>
+          </p:spPr>
+          <p:style>
+            <a:lnRef idx="3">
+              <a:schemeClr val="lt1"/>
+            </a:lnRef>
+            <a:fillRef idx="1">
+              <a:schemeClr val="accent6"/>
+            </a:fillRef>
+            <a:effectRef idx="1">
+              <a:schemeClr val="accent6"/>
+            </a:effectRef>
+            <a:fontRef idx="minor">
+              <a:schemeClr val="lt1"/>
+            </a:fontRef>
+          </p:style>
+        </p:cxnSp>
+        <p:cxnSp>
+          <p:nvCxnSpPr>
+            <p:cNvPr id="33" name="Straight Connector 32"/>
+            <p:cNvCxnSpPr/>
+            <p:nvPr/>
+          </p:nvCxnSpPr>
+          <p:spPr>
+            <a:xfrm flipH="1">
+              <a:off x="9297102" y="1419225"/>
+              <a:ext cx="1" cy="563579"/>
+            </a:xfrm>
+            <a:prstGeom prst="line">
+              <a:avLst/>
+            </a:prstGeom>
+          </p:spPr>
+          <p:style>
+            <a:lnRef idx="3">
+              <a:schemeClr val="lt1"/>
+            </a:lnRef>
+            <a:fillRef idx="1">
+              <a:schemeClr val="accent6"/>
+            </a:fillRef>
+            <a:effectRef idx="1">
+              <a:schemeClr val="accent6"/>
+            </a:effectRef>
+            <a:fontRef idx="minor">
+              <a:schemeClr val="lt1"/>
+            </a:fontRef>
+          </p:style>
+        </p:cxnSp>
+        <p:cxnSp>
+          <p:nvCxnSpPr>
+            <p:cNvPr id="34" name="Straight Connector 33"/>
+            <p:cNvCxnSpPr/>
+            <p:nvPr/>
+          </p:nvCxnSpPr>
+          <p:spPr>
+            <a:xfrm>
+              <a:off x="9778367" y="1419225"/>
+              <a:ext cx="0" cy="563579"/>
+            </a:xfrm>
+            <a:prstGeom prst="line">
+              <a:avLst/>
+            </a:prstGeom>
+          </p:spPr>
+          <p:style>
+            <a:lnRef idx="3">
+              <a:schemeClr val="lt1"/>
+            </a:lnRef>
+            <a:fillRef idx="1">
+              <a:schemeClr val="accent6"/>
+            </a:fillRef>
+            <a:effectRef idx="1">
+              <a:schemeClr val="accent6"/>
+            </a:effectRef>
+            <a:fontRef idx="minor">
+              <a:schemeClr val="lt1"/>
+            </a:fontRef>
+          </p:style>
+        </p:cxnSp>
+        <p:cxnSp>
+          <p:nvCxnSpPr>
+            <p:cNvPr id="35" name="Straight Connector 34"/>
+            <p:cNvCxnSpPr/>
+            <p:nvPr/>
+          </p:nvCxnSpPr>
+          <p:spPr>
+            <a:xfrm>
+              <a:off x="10206992" y="1419225"/>
+              <a:ext cx="0" cy="563579"/>
+            </a:xfrm>
+            <a:prstGeom prst="line">
+              <a:avLst/>
+            </a:prstGeom>
+          </p:spPr>
+          <p:style>
+            <a:lnRef idx="3">
+              <a:schemeClr val="lt1"/>
+            </a:lnRef>
+            <a:fillRef idx="1">
+              <a:schemeClr val="accent6"/>
+            </a:fillRef>
+            <a:effectRef idx="1">
+              <a:schemeClr val="accent6"/>
+            </a:effectRef>
+            <a:fontRef idx="minor">
+              <a:schemeClr val="lt1"/>
+            </a:fontRef>
+          </p:style>
+        </p:cxnSp>
+      </p:grpSp>
+      <p:sp>
+        <p:nvSpPr>
+          <p:cNvPr id="43" name="TextBox 42"/>
+          <p:cNvSpPr txBox="1"/>
+          <p:nvPr/>
+        </p:nvSpPr>
+        <p:spPr>
+          <a:xfrm>
+            <a:off x="7436915" y="1268821"/>
+            <a:ext cx="606448" cy="369332"/>
+          </a:xfrm>
+          <a:prstGeom prst="rect">
+            <a:avLst/>
+          </a:prstGeom>
+          <a:noFill/>
+        </p:spPr>
+        <p:txBody>
+          <a:bodyPr wrap="none" rtlCol="0">
+            <a:spAutoFit/>
+          </a:bodyPr>
+          <a:lstStyle/>
+          <a:p>
+            <a:r>
+              <a:rPr lang="en-ZA" b="1" dirty="0" smtClean="0"/>
+              <a:t>Save</a:t>
+            </a:r>
+          </a:p>
+        </p:txBody>
+      </p:sp>
+      <p:sp>
+        <p:nvSpPr>
+          <p:cNvPr id="44" name="TextBox 43"/>
+          <p:cNvSpPr txBox="1"/>
+          <p:nvPr/>
+        </p:nvSpPr>
+        <p:spPr>
+          <a:xfrm>
+            <a:off x="7404744" y="1903304"/>
+            <a:ext cx="689612" cy="369332"/>
+          </a:xfrm>
+          <a:prstGeom prst="rect">
+            <a:avLst/>
+          </a:prstGeom>
+          <a:noFill/>
+        </p:spPr>
+        <p:txBody>
+          <a:bodyPr wrap="none" rtlCol="0">
+            <a:spAutoFit/>
+          </a:bodyPr>
+          <a:lstStyle/>
+          <a:p>
+            <a:r>
+              <a:rPr lang="en-ZA" b="1" dirty="0" smtClean="0"/>
+              <a:t>Good</a:t>
+            </a:r>
+            <a:endParaRPr lang="en-ZA" b="1" dirty="0"/>
+          </a:p>
+        </p:txBody>
+      </p:sp>
+      <p:grpSp>
+        <p:nvGrpSpPr>
+          <p:cNvPr id="45" name="Group 44"/>
+          <p:cNvGrpSpPr/>
+          <p:nvPr/>
+        </p:nvGrpSpPr>
+        <p:grpSpPr>
+          <a:xfrm>
+            <a:off x="6308614" y="2501742"/>
+            <a:ext cx="2685448" cy="563579"/>
+            <a:chOff x="7883091" y="1419225"/>
+            <a:chExt cx="2685448" cy="563579"/>
+          </a:xfrm>
+        </p:grpSpPr>
+        <p:sp>
+          <p:nvSpPr>
+            <p:cNvPr id="46" name="Rectangle 45"/>
+            <p:cNvSpPr/>
+            <p:nvPr/>
+          </p:nvSpPr>
+          <p:spPr>
+            <a:xfrm>
+              <a:off x="7883091" y="1419225"/>
+              <a:ext cx="2685448" cy="563579"/>
+            </a:xfrm>
+            <a:prstGeom prst="rect">
+              <a:avLst/>
+            </a:prstGeom>
+          </p:spPr>
+          <p:style>
+            <a:lnRef idx="3">
+              <a:schemeClr val="lt1"/>
+            </a:lnRef>
+            <a:fillRef idx="1">
+              <a:schemeClr val="accent6"/>
+            </a:fillRef>
+            <a:effectRef idx="1">
+              <a:schemeClr val="accent6"/>
+            </a:effectRef>
+            <a:fontRef idx="minor">
+              <a:schemeClr val="lt1"/>
+            </a:fontRef>
+          </p:style>
+          <p:txBody>
+            <a:bodyPr rtlCol="0" anchor="ctr"/>
+            <a:lstStyle/>
+            <a:p>
+              <a:pPr algn="ctr"/>
+              <a:endParaRPr lang="en-ZA"/>
+            </a:p>
+          </p:txBody>
+        </p:sp>
+        <p:cxnSp>
+          <p:nvCxnSpPr>
+            <p:cNvPr id="47" name="Straight Connector 46"/>
+            <p:cNvCxnSpPr/>
+            <p:nvPr/>
+          </p:nvCxnSpPr>
+          <p:spPr>
+            <a:xfrm flipH="1">
+              <a:off x="8296977" y="1419225"/>
+              <a:ext cx="1" cy="563579"/>
+            </a:xfrm>
+            <a:prstGeom prst="line">
+              <a:avLst/>
+            </a:prstGeom>
+          </p:spPr>
+          <p:style>
+            <a:lnRef idx="3">
+              <a:schemeClr val="lt1"/>
+            </a:lnRef>
+            <a:fillRef idx="1">
+              <a:schemeClr val="accent6"/>
+            </a:fillRef>
+            <a:effectRef idx="1">
+              <a:schemeClr val="accent6"/>
+            </a:effectRef>
+            <a:fontRef idx="minor">
+              <a:schemeClr val="lt1"/>
+            </a:fontRef>
+          </p:style>
+        </p:cxnSp>
+        <p:cxnSp>
+          <p:nvCxnSpPr>
+            <p:cNvPr id="48" name="Straight Connector 47"/>
+            <p:cNvCxnSpPr/>
+            <p:nvPr/>
+          </p:nvCxnSpPr>
+          <p:spPr>
+            <a:xfrm>
+              <a:off x="8778242" y="1419225"/>
+              <a:ext cx="0" cy="563579"/>
+            </a:xfrm>
+            <a:prstGeom prst="line">
+              <a:avLst/>
+            </a:prstGeom>
+          </p:spPr>
+          <p:style>
+            <a:lnRef idx="3">
+              <a:schemeClr val="lt1"/>
+            </a:lnRef>
+            <a:fillRef idx="1">
+              <a:schemeClr val="accent6"/>
+            </a:fillRef>
+            <a:effectRef idx="1">
+              <a:schemeClr val="accent6"/>
+            </a:effectRef>
+            <a:fontRef idx="minor">
+              <a:schemeClr val="lt1"/>
+            </a:fontRef>
+          </p:style>
+        </p:cxnSp>
+        <p:cxnSp>
+          <p:nvCxnSpPr>
+            <p:cNvPr id="49" name="Straight Connector 48"/>
+            <p:cNvCxnSpPr/>
+            <p:nvPr/>
+          </p:nvCxnSpPr>
+          <p:spPr>
+            <a:xfrm flipH="1">
+              <a:off x="9297102" y="1419225"/>
+              <a:ext cx="1" cy="563579"/>
+            </a:xfrm>
+            <a:prstGeom prst="line">
+              <a:avLst/>
+            </a:prstGeom>
+          </p:spPr>
+          <p:style>
+            <a:lnRef idx="3">
+              <a:schemeClr val="lt1"/>
+            </a:lnRef>
+            <a:fillRef idx="1">
+              <a:schemeClr val="accent6"/>
+            </a:fillRef>
+            <a:effectRef idx="1">
+              <a:schemeClr val="accent6"/>
+            </a:effectRef>
+            <a:fontRef idx="minor">
+              <a:schemeClr val="lt1"/>
+            </a:fontRef>
+          </p:style>
+        </p:cxnSp>
+        <p:cxnSp>
+          <p:nvCxnSpPr>
+            <p:cNvPr id="50" name="Straight Connector 49"/>
+            <p:cNvCxnSpPr/>
+            <p:nvPr/>
+          </p:nvCxnSpPr>
+          <p:spPr>
+            <a:xfrm>
+              <a:off x="9778367" y="1419225"/>
+              <a:ext cx="0" cy="563579"/>
+            </a:xfrm>
+            <a:prstGeom prst="line">
+              <a:avLst/>
+            </a:prstGeom>
+          </p:spPr>
+          <p:style>
+            <a:lnRef idx="3">
+              <a:schemeClr val="lt1"/>
+            </a:lnRef>
+            <a:fillRef idx="1">
+              <a:schemeClr val="accent6"/>
+            </a:fillRef>
+            <a:effectRef idx="1">
+              <a:schemeClr val="accent6"/>
+            </a:effectRef>
+            <a:fontRef idx="minor">
+              <a:schemeClr val="lt1"/>
+            </a:fontRef>
+          </p:style>
+        </p:cxnSp>
+        <p:cxnSp>
+          <p:nvCxnSpPr>
+            <p:cNvPr id="51" name="Straight Connector 50"/>
+            <p:cNvCxnSpPr/>
+            <p:nvPr/>
+          </p:nvCxnSpPr>
+          <p:spPr>
+            <a:xfrm>
+              <a:off x="10206992" y="1419225"/>
+              <a:ext cx="0" cy="563579"/>
+            </a:xfrm>
+            <a:prstGeom prst="line">
+              <a:avLst/>
+            </a:prstGeom>
+          </p:spPr>
+          <p:style>
+            <a:lnRef idx="3">
+              <a:schemeClr val="lt1"/>
+            </a:lnRef>
+            <a:fillRef idx="1">
+              <a:schemeClr val="accent6"/>
+            </a:fillRef>
+            <a:effectRef idx="1">
+              <a:schemeClr val="accent6"/>
+            </a:effectRef>
+            <a:fontRef idx="minor">
+              <a:schemeClr val="lt1"/>
+            </a:fontRef>
+          </p:style>
+        </p:cxnSp>
+      </p:grpSp>
+      <p:sp>
+        <p:nvSpPr>
+          <p:cNvPr id="52" name="TextBox 51"/>
+          <p:cNvSpPr txBox="1"/>
+          <p:nvPr/>
+        </p:nvSpPr>
+        <p:spPr>
+          <a:xfrm>
+            <a:off x="7468150" y="2588178"/>
+            <a:ext cx="537327" cy="369332"/>
+          </a:xfrm>
+          <a:prstGeom prst="rect">
+            <a:avLst/>
+          </a:prstGeom>
+          <a:noFill/>
+        </p:spPr>
+        <p:txBody>
+          <a:bodyPr wrap="none" rtlCol="0">
+            <a:spAutoFit/>
+          </a:bodyPr>
+          <a:lstStyle/>
+          <a:p>
+            <a:r>
+              <a:rPr lang="en-ZA" b="1" dirty="0" smtClean="0"/>
+              <a:t>Bad</a:t>
+            </a:r>
+          </a:p>
+        </p:txBody>
+      </p:sp>
+      <p:cxnSp>
+        <p:nvCxnSpPr>
+          <p:cNvPr id="53" name="Straight Arrow Connector 52"/>
+          <p:cNvCxnSpPr>
+            <a:stCxn id="5" idx="3"/>
+            <a:endCxn id="7" idx="1"/>
+          </p:cNvCxnSpPr>
+          <p:nvPr/>
+        </p:nvCxnSpPr>
+        <p:spPr>
+          <a:xfrm flipV="1">
+            <a:off x="4879582" y="1479404"/>
+            <a:ext cx="1432403" cy="678932"/>
+          </a:xfrm>
+          <a:prstGeom prst="straightConnector1">
+            <a:avLst/>
+          </a:prstGeom>
+          <a:ln>
+            <a:tailEnd type="triangle"/>
+          </a:ln>
+        </p:spPr>
+        <p:style>
+          <a:lnRef idx="3">
+            <a:schemeClr val="accent2"/>
+          </a:lnRef>
+          <a:fillRef idx="0">
+            <a:schemeClr val="accent2"/>
+          </a:fillRef>
+          <a:effectRef idx="2">
+            <a:schemeClr val="accent2"/>
+          </a:effectRef>
+          <a:fontRef idx="minor">
+            <a:schemeClr val="tx1"/>
+          </a:fontRef>
+        </p:style>
+      </p:cxnSp>
+      <p:cxnSp>
+        <p:nvCxnSpPr>
+          <p:cNvPr id="54" name="Straight Arrow Connector 53"/>
+          <p:cNvCxnSpPr>
+            <a:stCxn id="5" idx="3"/>
+            <a:endCxn id="14" idx="1"/>
+          </p:cNvCxnSpPr>
+          <p:nvPr/>
+        </p:nvCxnSpPr>
+        <p:spPr>
+          <a:xfrm flipV="1">
+            <a:off x="4879582" y="2114099"/>
+            <a:ext cx="1431219" cy="44237"/>
+          </a:xfrm>
+          <a:prstGeom prst="straightConnector1">
+            <a:avLst/>
+          </a:prstGeom>
+          <a:ln>
+            <a:tailEnd type="triangle"/>
+          </a:ln>
+        </p:spPr>
+        <p:style>
+          <a:lnRef idx="3">
+            <a:schemeClr val="accent2"/>
+          </a:lnRef>
+          <a:fillRef idx="0">
+            <a:schemeClr val="accent2"/>
+          </a:fillRef>
+          <a:effectRef idx="2">
+            <a:schemeClr val="accent2"/>
+          </a:effectRef>
+          <a:fontRef idx="minor">
+            <a:schemeClr val="tx1"/>
+          </a:fontRef>
+        </p:style>
+      </p:cxnSp>
+      <p:cxnSp>
+        <p:nvCxnSpPr>
+          <p:cNvPr id="55" name="Straight Arrow Connector 54"/>
+          <p:cNvCxnSpPr>
+            <a:stCxn id="5" idx="3"/>
+            <a:endCxn id="46" idx="1"/>
+          </p:cNvCxnSpPr>
+          <p:nvPr/>
+        </p:nvCxnSpPr>
+        <p:spPr>
+          <a:xfrm>
+            <a:off x="4879582" y="2158336"/>
+            <a:ext cx="1429032" cy="625196"/>
+          </a:xfrm>
+          <a:prstGeom prst="straightConnector1">
+            <a:avLst/>
+          </a:prstGeom>
+          <a:ln>
+            <a:tailEnd type="triangle"/>
+          </a:ln>
+        </p:spPr>
+        <p:style>
+          <a:lnRef idx="3">
+            <a:schemeClr val="accent2"/>
+          </a:lnRef>
+          <a:fillRef idx="0">
+            <a:schemeClr val="accent2"/>
+          </a:fillRef>
+          <a:effectRef idx="2">
+            <a:schemeClr val="accent2"/>
+          </a:effectRef>
+          <a:fontRef idx="minor">
+            <a:schemeClr val="tx1"/>
+          </a:fontRef>
+        </p:style>
+      </p:cxnSp>
+      <p:cxnSp>
+        <p:nvCxnSpPr>
+          <p:cNvPr id="60" name="Straight Arrow Connector 59"/>
+          <p:cNvCxnSpPr>
+            <a:stCxn id="4" idx="6"/>
+            <a:endCxn id="5" idx="1"/>
+          </p:cNvCxnSpPr>
+          <p:nvPr/>
+        </p:nvCxnSpPr>
+        <p:spPr>
+          <a:xfrm flipV="1">
+            <a:off x="2589107" y="2158336"/>
+            <a:ext cx="942938" cy="3544"/>
+          </a:xfrm>
+          <a:prstGeom prst="straightConnector1">
+            <a:avLst/>
+          </a:prstGeom>
+          <a:ln>
+            <a:tailEnd type="triangle"/>
+          </a:ln>
+        </p:spPr>
+        <p:style>
+          <a:lnRef idx="3">
+            <a:schemeClr val="accent1"/>
+          </a:lnRef>
+          <a:fillRef idx="0">
+            <a:schemeClr val="accent1"/>
+          </a:fillRef>
+          <a:effectRef idx="2">
+            <a:schemeClr val="accent1"/>
+          </a:effectRef>
+          <a:fontRef idx="minor">
+            <a:schemeClr val="tx1"/>
+          </a:fontRef>
+        </p:style>
+      </p:cxnSp>
+      <p:sp>
+        <p:nvSpPr>
+          <p:cNvPr id="72" name="Oval 71"/>
+          <p:cNvSpPr/>
+          <p:nvPr/>
+        </p:nvSpPr>
+        <p:spPr>
+          <a:xfrm>
+            <a:off x="983953" y="4413849"/>
+            <a:ext cx="1605154" cy="693019"/>
+          </a:xfrm>
+          <a:prstGeom prst="ellipse">
+            <a:avLst/>
+          </a:prstGeom>
+        </p:spPr>
+        <p:style>
+          <a:lnRef idx="2">
+            <a:schemeClr val="accent1">
+              <a:shade val="50000"/>
+            </a:schemeClr>
+          </a:lnRef>
+          <a:fillRef idx="1">
+            <a:schemeClr val="accent1"/>
+          </a:fillRef>
+          <a:effectRef idx="0">
+            <a:schemeClr val="accent1"/>
+          </a:effectRef>
+          <a:fontRef idx="minor">
+            <a:schemeClr val="lt1"/>
+          </a:fontRef>
+        </p:style>
+        <p:txBody>
+          <a:bodyPr rtlCol="0" anchor="ctr"/>
+          <a:lstStyle/>
+          <a:p>
+            <a:pPr algn="ctr"/>
+            <a:r>
+              <a:rPr lang="en-ZA" dirty="0" smtClean="0"/>
+              <a:t>Win host</a:t>
+            </a:r>
+            <a:endParaRPr lang="en-ZA" dirty="0"/>
+          </a:p>
+        </p:txBody>
+      </p:sp>
+      <p:cxnSp>
+        <p:nvCxnSpPr>
+          <p:cNvPr id="74" name="Straight Arrow Connector 73"/>
+          <p:cNvCxnSpPr>
+            <a:stCxn id="72" idx="6"/>
+            <a:endCxn id="20" idx="1"/>
+          </p:cNvCxnSpPr>
+          <p:nvPr/>
+        </p:nvCxnSpPr>
+        <p:spPr>
+          <a:xfrm flipV="1">
+            <a:off x="2589107" y="4284471"/>
+            <a:ext cx="942937" cy="475888"/>
+          </a:xfrm>
+          <a:prstGeom prst="straightConnector1">
+            <a:avLst/>
+          </a:prstGeom>
+          <a:ln>
+            <a:tailEnd type="triangle"/>
+          </a:ln>
+        </p:spPr>
+        <p:style>
+          <a:lnRef idx="3">
+            <a:schemeClr val="accent1"/>
+          </a:lnRef>
+          <a:fillRef idx="0">
+            <a:schemeClr val="accent1"/>
+          </a:fillRef>
+          <a:effectRef idx="2">
+            <a:schemeClr val="accent1"/>
+          </a:effectRef>
+          <a:fontRef idx="minor">
+            <a:schemeClr val="tx1"/>
+          </a:fontRef>
+        </p:style>
+      </p:cxnSp>
+      <p:cxnSp>
+        <p:nvCxnSpPr>
+          <p:cNvPr id="76" name="Straight Arrow Connector 75"/>
+          <p:cNvCxnSpPr>
+            <a:stCxn id="72" idx="6"/>
+            <a:endCxn id="21" idx="1"/>
+          </p:cNvCxnSpPr>
+          <p:nvPr/>
+        </p:nvCxnSpPr>
+        <p:spPr>
+          <a:xfrm>
+            <a:off x="2589107" y="4760359"/>
+            <a:ext cx="942937" cy="1025051"/>
+          </a:xfrm>
+          <a:prstGeom prst="straightConnector1">
+            <a:avLst/>
+          </a:prstGeom>
+          <a:ln>
+            <a:tailEnd type="triangle"/>
+          </a:ln>
+        </p:spPr>
+        <p:style>
+          <a:lnRef idx="3">
+            <a:schemeClr val="accent1"/>
+          </a:lnRef>
+          <a:fillRef idx="0">
+            <a:schemeClr val="accent1"/>
+          </a:fillRef>
+          <a:effectRef idx="2">
+            <a:schemeClr val="accent1"/>
+          </a:effectRef>
+          <a:fontRef idx="minor">
+            <a:schemeClr val="tx1"/>
+          </a:fontRef>
+        </p:style>
+      </p:cxnSp>
+      <p:cxnSp>
+        <p:nvCxnSpPr>
+          <p:cNvPr id="80" name="Elbow Connector 79"/>
+          <p:cNvCxnSpPr>
+            <a:stCxn id="7" idx="3"/>
+            <a:endCxn id="114" idx="5"/>
+          </p:cNvCxnSpPr>
+          <p:nvPr/>
+        </p:nvCxnSpPr>
+        <p:spPr>
+          <a:xfrm flipH="1">
+            <a:off x="2374788" y="1479404"/>
+            <a:ext cx="6622645" cy="2118686"/>
+          </a:xfrm>
+          <a:prstGeom prst="bentConnector4">
+            <a:avLst>
+              <a:gd name="adj1" fmla="val -7890"/>
+              <a:gd name="adj2" fmla="val 94514"/>
+            </a:avLst>
+          </a:prstGeom>
+          <a:ln>
+            <a:tailEnd type="triangle"/>
+          </a:ln>
+        </p:spPr>
+        <p:style>
+          <a:lnRef idx="3">
+            <a:schemeClr val="accent3"/>
+          </a:lnRef>
+          <a:fillRef idx="0">
+            <a:schemeClr val="accent3"/>
+          </a:fillRef>
+          <a:effectRef idx="2">
+            <a:schemeClr val="accent3"/>
+          </a:effectRef>
+          <a:fontRef idx="minor">
+            <a:schemeClr val="tx1"/>
+          </a:fontRef>
+        </p:style>
+      </p:cxnSp>
+      <p:cxnSp>
+        <p:nvCxnSpPr>
+          <p:cNvPr id="91" name="Elbow Connector 90"/>
+          <p:cNvCxnSpPr>
+            <a:stCxn id="14" idx="3"/>
+            <a:endCxn id="114" idx="6"/>
+          </p:cNvCxnSpPr>
+          <p:nvPr/>
+        </p:nvCxnSpPr>
+        <p:spPr>
+          <a:xfrm flipH="1">
+            <a:off x="2609857" y="2114099"/>
+            <a:ext cx="6386392" cy="1238972"/>
+          </a:xfrm>
+          <a:prstGeom prst="bentConnector3">
+            <a:avLst>
+              <a:gd name="adj1" fmla="val -5624"/>
+            </a:avLst>
+          </a:prstGeom>
+          <a:ln>
+            <a:tailEnd type="triangle"/>
+          </a:ln>
+        </p:spPr>
+        <p:style>
+          <a:lnRef idx="3">
+            <a:schemeClr val="accent3"/>
+          </a:lnRef>
+          <a:fillRef idx="0">
+            <a:schemeClr val="accent3"/>
+          </a:fillRef>
+          <a:effectRef idx="2">
+            <a:schemeClr val="accent3"/>
+          </a:effectRef>
+          <a:fontRef idx="minor">
+            <a:schemeClr val="tx1"/>
+          </a:fontRef>
+        </p:style>
+      </p:cxnSp>
+      <p:cxnSp>
+        <p:nvCxnSpPr>
+          <p:cNvPr id="102" name="Elbow Connector 101"/>
+          <p:cNvCxnSpPr>
+            <a:stCxn id="46" idx="3"/>
+            <a:endCxn id="114" idx="7"/>
+          </p:cNvCxnSpPr>
+          <p:nvPr/>
+        </p:nvCxnSpPr>
+        <p:spPr>
+          <a:xfrm flipH="1">
+            <a:off x="2374788" y="2783532"/>
+            <a:ext cx="6619274" cy="324519"/>
+          </a:xfrm>
+          <a:prstGeom prst="bentConnector4">
+            <a:avLst>
+              <a:gd name="adj1" fmla="val -3454"/>
+              <a:gd name="adj2" fmla="val 124495"/>
+            </a:avLst>
+          </a:prstGeom>
+          <a:ln>
+            <a:tailEnd type="triangle"/>
+          </a:ln>
+        </p:spPr>
+        <p:style>
+          <a:lnRef idx="3">
+            <a:schemeClr val="accent3"/>
+          </a:lnRef>
+          <a:fillRef idx="0">
+            <a:schemeClr val="accent3"/>
+          </a:fillRef>
+          <a:effectRef idx="2">
+            <a:schemeClr val="accent3"/>
+          </a:effectRef>
+          <a:fontRef idx="minor">
+            <a:schemeClr val="tx1"/>
+          </a:fontRef>
+        </p:style>
+      </p:cxnSp>
+      <p:sp>
+        <p:nvSpPr>
+          <p:cNvPr id="114" name="Oval 113"/>
+          <p:cNvSpPr/>
+          <p:nvPr/>
+        </p:nvSpPr>
+        <p:spPr>
+          <a:xfrm>
+            <a:off x="1004703" y="3006561"/>
+            <a:ext cx="1605154" cy="693019"/>
+          </a:xfrm>
+          <a:prstGeom prst="ellipse">
+            <a:avLst/>
+          </a:prstGeom>
+        </p:spPr>
+        <p:style>
+          <a:lnRef idx="2">
+            <a:schemeClr val="accent3">
+              <a:shade val="50000"/>
+            </a:schemeClr>
+          </a:lnRef>
+          <a:fillRef idx="1">
+            <a:schemeClr val="accent3"/>
+          </a:fillRef>
+          <a:effectRef idx="0">
+            <a:schemeClr val="accent3"/>
+          </a:effectRef>
+          <a:fontRef idx="minor">
+            <a:schemeClr val="lt1"/>
+          </a:fontRef>
+        </p:style>
+        <p:txBody>
+          <a:bodyPr rtlCol="0" anchor="ctr"/>
+          <a:lstStyle/>
+          <a:p>
+            <a:pPr algn="ctr"/>
+            <a:r>
+              <a:rPr lang="en-ZA" dirty="0" smtClean="0"/>
+              <a:t>Win host</a:t>
+            </a:r>
+            <a:endParaRPr lang="en-ZA" dirty="0"/>
+          </a:p>
+        </p:txBody>
+      </p:sp>
+      <p:cxnSp>
+        <p:nvCxnSpPr>
+          <p:cNvPr id="134" name="Curved Connector 133"/>
+          <p:cNvCxnSpPr>
+            <a:stCxn id="114" idx="2"/>
+            <a:endCxn id="72" idx="0"/>
+          </p:cNvCxnSpPr>
+          <p:nvPr/>
+        </p:nvCxnSpPr>
+        <p:spPr>
+          <a:xfrm rot="10800000" flipH="1" flipV="1">
+            <a:off x="1004702" y="3353071"/>
+            <a:ext cx="781827" cy="1060778"/>
+          </a:xfrm>
+          <a:prstGeom prst="curvedConnector4">
+            <a:avLst>
+              <a:gd name="adj1" fmla="val -29239"/>
+              <a:gd name="adj2" fmla="val 66333"/>
+            </a:avLst>
+          </a:prstGeom>
+          <a:ln>
+            <a:tailEnd type="triangle"/>
+          </a:ln>
+        </p:spPr>
+        <p:style>
+          <a:lnRef idx="3">
+            <a:schemeClr val="accent3"/>
+          </a:lnRef>
+          <a:fillRef idx="0">
+            <a:schemeClr val="accent3"/>
+          </a:fillRef>
+          <a:effectRef idx="2">
+            <a:schemeClr val="accent3"/>
+          </a:effectRef>
+          <a:fontRef idx="minor">
+            <a:schemeClr val="tx1"/>
+          </a:fontRef>
+        </p:style>
+      </p:cxnSp>
+      <p:sp>
+        <p:nvSpPr>
+          <p:cNvPr id="135" name="TextBox 134"/>
+          <p:cNvSpPr txBox="1"/>
+          <p:nvPr/>
+        </p:nvSpPr>
+        <p:spPr>
+          <a:xfrm>
+            <a:off x="7146088" y="4091229"/>
+            <a:ext cx="1104470" cy="369332"/>
+          </a:xfrm>
+          <a:prstGeom prst="rect">
+            <a:avLst/>
+          </a:prstGeom>
+          <a:noFill/>
+        </p:spPr>
+        <p:txBody>
+          <a:bodyPr wrap="none" rtlCol="0">
+            <a:spAutoFit/>
+          </a:bodyPr>
+          <a:lstStyle/>
+          <a:p>
+            <a:r>
+              <a:rPr lang="en-ZA" b="1" dirty="0" smtClean="0"/>
+              <a:t>Processed</a:t>
+            </a:r>
+          </a:p>
+        </p:txBody>
+      </p:sp>
+      <p:sp>
+        <p:nvSpPr>
+          <p:cNvPr id="136" name="TextBox 135"/>
+          <p:cNvSpPr txBox="1"/>
+          <p:nvPr/>
+        </p:nvSpPr>
+        <p:spPr>
+          <a:xfrm>
+            <a:off x="6960365" y="5600743"/>
+            <a:ext cx="1524520" cy="369332"/>
+          </a:xfrm>
+          <a:prstGeom prst="rect">
+            <a:avLst/>
+          </a:prstGeom>
+          <a:noFill/>
+        </p:spPr>
+        <p:txBody>
+          <a:bodyPr wrap="none" rtlCol="0">
+            <a:spAutoFit/>
+          </a:bodyPr>
+          <a:lstStyle/>
+          <a:p>
+            <a:r>
+              <a:rPr lang="en-ZA" b="1" dirty="0" smtClean="0"/>
+              <a:t>Average Result</a:t>
+            </a:r>
+          </a:p>
+        </p:txBody>
+      </p:sp>
+      <p:cxnSp>
+        <p:nvCxnSpPr>
+          <p:cNvPr id="138" name="Straight Arrow Connector 137"/>
+          <p:cNvCxnSpPr>
+            <a:stCxn id="20" idx="3"/>
+            <a:endCxn id="23" idx="1"/>
+          </p:cNvCxnSpPr>
+          <p:nvPr/>
+        </p:nvCxnSpPr>
+        <p:spPr>
+          <a:xfrm>
+            <a:off x="4879581" y="4284471"/>
+            <a:ext cx="1404731" cy="11473"/>
+          </a:xfrm>
+          <a:prstGeom prst="straightConnector1">
+            <a:avLst/>
+          </a:prstGeom>
+          <a:ln>
+            <a:tailEnd type="triangle"/>
+          </a:ln>
+        </p:spPr>
+        <p:style>
+          <a:lnRef idx="3">
+            <a:schemeClr val="accent2"/>
+          </a:lnRef>
+          <a:fillRef idx="0">
+            <a:schemeClr val="accent2"/>
+          </a:fillRef>
+          <a:effectRef idx="2">
+            <a:schemeClr val="accent2"/>
+          </a:effectRef>
+          <a:fontRef idx="minor">
+            <a:schemeClr val="tx1"/>
+          </a:fontRef>
+        </p:style>
+      </p:cxnSp>
+      <p:cxnSp>
+        <p:nvCxnSpPr>
+          <p:cNvPr id="140" name="Straight Arrow Connector 139"/>
+          <p:cNvCxnSpPr>
+            <a:stCxn id="21" idx="3"/>
+            <a:endCxn id="30" idx="1"/>
+          </p:cNvCxnSpPr>
+          <p:nvPr/>
+        </p:nvCxnSpPr>
+        <p:spPr>
+          <a:xfrm>
+            <a:off x="4879581" y="5785410"/>
+            <a:ext cx="1429033" cy="0"/>
+          </a:xfrm>
+          <a:prstGeom prst="straightConnector1">
+            <a:avLst/>
+          </a:prstGeom>
+          <a:ln>
+            <a:tailEnd type="triangle"/>
+          </a:ln>
+        </p:spPr>
+        <p:style>
+          <a:lnRef idx="3">
+            <a:schemeClr val="accent2"/>
+          </a:lnRef>
+          <a:fillRef idx="0">
+            <a:schemeClr val="accent2"/>
+          </a:fillRef>
+          <a:effectRef idx="2">
+            <a:schemeClr val="accent2"/>
+          </a:effectRef>
+          <a:fontRef idx="minor">
+            <a:schemeClr val="tx1"/>
+          </a:fontRef>
+        </p:style>
+      </p:cxnSp>
+      <p:sp>
+        <p:nvSpPr>
+          <p:cNvPr id="141" name="Oval 140"/>
+          <p:cNvSpPr/>
+          <p:nvPr/>
+        </p:nvSpPr>
+        <p:spPr>
+          <a:xfrm>
+            <a:off x="10344646" y="4649073"/>
+            <a:ext cx="1605154" cy="693019"/>
+          </a:xfrm>
+          <a:prstGeom prst="ellipse">
+            <a:avLst/>
+          </a:prstGeom>
+        </p:spPr>
+        <p:style>
+          <a:lnRef idx="2">
+            <a:schemeClr val="accent3">
+              <a:shade val="50000"/>
+            </a:schemeClr>
+          </a:lnRef>
+          <a:fillRef idx="1">
+            <a:schemeClr val="accent3"/>
+          </a:fillRef>
+          <a:effectRef idx="0">
+            <a:schemeClr val="accent3"/>
+          </a:effectRef>
+          <a:fontRef idx="minor">
+            <a:schemeClr val="lt1"/>
+          </a:fontRef>
+        </p:style>
+        <p:txBody>
+          <a:bodyPr rtlCol="0" anchor="ctr"/>
+          <a:lstStyle/>
+          <a:p>
+            <a:pPr algn="ctr"/>
+            <a:r>
+              <a:rPr lang="en-ZA" dirty="0" smtClean="0"/>
+              <a:t>Web host</a:t>
+            </a:r>
+            <a:endParaRPr lang="en-ZA" dirty="0"/>
+          </a:p>
+        </p:txBody>
+      </p:sp>
+      <p:cxnSp>
+        <p:nvCxnSpPr>
+          <p:cNvPr id="143" name="Straight Arrow Connector 142"/>
+          <p:cNvCxnSpPr>
+            <a:stCxn id="23" idx="3"/>
+            <a:endCxn id="141" idx="1"/>
+          </p:cNvCxnSpPr>
+          <p:nvPr/>
+        </p:nvCxnSpPr>
+        <p:spPr>
+          <a:xfrm>
+            <a:off x="8969760" y="4295944"/>
+            <a:ext cx="1609955" cy="454619"/>
+          </a:xfrm>
+          <a:prstGeom prst="straightConnector1">
+            <a:avLst/>
+          </a:prstGeom>
+          <a:ln>
+            <a:tailEnd type="triangle"/>
+          </a:ln>
+        </p:spPr>
+        <p:style>
+          <a:lnRef idx="3">
+            <a:schemeClr val="accent3"/>
+          </a:lnRef>
+          <a:fillRef idx="0">
+            <a:schemeClr val="accent3"/>
+          </a:fillRef>
+          <a:effectRef idx="2">
+            <a:schemeClr val="accent3"/>
+          </a:effectRef>
+          <a:fontRef idx="minor">
+            <a:schemeClr val="tx1"/>
+          </a:fontRef>
+        </p:style>
+      </p:cxnSp>
+      <p:cxnSp>
+        <p:nvCxnSpPr>
+          <p:cNvPr id="145" name="Straight Arrow Connector 144"/>
+          <p:cNvCxnSpPr>
+            <a:stCxn id="30" idx="3"/>
+            <a:endCxn id="141" idx="3"/>
+          </p:cNvCxnSpPr>
+          <p:nvPr/>
+        </p:nvCxnSpPr>
+        <p:spPr>
+          <a:xfrm flipV="1">
+            <a:off x="8994062" y="5240602"/>
+            <a:ext cx="1585653" cy="544808"/>
+          </a:xfrm>
+          <a:prstGeom prst="straightConnector1">
+            <a:avLst/>
+          </a:prstGeom>
+          <a:ln>
+            <a:tailEnd type="triangle"/>
+          </a:ln>
+        </p:spPr>
+        <p:style>
+          <a:lnRef idx="3">
+            <a:schemeClr val="accent3"/>
+          </a:lnRef>
+          <a:fillRef idx="0">
+            <a:schemeClr val="accent3"/>
+          </a:fillRef>
+          <a:effectRef idx="2">
+            <a:schemeClr val="accent3"/>
+          </a:effectRef>
+          <a:fontRef idx="minor">
+            <a:schemeClr val="tx1"/>
+          </a:fontRef>
+        </p:style>
+      </p:cxnSp>
+      <p:sp>
+        <p:nvSpPr>
+          <p:cNvPr id="146" name="TextBox 145"/>
+          <p:cNvSpPr txBox="1"/>
+          <p:nvPr/>
+        </p:nvSpPr>
+        <p:spPr>
+          <a:xfrm>
+            <a:off x="3665215" y="2897243"/>
+            <a:ext cx="1081193" cy="369332"/>
+          </a:xfrm>
+          <a:prstGeom prst="rect">
+            <a:avLst/>
+          </a:prstGeom>
+          <a:noFill/>
+        </p:spPr>
+        <p:txBody>
+          <a:bodyPr wrap="none" rtlCol="0">
+            <a:spAutoFit/>
+          </a:bodyPr>
+          <a:lstStyle/>
+          <a:p>
+            <a:r>
+              <a:rPr lang="en-ZA" b="1" dirty="0" smtClean="0">
+                <a:solidFill>
+                  <a:schemeClr val="bg1">
+                    <a:lumMod val="50000"/>
+                  </a:schemeClr>
+                </a:solidFill>
+              </a:rPr>
+              <a:t>Subscribe</a:t>
+            </a:r>
+            <a:endParaRPr lang="en-ZA" b="1" dirty="0">
+              <a:solidFill>
+                <a:schemeClr val="bg1">
+                  <a:lumMod val="50000"/>
+                </a:schemeClr>
+              </a:solidFill>
+            </a:endParaRPr>
+          </a:p>
+        </p:txBody>
+      </p:sp>
+      <p:sp>
+        <p:nvSpPr>
+          <p:cNvPr id="147" name="TextBox 146"/>
+          <p:cNvSpPr txBox="1"/>
+          <p:nvPr/>
+        </p:nvSpPr>
+        <p:spPr>
+          <a:xfrm rot="1009983">
+            <a:off x="9186716" y="4158476"/>
+            <a:ext cx="1081193" cy="369332"/>
+          </a:xfrm>
+          <a:prstGeom prst="rect">
+            <a:avLst/>
+          </a:prstGeom>
+          <a:noFill/>
+        </p:spPr>
+        <p:txBody>
+          <a:bodyPr wrap="none" rtlCol="0">
+            <a:spAutoFit/>
+          </a:bodyPr>
+          <a:lstStyle/>
+          <a:p>
+            <a:r>
+              <a:rPr lang="en-ZA" b="1" dirty="0" smtClean="0">
+                <a:solidFill>
+                  <a:schemeClr val="bg1">
+                    <a:lumMod val="50000"/>
+                  </a:schemeClr>
+                </a:solidFill>
+              </a:rPr>
+              <a:t>Subscribe</a:t>
+            </a:r>
+            <a:endParaRPr lang="en-ZA" b="1" dirty="0">
+              <a:solidFill>
+                <a:schemeClr val="bg1">
+                  <a:lumMod val="50000"/>
+                </a:schemeClr>
+              </a:solidFill>
+            </a:endParaRPr>
+          </a:p>
+        </p:txBody>
+      </p:sp>
+      <p:sp>
+        <p:nvSpPr>
+          <p:cNvPr id="148" name="TextBox 147"/>
+          <p:cNvSpPr txBox="1"/>
+          <p:nvPr/>
+        </p:nvSpPr>
+        <p:spPr>
+          <a:xfrm>
+            <a:off x="2617867" y="1866009"/>
+            <a:ext cx="836447" cy="369332"/>
+          </a:xfrm>
+          <a:prstGeom prst="rect">
+            <a:avLst/>
+          </a:prstGeom>
+          <a:noFill/>
+        </p:spPr>
+        <p:txBody>
+          <a:bodyPr wrap="none" rtlCol="0">
+            <a:spAutoFit/>
+          </a:bodyPr>
+          <a:lstStyle/>
+          <a:p>
+            <a:r>
+              <a:rPr lang="en-ZA" b="1" dirty="0" smtClean="0">
+                <a:solidFill>
+                  <a:schemeClr val="accent1"/>
+                </a:solidFill>
+              </a:rPr>
+              <a:t>Publish</a:t>
+            </a:r>
+            <a:endParaRPr lang="en-ZA" b="1" dirty="0">
+              <a:solidFill>
+                <a:schemeClr val="accent1"/>
+              </a:solidFill>
+            </a:endParaRPr>
+          </a:p>
+        </p:txBody>
+      </p:sp>
+      <p:sp>
+        <p:nvSpPr>
+          <p:cNvPr id="149" name="TextBox 148"/>
+          <p:cNvSpPr txBox="1"/>
+          <p:nvPr/>
+        </p:nvSpPr>
+        <p:spPr>
+          <a:xfrm rot="20009450">
+            <a:off x="2572797" y="4227004"/>
+            <a:ext cx="836447" cy="369332"/>
+          </a:xfrm>
+          <a:prstGeom prst="rect">
+            <a:avLst/>
+          </a:prstGeom>
+          <a:noFill/>
+        </p:spPr>
+        <p:txBody>
+          <a:bodyPr wrap="none" rtlCol="0">
+            <a:spAutoFit/>
+          </a:bodyPr>
+          <a:lstStyle/>
+          <a:p>
+            <a:r>
+              <a:rPr lang="en-ZA" b="1" dirty="0" smtClean="0">
+                <a:solidFill>
+                  <a:schemeClr val="accent1"/>
+                </a:solidFill>
+              </a:rPr>
+              <a:t>Publish</a:t>
+            </a:r>
+            <a:endParaRPr lang="en-ZA" b="1" dirty="0">
+              <a:solidFill>
+                <a:schemeClr val="accent1"/>
+              </a:solidFill>
+            </a:endParaRPr>
+          </a:p>
+        </p:txBody>
+      </p:sp>
+    </p:spTree>
+    <p:extLst>
+      <p:ext uri="{BB962C8B-B14F-4D97-AF65-F5344CB8AC3E}">
+        <p14:creationId xmlns:p14="http://schemas.microsoft.com/office/powerpoint/2010/main" val="3880809201"/>
+      </p:ext>
+    </p:extLst>
+  </p:cSld>
+  <p:clrMapOvr>
+    <a:masterClrMapping/>
+  </p:clrMapOvr>
+  <p:timing>
+    <p:tnLst>
+      <p:par>
+        <p:cTn id="1" dur="indefinite" restart="never" nodeType="tmRoot"/>
+      </p:par>
+    </p:tnLst>
+  </p:timing>
+</p:sld>
+</file>
+
+<file path=ppt/slides/slide12.xml><?xml version="1.0" encoding="utf-8"?>
+<p:sld xmlns:a="http://schemas.openxmlformats.org/drawingml/2006/main" xmlns:r="http://schemas.openxmlformats.org/officeDocument/2006/relationships" xmlns:p="http://schemas.openxmlformats.org/presentationml/2006/main">
+  <p:cSld>
+    <p:spTree>
+      <p:nvGrpSpPr>
+        <p:cNvPr id="1" name=""/>
+        <p:cNvGrpSpPr/>
+        <p:nvPr/>
+      </p:nvGrpSpPr>
+      <p:grpSpPr>
+        <a:xfrm>
+          <a:off x="0" y="0"/>
+          <a:ext cx="0" cy="0"/>
+          <a:chOff x="0" y="0"/>
+          <a:chExt cx="0" cy="0"/>
+        </a:xfrm>
+      </p:grpSpPr>
+      <p:sp>
+        <p:nvSpPr>
+          <p:cNvPr id="2" name="Title 1"/>
+          <p:cNvSpPr>
+            <a:spLocks noGrp="1"/>
+          </p:cNvSpPr>
+          <p:nvPr>
+            <p:ph type="title"/>
+          </p:nvPr>
+        </p:nvSpPr>
+        <p:spPr/>
+        <p:txBody>
+          <a:bodyPr/>
+          <a:lstStyle/>
+          <a:p>
+            <a:r>
+              <a:rPr lang="en-ZA" dirty="0" smtClean="0"/>
+              <a:t>Demo</a:t>
+            </a:r>
+            <a:endParaRPr lang="en-ZA" dirty="0"/>
+          </a:p>
+        </p:txBody>
+      </p:sp>
+      <p:pic>
+        <p:nvPicPr>
+          <p:cNvPr id="4" name="Content Placeholder 3"/>
+          <p:cNvPicPr>
+            <a:picLocks noGrp="1" noChangeAspect="1"/>
+          </p:cNvPicPr>
+          <p:nvPr>
+            <p:ph idx="1"/>
+          </p:nvPr>
+        </p:nvPicPr>
+        <p:blipFill>
+          <a:blip r:embed="rId2"/>
+          <a:stretch>
+            <a:fillRect/>
+          </a:stretch>
+        </p:blipFill>
+        <p:spPr>
+          <a:xfrm>
+            <a:off x="432706" y="1392311"/>
+            <a:ext cx="7876308" cy="3355523"/>
+          </a:xfrm>
+          <a:prstGeom prst="rect">
+            <a:avLst/>
+          </a:prstGeom>
+        </p:spPr>
+      </p:pic>
+      <p:sp>
+        <p:nvSpPr>
+          <p:cNvPr id="5" name="Oval 4"/>
+          <p:cNvSpPr/>
+          <p:nvPr/>
+        </p:nvSpPr>
+        <p:spPr>
+          <a:xfrm>
+            <a:off x="9748645" y="4994380"/>
+            <a:ext cx="1605154" cy="693019"/>
+          </a:xfrm>
+          <a:prstGeom prst="ellipse">
+            <a:avLst/>
+          </a:prstGeom>
+        </p:spPr>
+        <p:style>
+          <a:lnRef idx="2">
+            <a:schemeClr val="accent1">
+              <a:shade val="50000"/>
+            </a:schemeClr>
+          </a:lnRef>
+          <a:fillRef idx="1">
+            <a:schemeClr val="accent1"/>
+          </a:fillRef>
+          <a:effectRef idx="0">
+            <a:schemeClr val="accent1"/>
+          </a:effectRef>
+          <a:fontRef idx="minor">
+            <a:schemeClr val="lt1"/>
+          </a:fontRef>
+        </p:style>
+        <p:txBody>
+          <a:bodyPr rtlCol="0" anchor="ctr"/>
+          <a:lstStyle/>
+          <a:p>
+            <a:pPr algn="ctr"/>
+            <a:r>
+              <a:rPr lang="en-ZA" dirty="0" smtClean="0"/>
+              <a:t>Producer</a:t>
+            </a:r>
+            <a:endParaRPr lang="en-ZA" dirty="0"/>
+          </a:p>
+        </p:txBody>
+      </p:sp>
+      <p:sp>
+        <p:nvSpPr>
+          <p:cNvPr id="7" name="Right Arrow 6"/>
+          <p:cNvSpPr/>
+          <p:nvPr/>
+        </p:nvSpPr>
+        <p:spPr>
+          <a:xfrm rot="1822115">
+            <a:off x="7900495" y="4445281"/>
+            <a:ext cx="1897525" cy="319659"/>
+          </a:xfrm>
+          <a:prstGeom prst="rightArrow">
+            <a:avLst/>
+          </a:prstGeom>
+        </p:spPr>
+        <p:style>
+          <a:lnRef idx="2">
+            <a:schemeClr val="accent1">
+              <a:shade val="50000"/>
+            </a:schemeClr>
+          </a:lnRef>
+          <a:fillRef idx="1">
+            <a:schemeClr val="accent1"/>
+          </a:fillRef>
+          <a:effectRef idx="0">
+            <a:schemeClr val="accent1"/>
+          </a:effectRef>
+          <a:fontRef idx="minor">
+            <a:schemeClr val="lt1"/>
+          </a:fontRef>
+        </p:style>
+        <p:txBody>
+          <a:bodyPr rtlCol="0" anchor="ctr"/>
+          <a:lstStyle/>
+          <a:p>
+            <a:pPr algn="ctr"/>
+            <a:endParaRPr lang="en-ZA"/>
+          </a:p>
+        </p:txBody>
+      </p:sp>
+      <p:sp>
+        <p:nvSpPr>
+          <p:cNvPr id="8" name="TextBox 7"/>
+          <p:cNvSpPr txBox="1"/>
+          <p:nvPr/>
+        </p:nvSpPr>
+        <p:spPr>
+          <a:xfrm>
+            <a:off x="8564215" y="3875315"/>
+            <a:ext cx="929229" cy="584775"/>
+          </a:xfrm>
+          <a:prstGeom prst="rect">
+            <a:avLst/>
+          </a:prstGeom>
+          <a:noFill/>
+        </p:spPr>
+        <p:txBody>
+          <a:bodyPr wrap="none" rtlCol="0">
+            <a:spAutoFit/>
+          </a:bodyPr>
+          <a:lstStyle/>
+          <a:p>
+            <a:r>
+              <a:rPr lang="en-ZA" sz="3200" b="1" dirty="0" smtClean="0">
+                <a:solidFill>
+                  <a:schemeClr val="accent1"/>
+                </a:solidFill>
+              </a:rPr>
+              <a:t>Vote</a:t>
+            </a:r>
+            <a:endParaRPr lang="en-ZA" sz="3200" b="1" dirty="0">
+              <a:solidFill>
+                <a:schemeClr val="accent1"/>
+              </a:solidFill>
+            </a:endParaRPr>
+          </a:p>
+        </p:txBody>
+      </p:sp>
+    </p:spTree>
+    <p:extLst>
+      <p:ext uri="{BB962C8B-B14F-4D97-AF65-F5344CB8AC3E}">
+        <p14:creationId xmlns:p14="http://schemas.microsoft.com/office/powerpoint/2010/main" val="741196394"/>
+      </p:ext>
+    </p:extLst>
+  </p:cSld>
+  <p:clrMapOvr>
+    <a:masterClrMapping/>
+  </p:clrMapOvr>
+  <p:timing>
+    <p:tnLst>
+      <p:par>
+        <p:cTn id="1" dur="indefinite" restart="never" nodeType="tmRoot"/>
+      </p:par>
+    </p:tnLst>
+  </p:timing>
+</p:sld>
+</file>
+
+<file path=ppt/slides/slide13.xml><?xml version="1.0" encoding="utf-8"?>
+<p:sld xmlns:a="http://schemas.openxmlformats.org/drawingml/2006/main" xmlns:r="http://schemas.openxmlformats.org/officeDocument/2006/relationships" xmlns:p="http://schemas.openxmlformats.org/presentationml/2006/main">
+  <p:cSld>
+    <p:spTree>
+      <p:nvGrpSpPr>
+        <p:cNvPr id="1" name=""/>
+        <p:cNvGrpSpPr/>
+        <p:nvPr/>
+      </p:nvGrpSpPr>
+      <p:grpSpPr>
+        <a:xfrm>
+          <a:off x="0" y="0"/>
+          <a:ext cx="0" cy="0"/>
+          <a:chOff x="0" y="0"/>
+          <a:chExt cx="0" cy="0"/>
+        </a:xfrm>
+      </p:grpSpPr>
+      <p:sp>
+        <p:nvSpPr>
+          <p:cNvPr id="2" name="Title 1"/>
+          <p:cNvSpPr>
+            <a:spLocks noGrp="1"/>
+          </p:cNvSpPr>
+          <p:nvPr>
+            <p:ph type="title"/>
+          </p:nvPr>
+        </p:nvSpPr>
+        <p:spPr/>
+        <p:txBody>
+          <a:bodyPr/>
+          <a:lstStyle/>
+          <a:p>
+            <a:r>
+              <a:rPr lang="en-ZA" dirty="0" smtClean="0"/>
+              <a:t>Demo</a:t>
+            </a:r>
+            <a:endParaRPr lang="en-ZA" dirty="0"/>
+          </a:p>
+        </p:txBody>
+      </p:sp>
+      <p:pic>
+        <p:nvPicPr>
+          <p:cNvPr id="4" name="Content Placeholder 3"/>
+          <p:cNvPicPr>
+            <a:picLocks noGrp="1" noChangeAspect="1"/>
+          </p:cNvPicPr>
+          <p:nvPr>
+            <p:ph idx="1"/>
+          </p:nvPr>
+        </p:nvPicPr>
+        <p:blipFill>
+          <a:blip r:embed="rId2"/>
+          <a:stretch>
+            <a:fillRect/>
+          </a:stretch>
+        </p:blipFill>
+        <p:spPr>
+          <a:xfrm>
+            <a:off x="5118195" y="2634753"/>
+            <a:ext cx="6311804" cy="2056991"/>
+          </a:xfrm>
+          <a:prstGeom prst="rect">
+            <a:avLst/>
+          </a:prstGeom>
+        </p:spPr>
+      </p:pic>
+      <p:sp>
+        <p:nvSpPr>
+          <p:cNvPr id="7" name="Right Arrow 6"/>
+          <p:cNvSpPr/>
+          <p:nvPr/>
+        </p:nvSpPr>
+        <p:spPr>
+          <a:xfrm rot="291202">
+            <a:off x="2496584" y="1945368"/>
+            <a:ext cx="4920002" cy="364408"/>
+          </a:xfrm>
+          <a:prstGeom prst="rightArrow">
+            <a:avLst/>
+          </a:prstGeom>
+        </p:spPr>
+        <p:style>
+          <a:lnRef idx="2">
+            <a:schemeClr val="accent3">
+              <a:shade val="50000"/>
+            </a:schemeClr>
+          </a:lnRef>
+          <a:fillRef idx="1">
+            <a:schemeClr val="accent3"/>
+          </a:fillRef>
+          <a:effectRef idx="0">
+            <a:schemeClr val="accent3"/>
+          </a:effectRef>
+          <a:fontRef idx="minor">
+            <a:schemeClr val="lt1"/>
+          </a:fontRef>
+        </p:style>
+        <p:txBody>
+          <a:bodyPr rtlCol="0" anchor="ctr"/>
+          <a:lstStyle/>
+          <a:p>
+            <a:pPr algn="ctr"/>
+            <a:endParaRPr lang="en-ZA"/>
+          </a:p>
+        </p:txBody>
+      </p:sp>
+      <p:sp>
+        <p:nvSpPr>
+          <p:cNvPr id="8" name="TextBox 7"/>
+          <p:cNvSpPr txBox="1"/>
+          <p:nvPr/>
+        </p:nvSpPr>
+        <p:spPr>
+          <a:xfrm>
+            <a:off x="4496733" y="1528350"/>
+            <a:ext cx="1951945" cy="584775"/>
+          </a:xfrm>
+          <a:prstGeom prst="rect">
+            <a:avLst/>
+          </a:prstGeom>
+          <a:noFill/>
+        </p:spPr>
+        <p:txBody>
+          <a:bodyPr wrap="none" rtlCol="0">
+            <a:spAutoFit/>
+          </a:bodyPr>
+          <a:lstStyle/>
+          <a:p>
+            <a:r>
+              <a:rPr lang="en-ZA" sz="3200" b="1" dirty="0" smtClean="0">
+                <a:solidFill>
+                  <a:schemeClr val="accent3"/>
+                </a:solidFill>
+              </a:rPr>
+              <a:t>Avg. Result</a:t>
+            </a:r>
+            <a:endParaRPr lang="en-ZA" sz="3200" b="1" dirty="0">
+              <a:solidFill>
+                <a:schemeClr val="accent3"/>
+              </a:solidFill>
+            </a:endParaRPr>
+          </a:p>
+        </p:txBody>
+      </p:sp>
+      <p:sp>
+        <p:nvSpPr>
+          <p:cNvPr id="9" name="Right Arrow 8"/>
+          <p:cNvSpPr/>
+          <p:nvPr/>
+        </p:nvSpPr>
+        <p:spPr>
+          <a:xfrm rot="20799374">
+            <a:off x="2479011" y="4797799"/>
+            <a:ext cx="4955148" cy="334504"/>
+          </a:xfrm>
+          <a:prstGeom prst="rightArrow">
+            <a:avLst/>
+          </a:prstGeom>
+        </p:spPr>
+        <p:style>
+          <a:lnRef idx="2">
+            <a:schemeClr val="accent3">
+              <a:shade val="50000"/>
+            </a:schemeClr>
+          </a:lnRef>
+          <a:fillRef idx="1">
+            <a:schemeClr val="accent3"/>
+          </a:fillRef>
+          <a:effectRef idx="0">
+            <a:schemeClr val="accent3"/>
+          </a:effectRef>
+          <a:fontRef idx="minor">
+            <a:schemeClr val="lt1"/>
+          </a:fontRef>
+        </p:style>
+        <p:txBody>
+          <a:bodyPr rtlCol="0" anchor="ctr"/>
+          <a:lstStyle/>
+          <a:p>
+            <a:pPr algn="ctr"/>
+            <a:endParaRPr lang="en-ZA"/>
+          </a:p>
+        </p:txBody>
+      </p:sp>
+      <p:sp>
+        <p:nvSpPr>
+          <p:cNvPr id="10" name="TextBox 9"/>
+          <p:cNvSpPr txBox="1"/>
+          <p:nvPr/>
+        </p:nvSpPr>
+        <p:spPr>
+          <a:xfrm>
+            <a:off x="4005195" y="5160985"/>
+            <a:ext cx="2653227" cy="1077218"/>
+          </a:xfrm>
+          <a:prstGeom prst="rect">
+            <a:avLst/>
+          </a:prstGeom>
+          <a:noFill/>
+        </p:spPr>
+        <p:txBody>
+          <a:bodyPr wrap="none" rtlCol="0">
+            <a:spAutoFit/>
+          </a:bodyPr>
+          <a:lstStyle/>
+          <a:p>
+            <a:r>
+              <a:rPr lang="en-ZA" sz="3200" b="1" dirty="0" smtClean="0">
+                <a:solidFill>
+                  <a:schemeClr val="accent3"/>
+                </a:solidFill>
+              </a:rPr>
+              <a:t>Vote Processed</a:t>
+            </a:r>
+          </a:p>
+          <a:p>
+            <a:endParaRPr lang="en-ZA" sz="3200" b="1" dirty="0">
+              <a:solidFill>
+                <a:schemeClr val="accent3"/>
+              </a:solidFill>
+            </a:endParaRPr>
+          </a:p>
+        </p:txBody>
+      </p:sp>
+      <p:sp>
+        <p:nvSpPr>
+          <p:cNvPr id="5" name="Oval 4"/>
+          <p:cNvSpPr/>
+          <p:nvPr/>
+        </p:nvSpPr>
+        <p:spPr>
+          <a:xfrm>
+            <a:off x="957314" y="1537605"/>
+            <a:ext cx="1774999" cy="693019"/>
+          </a:xfrm>
+          <a:prstGeom prst="ellipse">
+            <a:avLst/>
+          </a:prstGeom>
+        </p:spPr>
+        <p:style>
+          <a:lnRef idx="2">
+            <a:schemeClr val="accent3">
+              <a:shade val="50000"/>
+            </a:schemeClr>
+          </a:lnRef>
+          <a:fillRef idx="1">
+            <a:schemeClr val="accent3"/>
+          </a:fillRef>
+          <a:effectRef idx="0">
+            <a:schemeClr val="accent3"/>
+          </a:effectRef>
+          <a:fontRef idx="minor">
+            <a:schemeClr val="lt1"/>
+          </a:fontRef>
+        </p:style>
+        <p:txBody>
+          <a:bodyPr rtlCol="0" anchor="ctr"/>
+          <a:lstStyle/>
+          <a:p>
+            <a:pPr algn="ctr"/>
+            <a:r>
+              <a:rPr lang="en-ZA" dirty="0" smtClean="0"/>
+              <a:t>Consumer</a:t>
+            </a:r>
+            <a:endParaRPr lang="en-ZA" dirty="0"/>
+          </a:p>
+        </p:txBody>
+      </p:sp>
+      <p:sp>
+        <p:nvSpPr>
+          <p:cNvPr id="6" name="Oval 5"/>
+          <p:cNvSpPr/>
+          <p:nvPr/>
+        </p:nvSpPr>
+        <p:spPr>
+          <a:xfrm>
+            <a:off x="957314" y="5178827"/>
+            <a:ext cx="1774999" cy="693019"/>
+          </a:xfrm>
+          <a:prstGeom prst="ellipse">
+            <a:avLst/>
+          </a:prstGeom>
+        </p:spPr>
+        <p:style>
+          <a:lnRef idx="2">
+            <a:schemeClr val="accent3">
+              <a:shade val="50000"/>
+            </a:schemeClr>
+          </a:lnRef>
+          <a:fillRef idx="1">
+            <a:schemeClr val="accent3"/>
+          </a:fillRef>
+          <a:effectRef idx="0">
+            <a:schemeClr val="accent3"/>
+          </a:effectRef>
+          <a:fontRef idx="minor">
+            <a:schemeClr val="lt1"/>
+          </a:fontRef>
+        </p:style>
+        <p:txBody>
+          <a:bodyPr rtlCol="0" anchor="ctr"/>
+          <a:lstStyle/>
+          <a:p>
+            <a:pPr algn="ctr"/>
+            <a:r>
+              <a:rPr lang="en-ZA" dirty="0" smtClean="0"/>
+              <a:t>Consumer</a:t>
+            </a:r>
+            <a:endParaRPr lang="en-ZA" dirty="0"/>
+          </a:p>
+        </p:txBody>
+      </p:sp>
+    </p:spTree>
+    <p:extLst>
+      <p:ext uri="{BB962C8B-B14F-4D97-AF65-F5344CB8AC3E}">
+        <p14:creationId xmlns:p14="http://schemas.microsoft.com/office/powerpoint/2010/main" val="3498276744"/>
+      </p:ext>
+    </p:extLst>
+  </p:cSld>
+  <p:clrMapOvr>
+    <a:masterClrMapping/>
+  </p:clrMapOvr>
+  <p:timing>
+    <p:tnLst>
+      <p:par>
+        <p:cTn id="1" dur="indefinite" restart="never" nodeType="tmRoot"/>
+      </p:par>
+    </p:tnLst>
+  </p:timing>
+</p:sld>
+</file>
+
+<file path=ppt/slides/slide14.xml><?xml version="1.0" encoding="utf-8"?>
+<p:sld xmlns:a="http://schemas.openxmlformats.org/drawingml/2006/main" xmlns:r="http://schemas.openxmlformats.org/officeDocument/2006/relationships" xmlns:p="http://schemas.openxmlformats.org/presentationml/2006/main">
+  <p:cSld>
+    <p:spTree>
+      <p:nvGrpSpPr>
+        <p:cNvPr id="1" name=""/>
+        <p:cNvGrpSpPr/>
+        <p:nvPr/>
+      </p:nvGrpSpPr>
+      <p:grpSpPr>
+        <a:xfrm>
+          <a:off x="0" y="0"/>
+          <a:ext cx="0" cy="0"/>
+          <a:chOff x="0" y="0"/>
+          <a:chExt cx="0" cy="0"/>
+        </a:xfrm>
+      </p:grpSpPr>
+      <p:pic>
+        <p:nvPicPr>
+          <p:cNvPr id="4" name="Content Placeholder 3"/>
+          <p:cNvPicPr>
+            <a:picLocks noGrp="1" noChangeAspect="1"/>
+          </p:cNvPicPr>
+          <p:nvPr>
+            <p:ph idx="1"/>
+          </p:nvPr>
+        </p:nvPicPr>
+        <p:blipFill>
+          <a:blip r:embed="rId2"/>
+          <a:stretch>
+            <a:fillRect/>
+          </a:stretch>
+        </p:blipFill>
+        <p:spPr>
+          <a:xfrm>
+            <a:off x="800901" y="0"/>
+            <a:ext cx="7976410" cy="6858000"/>
+          </a:xfrm>
+          <a:prstGeom prst="rect">
+            <a:avLst/>
+          </a:prstGeom>
+        </p:spPr>
+      </p:pic>
+      <p:pic>
+        <p:nvPicPr>
+          <p:cNvPr id="5" name="Picture 4"/>
+          <p:cNvPicPr>
+            <a:picLocks noChangeAspect="1"/>
+          </p:cNvPicPr>
+          <p:nvPr/>
+        </p:nvPicPr>
+        <p:blipFill>
+          <a:blip r:embed="rId3"/>
+          <a:stretch>
+            <a:fillRect/>
+          </a:stretch>
+        </p:blipFill>
+        <p:spPr>
+          <a:xfrm>
+            <a:off x="6649290" y="505284"/>
+            <a:ext cx="8843931" cy="2625542"/>
+          </a:xfrm>
+          <a:prstGeom prst="snip2DiagRect">
+            <a:avLst/>
+          </a:prstGeom>
+          <a:solidFill>
+            <a:srgbClr val="FFFFFF">
+              <a:shade val="85000"/>
+            </a:srgbClr>
+          </a:solidFill>
+          <a:ln w="88900" cap="sq">
+            <a:solidFill>
+              <a:srgbClr val="FFFFFF"/>
+            </a:solidFill>
+            <a:miter lim="800000"/>
+          </a:ln>
+          <a:effectLst>
+            <a:outerShdw blurRad="88900" algn="tl" rotWithShape="0">
+              <a:srgbClr val="000000">
+                <a:alpha val="45000"/>
+              </a:srgbClr>
+            </a:outerShdw>
+          </a:effectLst>
+          <a:scene3d>
+            <a:camera prst="orthographicFront"/>
+            <a:lightRig rig="twoPt" dir="t">
+              <a:rot lat="0" lon="0" rev="7200000"/>
+            </a:lightRig>
+          </a:scene3d>
+          <a:sp3d>
+            <a:bevelT w="25400" h="19050"/>
+            <a:contourClr>
+              <a:srgbClr val="FFFFFF"/>
+            </a:contourClr>
+          </a:sp3d>
+        </p:spPr>
+      </p:pic>
+      <p:sp>
+        <p:nvSpPr>
+          <p:cNvPr id="6" name="Right Arrow 5"/>
+          <p:cNvSpPr/>
+          <p:nvPr/>
+        </p:nvSpPr>
+        <p:spPr>
+          <a:xfrm>
+            <a:off x="4025348" y="834887"/>
+            <a:ext cx="2544417" cy="268356"/>
+          </a:xfrm>
+          <a:prstGeom prst="rightArrow">
+            <a:avLst/>
+          </a:prstGeom>
+        </p:spPr>
+        <p:style>
+          <a:lnRef idx="2">
+            <a:schemeClr val="accent1">
+              <a:shade val="50000"/>
+            </a:schemeClr>
+          </a:lnRef>
+          <a:fillRef idx="1">
+            <a:schemeClr val="accent1"/>
+          </a:fillRef>
+          <a:effectRef idx="0">
+            <a:schemeClr val="accent1"/>
+          </a:effectRef>
+          <a:fontRef idx="minor">
+            <a:schemeClr val="lt1"/>
+          </a:fontRef>
+        </p:style>
+        <p:txBody>
+          <a:bodyPr rtlCol="0" anchor="ctr"/>
+          <a:lstStyle/>
+          <a:p>
+            <a:pPr algn="ctr"/>
+            <a:endParaRPr lang="en-ZA"/>
+          </a:p>
+        </p:txBody>
+      </p:sp>
+    </p:spTree>
+    <p:extLst>
+      <p:ext uri="{BB962C8B-B14F-4D97-AF65-F5344CB8AC3E}">
+        <p14:creationId xmlns:p14="http://schemas.microsoft.com/office/powerpoint/2010/main" val="3410321872"/>
+      </p:ext>
+    </p:extLst>
+  </p:cSld>
+  <p:clrMapOvr>
+    <a:masterClrMapping/>
+  </p:clrMapOvr>
+  <p:timing>
+    <p:tnLst>
+      <p:par>
+        <p:cTn id="1" dur="indefinite" restart="never" nodeType="tmRoot"/>
+      </p:par>
+    </p:tnLst>
+  </p:timing>
+</p:sld>
+</file>
+
+<file path=ppt/slides/slide15.xml><?xml version="1.0" encoding="utf-8"?>
+<p:sld xmlns:a="http://schemas.openxmlformats.org/drawingml/2006/main" xmlns:r="http://schemas.openxmlformats.org/officeDocument/2006/relationships" xmlns:p="http://schemas.openxmlformats.org/presentationml/2006/main">
+  <p:cSld>
+    <p:spTree>
+      <p:nvGrpSpPr>
+        <p:cNvPr id="1" name=""/>
+        <p:cNvGrpSpPr/>
+        <p:nvPr/>
+      </p:nvGrpSpPr>
+      <p:grpSpPr>
+        <a:xfrm>
+          <a:off x="0" y="0"/>
+          <a:ext cx="0" cy="0"/>
+          <a:chOff x="0" y="0"/>
+          <a:chExt cx="0" cy="0"/>
+        </a:xfrm>
+      </p:grpSpPr>
+      <p:sp>
+        <p:nvSpPr>
+          <p:cNvPr id="4" name="Title 3"/>
+          <p:cNvSpPr>
+            <a:spLocks noGrp="1"/>
+          </p:cNvSpPr>
+          <p:nvPr>
+            <p:ph type="title"/>
+          </p:nvPr>
+        </p:nvSpPr>
+        <p:spPr/>
+        <p:txBody>
+          <a:bodyPr>
+            <a:normAutofit fontScale="90000"/>
+          </a:bodyPr>
+          <a:lstStyle/>
+          <a:p>
+            <a:r>
+              <a:rPr lang="en-ZA" dirty="0" smtClean="0"/>
+              <a:t>Learnings, lessons, pain, tumble-beasts &amp; homicide</a:t>
+            </a:r>
+            <a:endParaRPr lang="en-ZA" dirty="0"/>
+          </a:p>
+        </p:txBody>
+      </p:sp>
+      <p:pic>
+        <p:nvPicPr>
+          <p:cNvPr id="7" name="Content Placeholder 6"/>
+          <p:cNvPicPr>
+            <a:picLocks noGrp="1" noChangeAspect="1"/>
+          </p:cNvPicPr>
+          <p:nvPr>
+            <p:ph idx="1"/>
+          </p:nvPr>
+        </p:nvPicPr>
+        <p:blipFill>
+          <a:blip r:embed="rId2" cstate="print">
+            <a:extLst>
+              <a:ext uri="{28A0092B-C50C-407E-A947-70E740481C1C}">
+                <a14:useLocalDpi xmlns:a14="http://schemas.microsoft.com/office/drawing/2010/main" val="0"/>
+              </a:ext>
+            </a:extLst>
+          </a:blip>
+          <a:stretch>
+            <a:fillRect/>
+          </a:stretch>
+        </p:blipFill>
+        <p:spPr>
+          <a:xfrm>
+            <a:off x="2598384" y="1861987"/>
+            <a:ext cx="7014280" cy="4495800"/>
+          </a:xfrm>
+        </p:spPr>
+      </p:pic>
+    </p:spTree>
+    <p:extLst>
+      <p:ext uri="{BB962C8B-B14F-4D97-AF65-F5344CB8AC3E}">
+        <p14:creationId xmlns:p14="http://schemas.microsoft.com/office/powerpoint/2010/main" val="3984928797"/>
+      </p:ext>
+    </p:extLst>
+  </p:cSld>
+  <p:clrMapOvr>
+    <a:masterClrMapping/>
+  </p:clrMapOvr>
+  <p:timing>
+    <p:tnLst>
+      <p:par>
+        <p:cTn id="1" dur="indefinite" restart="never" nodeType="tmRoot"/>
+      </p:par>
+    </p:tnLst>
+  </p:timing>
+</p:sld>
+</file>
+
+<file path=ppt/slides/slide16.xml><?xml version="1.0" encoding="utf-8"?>
+<p:sld xmlns:a="http://schemas.openxmlformats.org/drawingml/2006/main" xmlns:r="http://schemas.openxmlformats.org/officeDocument/2006/relationships" xmlns:p="http://schemas.openxmlformats.org/presentationml/2006/main">
+  <p:cSld>
+    <p:spTree>
+      <p:nvGrpSpPr>
+        <p:cNvPr id="1" name=""/>
+        <p:cNvGrpSpPr/>
+        <p:nvPr/>
+      </p:nvGrpSpPr>
+      <p:grpSpPr>
+        <a:xfrm>
+          <a:off x="0" y="0"/>
+          <a:ext cx="0" cy="0"/>
+          <a:chOff x="0" y="0"/>
+          <a:chExt cx="0" cy="0"/>
+        </a:xfrm>
+      </p:grpSpPr>
+      <p:sp>
+        <p:nvSpPr>
+          <p:cNvPr id="2" name="Title 1"/>
+          <p:cNvSpPr>
+            <a:spLocks noGrp="1"/>
+          </p:cNvSpPr>
+          <p:nvPr>
+            <p:ph type="title"/>
+          </p:nvPr>
+        </p:nvSpPr>
+        <p:spPr/>
+        <p:txBody>
+          <a:bodyPr/>
+          <a:lstStyle/>
+          <a:p>
+            <a:r>
+              <a:rPr lang="en-ZA" dirty="0" smtClean="0"/>
+              <a:t>Rabbit != Bottle neck</a:t>
+            </a:r>
+            <a:endParaRPr lang="en-ZA" dirty="0"/>
+          </a:p>
+        </p:txBody>
+      </p:sp>
+      <p:pic>
+        <p:nvPicPr>
+          <p:cNvPr id="7170" name="Picture 2" descr="https://farm1.staticflickr.com/76/188913130_120f100e89_z.jpg?zz=1"/>
+          <p:cNvPicPr>
+            <a:picLocks noChangeAspect="1" noChangeArrowheads="1"/>
+          </p:cNvPicPr>
+          <p:nvPr/>
+        </p:nvPicPr>
+        <p:blipFill>
+          <a:blip r:embed="rId2">
+            <a:extLst>
+              <a:ext uri="{28A0092B-C50C-407E-A947-70E740481C1C}">
+                <a14:useLocalDpi xmlns:a14="http://schemas.microsoft.com/office/drawing/2010/main" val="0"/>
+              </a:ext>
+            </a:extLst>
+          </a:blip>
+          <a:srcRect/>
+          <a:stretch>
+            <a:fillRect/>
+          </a:stretch>
+        </p:blipFill>
+        <p:spPr bwMode="auto">
+          <a:xfrm>
+            <a:off x="8022346" y="1355307"/>
+            <a:ext cx="2991427" cy="3988569"/>
+          </a:xfrm>
+          <a:prstGeom prst="rect">
+            <a:avLst/>
+          </a:prstGeom>
+          <a:solidFill>
+            <a:srgbClr val="FFFFFF">
+              <a:shade val="85000"/>
+            </a:srgbClr>
+          </a:solidFill>
+          <a:ln w="190500" cap="sq">
+            <a:solidFill>
+              <a:srgbClr val="FFFFFF"/>
+            </a:solidFill>
+            <a:miter lim="800000"/>
+          </a:ln>
+          <a:effectLst>
+            <a:outerShdw blurRad="65000" dist="50800" dir="12900000" kx="195000" ky="145000" algn="tl" rotWithShape="0">
+              <a:srgbClr val="000000">
+                <a:alpha val="30000"/>
+              </a:srgbClr>
+            </a:outerShdw>
+          </a:effectLst>
+          <a:scene3d>
+            <a:camera prst="orthographicFront">
+              <a:rot lat="0" lon="0" rev="360000"/>
+            </a:camera>
+            <a:lightRig rig="twoPt" dir="t">
+              <a:rot lat="0" lon="0" rev="7200000"/>
+            </a:lightRig>
+          </a:scene3d>
+          <a:sp3d contourW="12700">
+            <a:bevelT w="25400" h="19050"/>
+            <a:contourClr>
+              <a:srgbClr val="969696"/>
+            </a:contourClr>
+          </a:sp3d>
+          <a:extLst/>
+        </p:spPr>
+      </p:pic>
+      <p:pic>
+        <p:nvPicPr>
+          <p:cNvPr id="7172" name="Picture 4" descr="https://aphyr.com/data/posts/315/RabbitMQ.sh-600x600.png"/>
+          <p:cNvPicPr>
+            <a:picLocks noChangeAspect="1" noChangeArrowheads="1"/>
+          </p:cNvPicPr>
+          <p:nvPr/>
+        </p:nvPicPr>
+        <p:blipFill>
+          <a:blip r:embed="rId3">
+            <a:extLst>
+              <a:ext uri="{28A0092B-C50C-407E-A947-70E740481C1C}">
+                <a14:useLocalDpi xmlns:a14="http://schemas.microsoft.com/office/drawing/2010/main" val="0"/>
+              </a:ext>
+            </a:extLst>
+          </a:blip>
+          <a:srcRect/>
+          <a:stretch>
+            <a:fillRect/>
+          </a:stretch>
+        </p:blipFill>
+        <p:spPr bwMode="auto">
+          <a:xfrm>
+            <a:off x="1079600" y="1713297"/>
+            <a:ext cx="3522846" cy="3522846"/>
+          </a:xfrm>
+          <a:prstGeom prst="rect">
+            <a:avLst/>
+          </a:prstGeom>
+          <a:noFill/>
+          <a:extLst>
+            <a:ext uri="{909E8E84-426E-40DD-AFC4-6F175D3DCCD1}">
+              <a14:hiddenFill xmlns:a14="http://schemas.microsoft.com/office/drawing/2010/main">
+                <a:solidFill>
+                  <a:srgbClr val="FFFFFF"/>
+                </a:solidFill>
+              </a14:hiddenFill>
+            </a:ext>
+          </a:extLst>
+        </p:spPr>
+      </p:pic>
+      <p:sp>
+        <p:nvSpPr>
+          <p:cNvPr id="4" name="Rectangle 3"/>
+          <p:cNvSpPr/>
+          <p:nvPr/>
+        </p:nvSpPr>
+        <p:spPr>
+          <a:xfrm>
+            <a:off x="4602446" y="3003082"/>
+            <a:ext cx="2192990" cy="346510"/>
+          </a:xfrm>
+          <a:prstGeom prst="rect">
+            <a:avLst/>
+          </a:prstGeom>
+        </p:spPr>
+        <p:style>
+          <a:lnRef idx="2">
+            <a:schemeClr val="accent2">
+              <a:shade val="50000"/>
+            </a:schemeClr>
+          </a:lnRef>
+          <a:fillRef idx="1">
+            <a:schemeClr val="accent2"/>
+          </a:fillRef>
+          <a:effectRef idx="0">
+            <a:schemeClr val="accent2"/>
+          </a:effectRef>
+          <a:fontRef idx="minor">
+            <a:schemeClr val="lt1"/>
+          </a:fontRef>
+        </p:style>
+        <p:txBody>
+          <a:bodyPr rtlCol="0" anchor="ctr"/>
+          <a:lstStyle/>
+          <a:p>
+            <a:pPr algn="ctr"/>
+            <a:endParaRPr lang="en-ZA"/>
+          </a:p>
+        </p:txBody>
+      </p:sp>
+      <p:sp>
+        <p:nvSpPr>
+          <p:cNvPr id="7" name="Rectangle 6"/>
+          <p:cNvSpPr/>
+          <p:nvPr/>
+        </p:nvSpPr>
+        <p:spPr>
+          <a:xfrm>
+            <a:off x="4602446" y="3582903"/>
+            <a:ext cx="2192990" cy="346510"/>
+          </a:xfrm>
+          <a:prstGeom prst="rect">
+            <a:avLst/>
+          </a:prstGeom>
+        </p:spPr>
+        <p:style>
+          <a:lnRef idx="2">
+            <a:schemeClr val="accent2">
+              <a:shade val="50000"/>
+            </a:schemeClr>
+          </a:lnRef>
+          <a:fillRef idx="1">
+            <a:schemeClr val="accent2"/>
+          </a:fillRef>
+          <a:effectRef idx="0">
+            <a:schemeClr val="accent2"/>
+          </a:effectRef>
+          <a:fontRef idx="minor">
+            <a:schemeClr val="lt1"/>
+          </a:fontRef>
+        </p:style>
+        <p:txBody>
+          <a:bodyPr rtlCol="0" anchor="ctr"/>
+          <a:lstStyle/>
+          <a:p>
+            <a:pPr algn="ctr"/>
+            <a:endParaRPr lang="en-ZA"/>
+          </a:p>
+        </p:txBody>
+      </p:sp>
+      <p:sp>
+        <p:nvSpPr>
+          <p:cNvPr id="8" name="Rectangle 7"/>
+          <p:cNvSpPr/>
+          <p:nvPr/>
+        </p:nvSpPr>
+        <p:spPr>
+          <a:xfrm rot="18000000">
+            <a:off x="4602445" y="3301465"/>
+            <a:ext cx="2192990" cy="346510"/>
+          </a:xfrm>
+          <a:prstGeom prst="rect">
+            <a:avLst/>
+          </a:prstGeom>
+        </p:spPr>
+        <p:style>
+          <a:lnRef idx="2">
+            <a:schemeClr val="accent4">
+              <a:shade val="50000"/>
+            </a:schemeClr>
+          </a:lnRef>
+          <a:fillRef idx="1">
+            <a:schemeClr val="accent4"/>
+          </a:fillRef>
+          <a:effectRef idx="0">
+            <a:schemeClr val="accent4"/>
+          </a:effectRef>
+          <a:fontRef idx="minor">
+            <a:schemeClr val="lt1"/>
+          </a:fontRef>
+        </p:style>
+        <p:txBody>
+          <a:bodyPr rtlCol="0" anchor="ctr"/>
+          <a:lstStyle/>
+          <a:p>
+            <a:pPr algn="ctr"/>
+            <a:endParaRPr lang="en-ZA"/>
+          </a:p>
+        </p:txBody>
+      </p:sp>
+    </p:spTree>
+    <p:extLst>
+      <p:ext uri="{BB962C8B-B14F-4D97-AF65-F5344CB8AC3E}">
+        <p14:creationId xmlns:p14="http://schemas.microsoft.com/office/powerpoint/2010/main" val="69774842"/>
+      </p:ext>
+    </p:extLst>
+  </p:cSld>
+  <p:clrMapOvr>
+    <a:masterClrMapping/>
+  </p:clrMapOvr>
+</p:sld>
+</file>
+
+<file path=ppt/slides/slide17.xml><?xml version="1.0" encoding="utf-8"?>
+<p:sld xmlns:a="http://schemas.openxmlformats.org/drawingml/2006/main" xmlns:r="http://schemas.openxmlformats.org/officeDocument/2006/relationships" xmlns:p="http://schemas.openxmlformats.org/presentationml/2006/main">
+  <p:cSld>
+    <p:spTree>
+      <p:nvGrpSpPr>
+        <p:cNvPr id="1" name=""/>
+        <p:cNvGrpSpPr/>
+        <p:nvPr/>
+      </p:nvGrpSpPr>
+      <p:grpSpPr>
+        <a:xfrm>
+          <a:off x="0" y="0"/>
+          <a:ext cx="0" cy="0"/>
+          <a:chOff x="0" y="0"/>
+          <a:chExt cx="0" cy="0"/>
+        </a:xfrm>
+      </p:grpSpPr>
+      <p:sp>
+        <p:nvSpPr>
+          <p:cNvPr id="2" name="Title 1"/>
+          <p:cNvSpPr>
+            <a:spLocks noGrp="1"/>
+          </p:cNvSpPr>
+          <p:nvPr>
+            <p:ph type="title"/>
+          </p:nvPr>
+        </p:nvSpPr>
+        <p:spPr/>
+        <p:txBody>
+          <a:bodyPr/>
+          <a:lstStyle/>
+          <a:p>
+            <a:r>
+              <a:rPr lang="en-ZA" dirty="0" smtClean="0"/>
+              <a:t>Beware of big messages</a:t>
+            </a:r>
+            <a:endParaRPr lang="en-ZA" dirty="0"/>
+          </a:p>
+        </p:txBody>
+      </p:sp>
+      <p:sp>
+        <p:nvSpPr>
+          <p:cNvPr id="3" name="Content Placeholder 2"/>
+          <p:cNvSpPr>
+            <a:spLocks noGrp="1"/>
+          </p:cNvSpPr>
+          <p:nvPr>
+            <p:ph idx="1"/>
+          </p:nvPr>
+        </p:nvSpPr>
+        <p:spPr/>
+        <p:txBody>
+          <a:bodyPr/>
+          <a:lstStyle/>
+          <a:p>
+            <a:endParaRPr lang="en-ZA"/>
+          </a:p>
+        </p:txBody>
+      </p:sp>
+    </p:spTree>
+    <p:extLst>
+      <p:ext uri="{BB962C8B-B14F-4D97-AF65-F5344CB8AC3E}">
+        <p14:creationId xmlns:p14="http://schemas.microsoft.com/office/powerpoint/2010/main" val="2839527207"/>
+      </p:ext>
+    </p:extLst>
+  </p:cSld>
+  <p:clrMapOvr>
+    <a:masterClrMapping/>
+  </p:clrMapOvr>
+</p:sld>
+</file>
+
+<file path=ppt/slides/slide18.xml><?xml version="1.0" encoding="utf-8"?>
+<p:sld xmlns:a="http://schemas.openxmlformats.org/drawingml/2006/main" xmlns:r="http://schemas.openxmlformats.org/officeDocument/2006/relationships" xmlns:p="http://schemas.openxmlformats.org/presentationml/2006/main">
+  <p:cSld>
+    <p:spTree>
+      <p:nvGrpSpPr>
+        <p:cNvPr id="1" name=""/>
+        <p:cNvGrpSpPr/>
+        <p:nvPr/>
+      </p:nvGrpSpPr>
+      <p:grpSpPr>
+        <a:xfrm>
+          <a:off x="0" y="0"/>
+          <a:ext cx="0" cy="0"/>
+          <a:chOff x="0" y="0"/>
+          <a:chExt cx="0" cy="0"/>
+        </a:xfrm>
+      </p:grpSpPr>
+      <p:sp>
+        <p:nvSpPr>
+          <p:cNvPr id="2" name="Title 1"/>
+          <p:cNvSpPr>
+            <a:spLocks noGrp="1"/>
+          </p:cNvSpPr>
+          <p:nvPr>
+            <p:ph type="title"/>
+          </p:nvPr>
+        </p:nvSpPr>
+        <p:spPr/>
+        <p:txBody>
+          <a:bodyPr/>
+          <a:lstStyle/>
+          <a:p>
+            <a:r>
+              <a:rPr lang="en-ZA" dirty="0" err="1" smtClean="0"/>
+              <a:t>Mnesia</a:t>
+            </a:r>
+            <a:r>
+              <a:rPr lang="en-ZA" dirty="0" smtClean="0"/>
+              <a:t> DB… right</a:t>
+            </a:r>
+            <a:endParaRPr lang="en-ZA" dirty="0"/>
+          </a:p>
+        </p:txBody>
+      </p:sp>
+      <p:sp>
+        <p:nvSpPr>
+          <p:cNvPr id="3" name="Content Placeholder 2"/>
+          <p:cNvSpPr>
+            <a:spLocks noGrp="1"/>
+          </p:cNvSpPr>
+          <p:nvPr>
+            <p:ph idx="1"/>
+          </p:nvPr>
+        </p:nvSpPr>
+        <p:spPr/>
+        <p:txBody>
+          <a:bodyPr/>
+          <a:lstStyle/>
+          <a:p>
+            <a:endParaRPr lang="en-ZA"/>
+          </a:p>
+        </p:txBody>
+      </p:sp>
+    </p:spTree>
+    <p:extLst>
+      <p:ext uri="{BB962C8B-B14F-4D97-AF65-F5344CB8AC3E}">
+        <p14:creationId xmlns:p14="http://schemas.microsoft.com/office/powerpoint/2010/main" val="942931910"/>
+      </p:ext>
+    </p:extLst>
+  </p:cSld>
+  <p:clrMapOvr>
+    <a:masterClrMapping/>
+  </p:clrMapOvr>
+</p:sld>
+</file>
+
+<file path=ppt/slides/slide19.xml><?xml version="1.0" encoding="utf-8"?>
+<p:sld xmlns:a="http://schemas.openxmlformats.org/drawingml/2006/main" xmlns:r="http://schemas.openxmlformats.org/officeDocument/2006/relationships" xmlns:p="http://schemas.openxmlformats.org/presentationml/2006/main">
+  <p:cSld>
+    <p:spTree>
+      <p:nvGrpSpPr>
+        <p:cNvPr id="1" name=""/>
+        <p:cNvGrpSpPr/>
+        <p:nvPr/>
+      </p:nvGrpSpPr>
+      <p:grpSpPr>
+        <a:xfrm>
+          <a:off x="0" y="0"/>
+          <a:ext cx="0" cy="0"/>
+          <a:chOff x="0" y="0"/>
+          <a:chExt cx="0" cy="0"/>
+        </a:xfrm>
+      </p:grpSpPr>
+      <p:sp>
+        <p:nvSpPr>
+          <p:cNvPr id="4" name="Title 3"/>
+          <p:cNvSpPr>
+            <a:spLocks noGrp="1"/>
+          </p:cNvSpPr>
+          <p:nvPr>
+            <p:ph type="title"/>
+          </p:nvPr>
+        </p:nvSpPr>
+        <p:spPr/>
+        <p:txBody>
+          <a:bodyPr/>
+          <a:lstStyle/>
+          <a:p>
+            <a:endParaRPr lang="en-ZA"/>
+          </a:p>
+        </p:txBody>
+      </p:sp>
+      <p:sp>
+        <p:nvSpPr>
+          <p:cNvPr id="5" name="Content Placeholder 4"/>
+          <p:cNvSpPr>
+            <a:spLocks noGrp="1"/>
+          </p:cNvSpPr>
+          <p:nvPr>
+            <p:ph idx="1"/>
+          </p:nvPr>
+        </p:nvSpPr>
+        <p:spPr/>
+        <p:txBody>
+          <a:bodyPr/>
+          <a:lstStyle/>
+          <a:p>
+            <a:r>
+              <a:rPr lang="en-ZA" dirty="0" smtClean="0"/>
+              <a:t>Sound cloud</a:t>
+            </a:r>
+          </a:p>
+          <a:p>
+            <a:r>
+              <a:rPr lang="en-ZA" dirty="0" smtClean="0"/>
+              <a:t>Google test 1 trillion, but look at the servers…</a:t>
+            </a:r>
+            <a:endParaRPr lang="en-ZA" dirty="0"/>
+          </a:p>
+        </p:txBody>
+      </p:sp>
+    </p:spTree>
+    <p:extLst>
+      <p:ext uri="{BB962C8B-B14F-4D97-AF65-F5344CB8AC3E}">
+        <p14:creationId xmlns:p14="http://schemas.microsoft.com/office/powerpoint/2010/main" val="3032329423"/>
+      </p:ext>
+    </p:extLst>
+  </p:cSld>
+  <p:clrMapOvr>
+    <a:masterClrMapping/>
+  </p:clrMapOvr>
+</p:sld>
+</file>
+
 <file path=ppt/slides/slide2.xml><?xml version="1.0" encoding="utf-8"?>
 <p:sld xmlns:a="http://schemas.openxmlformats.org/drawingml/2006/main" xmlns:r="http://schemas.openxmlformats.org/officeDocument/2006/relationships" xmlns:p="http://schemas.openxmlformats.org/presentationml/2006/main">
   <p:cSld>
@@ -1810,19 +6191,23 @@
           <a:p>
             <a:r>
               <a:rPr lang="en-ZA" dirty="0" smtClean="0"/>
+              <a:t>What is out there?</a:t>
+            </a:r>
+          </a:p>
+          <a:p>
+            <a:r>
+              <a:rPr lang="en-ZA" dirty="0" smtClean="0"/>
               <a:t>Define our requirements</a:t>
             </a:r>
           </a:p>
           <a:p>
             <a:r>
               <a:rPr lang="en-ZA" dirty="0" smtClean="0"/>
-              <a:t>Pick our ideal queue broker</a:t>
-            </a:r>
-          </a:p>
-          <a:p>
+              <a:t>Dig </a:t>
+            </a:r>
             <a:r>
               <a:rPr lang="en-ZA" dirty="0"/>
-              <a:t>Dig a little deeper</a:t>
+              <a:t>a little deeper</a:t>
             </a:r>
           </a:p>
           <a:p>
@@ -1882,7 +6267,7 @@
         </p:blipFill>
         <p:spPr>
           <a:xfrm>
-            <a:off x="9375727" y="762146"/>
+            <a:off x="4673099" y="1419225"/>
             <a:ext cx="2613084" cy="432792"/>
           </a:xfrm>
           <a:prstGeom prst="rect">
@@ -1894,6 +6279,709 @@
     <p:extLst>
       <p:ext uri="{BB962C8B-B14F-4D97-AF65-F5344CB8AC3E}">
         <p14:creationId xmlns:p14="http://schemas.microsoft.com/office/powerpoint/2010/main" val="2900605158"/>
+      </p:ext>
+    </p:extLst>
+  </p:cSld>
+  <p:clrMapOvr>
+    <a:masterClrMapping/>
+  </p:clrMapOvr>
+  <p:timing>
+    <p:tnLst>
+      <p:par>
+        <p:cTn id="1" dur="indefinite" restart="never" nodeType="tmRoot"/>
+      </p:par>
+    </p:tnLst>
+  </p:timing>
+</p:sld>
+</file>
+
+<file path=ppt/slides/slide20.xml><?xml version="1.0" encoding="utf-8"?>
+<p:sld xmlns:a="http://schemas.openxmlformats.org/drawingml/2006/main" xmlns:r="http://schemas.openxmlformats.org/officeDocument/2006/relationships" xmlns:p="http://schemas.openxmlformats.org/presentationml/2006/main">
+  <p:cSld>
+    <p:bg>
+      <p:bgPr>
+        <a:solidFill>
+          <a:srgbClr val="000F30"/>
+        </a:solidFill>
+        <a:effectLst/>
+      </p:bgPr>
+    </p:bg>
+    <p:spTree>
+      <p:nvGrpSpPr>
+        <p:cNvPr id="1" name=""/>
+        <p:cNvGrpSpPr/>
+        <p:nvPr/>
+      </p:nvGrpSpPr>
+      <p:grpSpPr>
+        <a:xfrm>
+          <a:off x="0" y="0"/>
+          <a:ext cx="0" cy="0"/>
+          <a:chOff x="0" y="0"/>
+          <a:chExt cx="0" cy="0"/>
+        </a:xfrm>
+      </p:grpSpPr>
+      <p:pic>
+        <p:nvPicPr>
+          <p:cNvPr id="3" name="Picture 2"/>
+          <p:cNvPicPr>
+            <a:picLocks noChangeAspect="1"/>
+          </p:cNvPicPr>
+          <p:nvPr/>
+        </p:nvPicPr>
+        <p:blipFill>
+          <a:blip r:embed="rId2">
+            <a:extLst>
+              <a:ext uri="{28A0092B-C50C-407E-A947-70E740481C1C}">
+                <a14:useLocalDpi xmlns:a14="http://schemas.microsoft.com/office/drawing/2010/main" val="0"/>
+              </a:ext>
+            </a:extLst>
+          </a:blip>
+          <a:stretch>
+            <a:fillRect/>
+          </a:stretch>
+        </p:blipFill>
+        <p:spPr>
+          <a:xfrm>
+            <a:off x="-1" y="0"/>
+            <a:ext cx="12192000" cy="6857999"/>
+          </a:xfrm>
+          <a:prstGeom prst="rect">
+            <a:avLst/>
+          </a:prstGeom>
+        </p:spPr>
+      </p:pic>
+      <p:sp>
+        <p:nvSpPr>
+          <p:cNvPr id="6" name="TextBox 5"/>
+          <p:cNvSpPr txBox="1"/>
+          <p:nvPr/>
+        </p:nvSpPr>
+        <p:spPr>
+          <a:xfrm>
+            <a:off x="8547222" y="479599"/>
+            <a:ext cx="3644777" cy="954107"/>
+          </a:xfrm>
+          <a:prstGeom prst="rect">
+            <a:avLst/>
+          </a:prstGeom>
+          <a:noFill/>
+        </p:spPr>
+        <p:txBody>
+          <a:bodyPr wrap="square" rtlCol="0">
+            <a:spAutoFit/>
+          </a:bodyPr>
+          <a:lstStyle/>
+          <a:p>
+            <a:pPr algn="ctr"/>
+            <a:r>
+              <a:rPr lang="en-ZA" sz="2800" dirty="0">
+                <a:solidFill>
+                  <a:schemeClr val="bg1"/>
+                </a:solidFill>
+              </a:rPr>
+              <a:t>So </a:t>
+            </a:r>
+            <a:r>
+              <a:rPr lang="en-ZA" sz="2800" dirty="0" smtClean="0">
+                <a:solidFill>
+                  <a:schemeClr val="bg1"/>
+                </a:solidFill>
+              </a:rPr>
+              <a:t>Long, and </a:t>
+            </a:r>
+          </a:p>
+          <a:p>
+            <a:pPr algn="ctr"/>
+            <a:r>
+              <a:rPr lang="en-ZA" sz="2800" dirty="0" smtClean="0">
+                <a:solidFill>
+                  <a:schemeClr val="bg1"/>
+                </a:solidFill>
+              </a:rPr>
+              <a:t>Thanks </a:t>
+            </a:r>
+            <a:r>
+              <a:rPr lang="en-ZA" sz="2800" dirty="0">
+                <a:solidFill>
+                  <a:schemeClr val="bg1"/>
+                </a:solidFill>
+              </a:rPr>
+              <a:t>for All the Fish</a:t>
+            </a:r>
+          </a:p>
+        </p:txBody>
+      </p:sp>
+      <p:sp>
+        <p:nvSpPr>
+          <p:cNvPr id="11" name="TextBox 10"/>
+          <p:cNvSpPr txBox="1"/>
+          <p:nvPr/>
+        </p:nvSpPr>
+        <p:spPr>
+          <a:xfrm>
+            <a:off x="8719820" y="1551742"/>
+            <a:ext cx="4551679" cy="338554"/>
+          </a:xfrm>
+          <a:prstGeom prst="rect">
+            <a:avLst/>
+          </a:prstGeom>
+          <a:noFill/>
+        </p:spPr>
+        <p:txBody>
+          <a:bodyPr wrap="square" rtlCol="0">
+            <a:spAutoFit/>
+          </a:bodyPr>
+          <a:lstStyle/>
+          <a:p>
+            <a:r>
+              <a:rPr lang="en-ZA" sz="1600" dirty="0" smtClean="0">
+                <a:solidFill>
+                  <a:srgbClr val="FF064D"/>
+                </a:solidFill>
+                <a:latin typeface="+mj-lt"/>
+              </a:rPr>
+              <a:t>Brendan Fry</a:t>
+            </a:r>
+            <a:endParaRPr lang="en-ZA" sz="1600" dirty="0">
+              <a:solidFill>
+                <a:srgbClr val="FF064D"/>
+              </a:solidFill>
+              <a:latin typeface="+mj-lt"/>
+            </a:endParaRPr>
+          </a:p>
+        </p:txBody>
+      </p:sp>
+      <p:cxnSp>
+        <p:nvCxnSpPr>
+          <p:cNvPr id="9" name="Straight Connector 8"/>
+          <p:cNvCxnSpPr/>
+          <p:nvPr/>
+        </p:nvCxnSpPr>
+        <p:spPr>
+          <a:xfrm>
+            <a:off x="8843433" y="1890296"/>
+            <a:ext cx="3348566" cy="0"/>
+          </a:xfrm>
+          <a:prstGeom prst="line">
+            <a:avLst/>
+          </a:prstGeom>
+          <a:ln>
+            <a:solidFill>
+              <a:schemeClr val="accent4">
+                <a:alpha val="62000"/>
+              </a:schemeClr>
+            </a:solidFill>
+          </a:ln>
+        </p:spPr>
+        <p:style>
+          <a:lnRef idx="1">
+            <a:schemeClr val="accent1"/>
+          </a:lnRef>
+          <a:fillRef idx="0">
+            <a:schemeClr val="accent1"/>
+          </a:fillRef>
+          <a:effectRef idx="0">
+            <a:schemeClr val="accent1"/>
+          </a:effectRef>
+          <a:fontRef idx="minor">
+            <a:schemeClr val="tx1"/>
+          </a:fontRef>
+        </p:style>
+      </p:cxnSp>
+      <p:sp>
+        <p:nvSpPr>
+          <p:cNvPr id="8" name="TextBox 7"/>
+          <p:cNvSpPr txBox="1"/>
+          <p:nvPr/>
+        </p:nvSpPr>
+        <p:spPr>
+          <a:xfrm>
+            <a:off x="8956676" y="1894642"/>
+            <a:ext cx="4314824" cy="1077218"/>
+          </a:xfrm>
+          <a:prstGeom prst="rect">
+            <a:avLst/>
+          </a:prstGeom>
+          <a:noFill/>
+        </p:spPr>
+        <p:txBody>
+          <a:bodyPr wrap="square" rtlCol="0">
+            <a:spAutoFit/>
+          </a:bodyPr>
+          <a:lstStyle/>
+          <a:p>
+            <a:endParaRPr lang="en-ZA" sz="1600" dirty="0" smtClean="0">
+              <a:solidFill>
+                <a:schemeClr val="accent3"/>
+              </a:solidFill>
+              <a:latin typeface="+mj-lt"/>
+            </a:endParaRPr>
+          </a:p>
+          <a:p>
+            <a:r>
+              <a:rPr lang="en-ZA" sz="1600" dirty="0" smtClean="0">
+                <a:solidFill>
+                  <a:schemeClr val="accent3"/>
+                </a:solidFill>
+                <a:latin typeface="+mj-lt"/>
+              </a:rPr>
+              <a:t>bfry@fryhard.com</a:t>
+            </a:r>
+          </a:p>
+          <a:p>
+            <a:r>
+              <a:rPr lang="en-ZA" sz="1600" dirty="0" smtClean="0">
+                <a:solidFill>
+                  <a:schemeClr val="accent3"/>
+                </a:solidFill>
+                <a:latin typeface="+mj-lt"/>
+              </a:rPr>
+              <a:t>0836337634</a:t>
+            </a:r>
+          </a:p>
+          <a:p>
+            <a:r>
+              <a:rPr lang="en-ZA" sz="1600" dirty="0" smtClean="0">
+                <a:solidFill>
+                  <a:schemeClr val="accent3"/>
+                </a:solidFill>
+                <a:latin typeface="+mj-lt"/>
+              </a:rPr>
+              <a:t>@Fry_Hard</a:t>
+            </a:r>
+            <a:endParaRPr lang="en-ZA" sz="1600" dirty="0">
+              <a:solidFill>
+                <a:schemeClr val="accent3"/>
+              </a:solidFill>
+              <a:latin typeface="+mj-lt"/>
+            </a:endParaRPr>
+          </a:p>
+        </p:txBody>
+      </p:sp>
+      <p:sp>
+        <p:nvSpPr>
+          <p:cNvPr id="4" name="Rounded Rectangle 3"/>
+          <p:cNvSpPr/>
+          <p:nvPr/>
+        </p:nvSpPr>
+        <p:spPr>
+          <a:xfrm>
+            <a:off x="3275615" y="2827481"/>
+            <a:ext cx="4437518" cy="1295341"/>
+          </a:xfrm>
+          <a:prstGeom prst="roundRect">
+            <a:avLst/>
+          </a:prstGeom>
+          <a:noFill/>
+          <a:ln>
+            <a:solidFill>
+              <a:schemeClr val="accent2"/>
+            </a:solidFill>
+          </a:ln>
+        </p:spPr>
+        <p:style>
+          <a:lnRef idx="2">
+            <a:schemeClr val="accent1">
+              <a:shade val="50000"/>
+            </a:schemeClr>
+          </a:lnRef>
+          <a:fillRef idx="1">
+            <a:schemeClr val="accent1"/>
+          </a:fillRef>
+          <a:effectRef idx="0">
+            <a:schemeClr val="accent1"/>
+          </a:effectRef>
+          <a:fontRef idx="minor">
+            <a:schemeClr val="lt1"/>
+          </a:fontRef>
+        </p:style>
+        <p:txBody>
+          <a:bodyPr rtlCol="0" anchor="ctr"/>
+          <a:lstStyle/>
+          <a:p>
+            <a:pPr algn="ctr"/>
+            <a:r>
+              <a:rPr lang="en-ZA" dirty="0" smtClean="0"/>
+              <a:t>http://devconf.co.za</a:t>
+            </a:r>
+            <a:br>
+              <a:rPr lang="en-ZA" dirty="0" smtClean="0"/>
+            </a:br>
+            <a:r>
+              <a:rPr lang="en-ZA" dirty="0" smtClean="0"/>
+              <a:t>http://fryhard.com</a:t>
+            </a:r>
+            <a:endParaRPr lang="en-ZA" dirty="0"/>
+          </a:p>
+          <a:p>
+            <a:pPr algn="ctr"/>
+            <a:r>
+              <a:rPr lang="en-ZA" dirty="0" smtClean="0"/>
+              <a:t>http://Jagmethod.com</a:t>
+            </a:r>
+          </a:p>
+          <a:p>
+            <a:pPr algn="ctr"/>
+            <a:r>
+              <a:rPr lang="en-ZA" dirty="0" smtClean="0"/>
+              <a:t>https</a:t>
+            </a:r>
+            <a:r>
+              <a:rPr lang="en-ZA" dirty="0"/>
+              <a:t>://</a:t>
+            </a:r>
+            <a:r>
+              <a:rPr lang="en-ZA" dirty="0" smtClean="0"/>
+              <a:t>www.rabbitmq.com</a:t>
+            </a:r>
+            <a:endParaRPr lang="en-ZA" dirty="0"/>
+          </a:p>
+        </p:txBody>
+      </p:sp>
+      <p:pic>
+        <p:nvPicPr>
+          <p:cNvPr id="1026" name="Picture 2" descr="Placeholder"/>
+          <p:cNvPicPr>
+            <a:picLocks noChangeAspect="1" noChangeArrowheads="1"/>
+          </p:cNvPicPr>
+          <p:nvPr/>
+        </p:nvPicPr>
+        <p:blipFill>
+          <a:blip r:embed="rId3">
+            <a:extLst>
+              <a:ext uri="{28A0092B-C50C-407E-A947-70E740481C1C}">
+                <a14:useLocalDpi xmlns:a14="http://schemas.microsoft.com/office/drawing/2010/main" val="0"/>
+              </a:ext>
+            </a:extLst>
+          </a:blip>
+          <a:srcRect/>
+          <a:stretch>
+            <a:fillRect/>
+          </a:stretch>
+        </p:blipFill>
+        <p:spPr bwMode="auto">
+          <a:xfrm>
+            <a:off x="8787246" y="1933854"/>
+            <a:ext cx="1608667" cy="212031"/>
+          </a:xfrm>
+          <a:prstGeom prst="rect">
+            <a:avLst/>
+          </a:prstGeom>
+          <a:noFill/>
+          <a:extLst>
+            <a:ext uri="{909E8E84-426E-40DD-AFC4-6F175D3DCCD1}">
+              <a14:hiddenFill xmlns:a14="http://schemas.microsoft.com/office/drawing/2010/main">
+                <a:solidFill>
+                  <a:srgbClr val="FFFFFF"/>
+                </a:solidFill>
+              </a14:hiddenFill>
+            </a:ext>
+          </a:extLst>
+        </p:spPr>
+      </p:pic>
+      <p:pic>
+        <p:nvPicPr>
+          <p:cNvPr id="5" name="Picture 4"/>
+          <p:cNvPicPr>
+            <a:picLocks noChangeAspect="1"/>
+          </p:cNvPicPr>
+          <p:nvPr/>
+        </p:nvPicPr>
+        <p:blipFill>
+          <a:blip r:embed="rId4" cstate="print">
+            <a:extLst>
+              <a:ext uri="{28A0092B-C50C-407E-A947-70E740481C1C}">
+                <a14:useLocalDpi xmlns:a14="http://schemas.microsoft.com/office/drawing/2010/main" val="0"/>
+              </a:ext>
+            </a:extLst>
+          </a:blip>
+          <a:stretch>
+            <a:fillRect/>
+          </a:stretch>
+        </p:blipFill>
+        <p:spPr>
+          <a:xfrm>
+            <a:off x="8798983" y="2700867"/>
+            <a:ext cx="212784" cy="212784"/>
+          </a:xfrm>
+          <a:prstGeom prst="rect">
+            <a:avLst/>
+          </a:prstGeom>
+        </p:spPr>
+      </p:pic>
+      <p:pic>
+        <p:nvPicPr>
+          <p:cNvPr id="1036" name="Picture 12" descr="http://icons.iconarchive.com/icons/wwalczyszyn/android-style-honeycomb/256/Phone-icon.png"/>
+          <p:cNvPicPr>
+            <a:picLocks noChangeAspect="1" noChangeArrowheads="1"/>
+          </p:cNvPicPr>
+          <p:nvPr/>
+        </p:nvPicPr>
+        <p:blipFill>
+          <a:blip r:embed="rId5" cstate="print">
+            <a:extLst>
+              <a:ext uri="{28A0092B-C50C-407E-A947-70E740481C1C}">
+                <a14:useLocalDpi xmlns:a14="http://schemas.microsoft.com/office/drawing/2010/main" val="0"/>
+              </a:ext>
+            </a:extLst>
+          </a:blip>
+          <a:srcRect/>
+          <a:stretch>
+            <a:fillRect/>
+          </a:stretch>
+        </p:blipFill>
+        <p:spPr bwMode="auto">
+          <a:xfrm>
+            <a:off x="8787246" y="2445104"/>
+            <a:ext cx="236258" cy="236258"/>
+          </a:xfrm>
+          <a:prstGeom prst="rect">
+            <a:avLst/>
+          </a:prstGeom>
+          <a:noFill/>
+          <a:extLst>
+            <a:ext uri="{909E8E84-426E-40DD-AFC4-6F175D3DCCD1}">
+              <a14:hiddenFill xmlns:a14="http://schemas.microsoft.com/office/drawing/2010/main">
+                <a:solidFill>
+                  <a:srgbClr val="FFFFFF"/>
+                </a:solidFill>
+              </a14:hiddenFill>
+            </a:ext>
+          </a:extLst>
+        </p:spPr>
+      </p:pic>
+      <p:pic>
+        <p:nvPicPr>
+          <p:cNvPr id="12" name="Picture 11"/>
+          <p:cNvPicPr>
+            <a:picLocks noChangeAspect="1"/>
+          </p:cNvPicPr>
+          <p:nvPr/>
+        </p:nvPicPr>
+        <p:blipFill>
+          <a:blip r:embed="rId6" cstate="print">
+            <a:extLst>
+              <a:ext uri="{28A0092B-C50C-407E-A947-70E740481C1C}">
+                <a14:useLocalDpi xmlns:a14="http://schemas.microsoft.com/office/drawing/2010/main" val="0"/>
+              </a:ext>
+            </a:extLst>
+          </a:blip>
+          <a:stretch>
+            <a:fillRect/>
+          </a:stretch>
+        </p:blipFill>
+        <p:spPr>
+          <a:xfrm>
+            <a:off x="8773625" y="2186812"/>
+            <a:ext cx="263499" cy="263499"/>
+          </a:xfrm>
+          <a:prstGeom prst="rect">
+            <a:avLst/>
+          </a:prstGeom>
+        </p:spPr>
+      </p:pic>
+      <p:pic>
+        <p:nvPicPr>
+          <p:cNvPr id="2" name="Picture 1"/>
+          <p:cNvPicPr>
+            <a:picLocks noChangeAspect="1"/>
+          </p:cNvPicPr>
+          <p:nvPr/>
+        </p:nvPicPr>
+        <p:blipFill>
+          <a:blip r:embed="rId7">
+            <a:extLst>
+              <a:ext uri="{28A0092B-C50C-407E-A947-70E740481C1C}">
+                <a14:useLocalDpi xmlns:a14="http://schemas.microsoft.com/office/drawing/2010/main" val="0"/>
+              </a:ext>
+            </a:extLst>
+          </a:blip>
+          <a:stretch>
+            <a:fillRect/>
+          </a:stretch>
+        </p:blipFill>
+        <p:spPr>
+          <a:xfrm>
+            <a:off x="3542329" y="3014620"/>
+            <a:ext cx="533427" cy="190510"/>
+          </a:xfrm>
+          <a:prstGeom prst="rect">
+            <a:avLst/>
+          </a:prstGeom>
+        </p:spPr>
+      </p:pic>
+      <p:pic>
+        <p:nvPicPr>
+          <p:cNvPr id="7" name="Picture 6"/>
+          <p:cNvPicPr>
+            <a:picLocks noChangeAspect="1"/>
+          </p:cNvPicPr>
+          <p:nvPr/>
+        </p:nvPicPr>
+        <p:blipFill>
+          <a:blip r:embed="rId8" cstate="print">
+            <a:extLst>
+              <a:ext uri="{28A0092B-C50C-407E-A947-70E740481C1C}">
+                <a14:useLocalDpi xmlns:a14="http://schemas.microsoft.com/office/drawing/2010/main" val="0"/>
+              </a:ext>
+            </a:extLst>
+          </a:blip>
+          <a:stretch>
+            <a:fillRect/>
+          </a:stretch>
+        </p:blipFill>
+        <p:spPr>
+          <a:xfrm>
+            <a:off x="3462986" y="3284835"/>
+            <a:ext cx="692112" cy="692112"/>
+          </a:xfrm>
+          <a:prstGeom prst="rect">
+            <a:avLst/>
+          </a:prstGeom>
+        </p:spPr>
+      </p:pic>
+      <p:pic>
+        <p:nvPicPr>
+          <p:cNvPr id="17" name="Picture 16"/>
+          <p:cNvPicPr>
+            <a:picLocks noChangeAspect="1"/>
+          </p:cNvPicPr>
+          <p:nvPr/>
+        </p:nvPicPr>
+        <p:blipFill>
+          <a:blip r:embed="rId9"/>
+          <a:stretch>
+            <a:fillRect/>
+          </a:stretch>
+        </p:blipFill>
+        <p:spPr>
+          <a:xfrm>
+            <a:off x="6690606" y="3014620"/>
+            <a:ext cx="997001" cy="292115"/>
+          </a:xfrm>
+          <a:prstGeom prst="rect">
+            <a:avLst/>
+          </a:prstGeom>
+        </p:spPr>
+      </p:pic>
+      <p:pic>
+        <p:nvPicPr>
+          <p:cNvPr id="18" name="Picture 17"/>
+          <p:cNvPicPr>
+            <a:picLocks noChangeAspect="1"/>
+          </p:cNvPicPr>
+          <p:nvPr/>
+        </p:nvPicPr>
+        <p:blipFill>
+          <a:blip r:embed="rId10" cstate="print">
+            <a:extLst>
+              <a:ext uri="{28A0092B-C50C-407E-A947-70E740481C1C}">
+                <a14:useLocalDpi xmlns:a14="http://schemas.microsoft.com/office/drawing/2010/main" val="0"/>
+              </a:ext>
+            </a:extLst>
+          </a:blip>
+          <a:stretch>
+            <a:fillRect/>
+          </a:stretch>
+        </p:blipFill>
+        <p:spPr>
+          <a:xfrm>
+            <a:off x="7008109" y="3493874"/>
+            <a:ext cx="361993" cy="361993"/>
+          </a:xfrm>
+          <a:prstGeom prst="rect">
+            <a:avLst/>
+          </a:prstGeom>
+        </p:spPr>
+      </p:pic>
+      <p:sp>
+        <p:nvSpPr>
+          <p:cNvPr id="19" name="Rounded Rectangle 18"/>
+          <p:cNvSpPr/>
+          <p:nvPr/>
+        </p:nvSpPr>
+        <p:spPr>
+          <a:xfrm>
+            <a:off x="3275615" y="4309961"/>
+            <a:ext cx="4437518" cy="647670"/>
+          </a:xfrm>
+          <a:prstGeom prst="roundRect">
+            <a:avLst/>
+          </a:prstGeom>
+          <a:noFill/>
+          <a:ln>
+            <a:solidFill>
+              <a:schemeClr val="accent2"/>
+            </a:solidFill>
+          </a:ln>
+        </p:spPr>
+        <p:style>
+          <a:lnRef idx="2">
+            <a:schemeClr val="accent1">
+              <a:shade val="50000"/>
+            </a:schemeClr>
+          </a:lnRef>
+          <a:fillRef idx="1">
+            <a:schemeClr val="accent1"/>
+          </a:fillRef>
+          <a:effectRef idx="0">
+            <a:schemeClr val="accent1"/>
+          </a:effectRef>
+          <a:fontRef idx="minor">
+            <a:schemeClr val="lt1"/>
+          </a:fontRef>
+        </p:style>
+        <p:txBody>
+          <a:bodyPr rtlCol="0" anchor="ctr"/>
+          <a:lstStyle/>
+          <a:p>
+            <a:pPr algn="ctr"/>
+            <a:r>
+              <a:rPr lang="en-ZA" dirty="0" smtClean="0"/>
+              <a:t>Code:</a:t>
+            </a:r>
+          </a:p>
+          <a:p>
+            <a:pPr algn="ctr"/>
+            <a:r>
+              <a:rPr lang="en-ZA" dirty="0" smtClean="0"/>
+              <a:t>https</a:t>
+            </a:r>
+            <a:r>
+              <a:rPr lang="en-ZA" dirty="0"/>
+              <a:t>://github.com/Fryhard/DevConfZA2016</a:t>
+            </a:r>
+          </a:p>
+        </p:txBody>
+      </p:sp>
+      <p:pic>
+        <p:nvPicPr>
+          <p:cNvPr id="16" name="Picture 15"/>
+          <p:cNvPicPr>
+            <a:picLocks noChangeAspect="1"/>
+          </p:cNvPicPr>
+          <p:nvPr/>
+        </p:nvPicPr>
+        <p:blipFill>
+          <a:blip r:embed="rId11"/>
+          <a:stretch>
+            <a:fillRect/>
+          </a:stretch>
+        </p:blipFill>
+        <p:spPr>
+          <a:xfrm>
+            <a:off x="4736714" y="4286311"/>
+            <a:ext cx="476337" cy="476337"/>
+          </a:xfrm>
+          <a:prstGeom prst="rect">
+            <a:avLst/>
+          </a:prstGeom>
+        </p:spPr>
+      </p:pic>
+    </p:spTree>
+    <p:extLst>
+      <p:ext uri="{BB962C8B-B14F-4D97-AF65-F5344CB8AC3E}">
+        <p14:creationId xmlns:p14="http://schemas.microsoft.com/office/powerpoint/2010/main" val="1624035251"/>
       </p:ext>
     </p:extLst>
   </p:cSld>
@@ -1968,14 +7056,15 @@
         </p:nvSpPr>
         <p:spPr>
           <a:xfrm>
-            <a:off x="876300" y="2530422"/>
-            <a:ext cx="10477500" cy="3384602"/>
+            <a:off x="876300" y="2945331"/>
+            <a:ext cx="10477500" cy="2969692"/>
           </a:xfrm>
         </p:spPr>
         <p:txBody>
           <a:bodyPr/>
           <a:lstStyle/>
           <a:p>
+            <a:pPr algn="ctr"/>
             <a:r>
               <a:rPr lang="en-ZA" dirty="0" smtClean="0"/>
               <a:t>Tell me how I am doing?</a:t>
@@ -1988,9 +7077,9 @@
             <a:pPr algn="ctr"/>
             <a:r>
               <a:rPr lang="en-ZA" sz="3600" dirty="0" smtClean="0">
-                <a:hlinkClick r:id="rId2"/>
+                <a:hlinkClick r:id="rId3"/>
               </a:rPr>
-              <a:t>http://dc.fryhard.com</a:t>
+              <a:t>https://dc.fryhard.com</a:t>
             </a:r>
             <a:endParaRPr lang="en-ZA" sz="3600" dirty="0"/>
           </a:p>
@@ -2005,7 +7094,7 @@
           <p:nvPr/>
         </p:nvPicPr>
         <p:blipFill>
-          <a:blip r:embed="rId3"/>
+          <a:blip r:embed="rId4"/>
           <a:stretch>
             <a:fillRect/>
           </a:stretch>
@@ -2029,7 +7118,7 @@
           <p:nvPr/>
         </p:nvPicPr>
         <p:blipFill>
-          <a:blip r:embed="rId4" cstate="print">
+          <a:blip r:embed="rId5" cstate="print">
             <a:extLst>
               <a:ext uri="{28A0092B-C50C-407E-A947-70E740481C1C}">
                 <a14:useLocalDpi xmlns:a14="http://schemas.microsoft.com/office/drawing/2010/main" val="0"/>
@@ -2042,7 +7131,7 @@
         </p:blipFill>
         <p:spPr>
           <a:xfrm>
-            <a:off x="2933652" y="3278638"/>
+            <a:off x="2861575" y="3702150"/>
             <a:ext cx="1062615" cy="1062615"/>
           </a:xfrm>
           <a:prstGeom prst="rect">
@@ -2121,7 +7210,7 @@
           </p:nvPr>
         </p:nvPicPr>
         <p:blipFill>
-          <a:blip r:embed="rId2">
+          <a:blip r:embed="rId3">
             <a:extLst>
               <a:ext uri="{28A0092B-C50C-407E-A947-70E740481C1C}">
                 <a14:useLocalDpi xmlns:a14="http://schemas.microsoft.com/office/drawing/2010/main" val="0"/>
@@ -3105,7 +8194,7 @@
           <p:nvPr/>
         </p:nvPicPr>
         <p:blipFill>
-          <a:blip r:embed="rId3"/>
+          <a:blip r:embed="rId4"/>
           <a:stretch>
             <a:fillRect/>
           </a:stretch>
@@ -3971,118 +9060,6 @@
 <file path=ppt/slides/slide5.xml><?xml version="1.0" encoding="utf-8"?>
 <p:sld xmlns:a="http://schemas.openxmlformats.org/drawingml/2006/main" xmlns:r="http://schemas.openxmlformats.org/officeDocument/2006/relationships" xmlns:p="http://schemas.openxmlformats.org/presentationml/2006/main">
   <p:cSld>
-    <p:spTree>
-      <p:nvGrpSpPr>
-        <p:cNvPr id="1" name=""/>
-        <p:cNvGrpSpPr/>
-        <p:nvPr/>
-      </p:nvGrpSpPr>
-      <p:grpSpPr>
-        <a:xfrm>
-          <a:off x="0" y="0"/>
-          <a:ext cx="0" cy="0"/>
-          <a:chOff x="0" y="0"/>
-          <a:chExt cx="0" cy="0"/>
-        </a:xfrm>
-      </p:grpSpPr>
-      <p:sp>
-        <p:nvSpPr>
-          <p:cNvPr id="4" name="Title 3"/>
-          <p:cNvSpPr>
-            <a:spLocks noGrp="1"/>
-          </p:cNvSpPr>
-          <p:nvPr>
-            <p:ph type="title"/>
-          </p:nvPr>
-        </p:nvSpPr>
-        <p:spPr/>
-        <p:txBody>
-          <a:bodyPr/>
-          <a:lstStyle/>
-          <a:p>
-            <a:r>
-              <a:rPr lang="en-ZA" dirty="0" smtClean="0"/>
-              <a:t>Decisions: Location &amp; ease</a:t>
-            </a:r>
-            <a:endParaRPr lang="en-ZA" dirty="0"/>
-          </a:p>
-        </p:txBody>
-      </p:sp>
-      <p:sp>
-        <p:nvSpPr>
-          <p:cNvPr id="5" name="Content Placeholder 4"/>
-          <p:cNvSpPr>
-            <a:spLocks noGrp="1"/>
-          </p:cNvSpPr>
-          <p:nvPr>
-            <p:ph idx="1"/>
-          </p:nvPr>
-        </p:nvSpPr>
-        <p:spPr/>
-        <p:txBody>
-          <a:bodyPr/>
-          <a:lstStyle/>
-          <a:p>
-            <a:endParaRPr lang="en-ZA" smtClean="0"/>
-          </a:p>
-          <a:p>
-            <a:r>
-              <a:rPr lang="en-ZA" dirty="0" smtClean="0"/>
-              <a:t>The core questions that drove our decision were Location &amp; ease</a:t>
-            </a:r>
-          </a:p>
-          <a:p>
-            <a:pPr lvl="1"/>
-            <a:r>
-              <a:rPr lang="en-ZA" dirty="0" smtClean="0"/>
-              <a:t>Why send data to an external service when we can keep it in house?</a:t>
-            </a:r>
-          </a:p>
-          <a:p>
-            <a:pPr lvl="1"/>
-            <a:r>
-              <a:rPr lang="en-ZA" dirty="0" smtClean="0"/>
-              <a:t>Can we easily monitor &amp; change our queues</a:t>
-            </a:r>
-          </a:p>
-          <a:p>
-            <a:r>
-              <a:rPr lang="en-ZA" dirty="0" smtClean="0"/>
-              <a:t>This ruled out hosted services from Azure, Amazon, etc.</a:t>
-            </a:r>
-          </a:p>
-          <a:p>
-            <a:r>
-              <a:rPr lang="en-ZA" dirty="0" smtClean="0"/>
-              <a:t>This also mean we needed a string Management UI</a:t>
-            </a:r>
-            <a:endParaRPr lang="en-ZA" dirty="0"/>
-          </a:p>
-          <a:p>
-            <a:pPr lvl="1"/>
-            <a:endParaRPr lang="en-ZA" dirty="0" smtClean="0"/>
-          </a:p>
-          <a:p>
-            <a:endParaRPr lang="en-ZA" dirty="0"/>
-          </a:p>
-        </p:txBody>
-      </p:sp>
-    </p:spTree>
-    <p:extLst>
-      <p:ext uri="{BB962C8B-B14F-4D97-AF65-F5344CB8AC3E}">
-        <p14:creationId xmlns:p14="http://schemas.microsoft.com/office/powerpoint/2010/main" val="2684526195"/>
-      </p:ext>
-    </p:extLst>
-  </p:cSld>
-  <p:clrMapOvr>
-    <a:masterClrMapping/>
-  </p:clrMapOvr>
-</p:sld>
-</file>
-
-<file path=ppt/slides/slide6.xml><?xml version="1.0" encoding="utf-8"?>
-<p:sld xmlns:a="http://schemas.openxmlformats.org/drawingml/2006/main" xmlns:r="http://schemas.openxmlformats.org/officeDocument/2006/relationships" xmlns:p="http://schemas.openxmlformats.org/presentationml/2006/main">
-  <p:cSld>
     <p:bg>
       <p:bgPr>
         <a:solidFill>
@@ -4164,50 +9141,50 @@
             </a:r>
             <a:r>
               <a:rPr lang="en-ZA" dirty="0">
-                <a:hlinkClick r:id="rId2"/>
+                <a:hlinkClick r:id="rId3"/>
               </a:rPr>
               <a:t>Service </a:t>
-            </a:r>
-            <a:r>
-              <a:rPr lang="en-ZA" dirty="0" smtClean="0">
-                <a:hlinkClick r:id="rId2"/>
-              </a:rPr>
-              <a:t>Bus</a:t>
-            </a:r>
-            <a:endParaRPr lang="en-ZA" dirty="0" smtClean="0"/>
-          </a:p>
-          <a:p>
-            <a:pPr lvl="1"/>
-            <a:r>
-              <a:rPr lang="en-ZA" dirty="0" smtClean="0"/>
-              <a:t>Hosted in Azure cloud</a:t>
-            </a:r>
-            <a:endParaRPr lang="en-ZA" dirty="0"/>
-          </a:p>
-          <a:p>
-            <a:r>
-              <a:rPr lang="en-ZA" dirty="0" smtClean="0"/>
-              <a:t>Amazon Simple </a:t>
-            </a:r>
-            <a:r>
-              <a:rPr lang="en-ZA" dirty="0"/>
-              <a:t>Queue Services - </a:t>
             </a:r>
             <a:r>
               <a:rPr lang="en-ZA" dirty="0" smtClean="0">
                 <a:hlinkClick r:id="rId3"/>
               </a:rPr>
+              <a:t>Bus</a:t>
+            </a:r>
+            <a:endParaRPr lang="en-ZA" dirty="0" smtClean="0"/>
+          </a:p>
+          <a:p>
+            <a:pPr lvl="1"/>
+            <a:r>
+              <a:rPr lang="en-ZA" dirty="0" smtClean="0"/>
+              <a:t>Hosted in Azure cloud</a:t>
+            </a:r>
+            <a:endParaRPr lang="en-ZA" dirty="0"/>
+          </a:p>
+          <a:p>
+            <a:r>
+              <a:rPr lang="en-ZA" dirty="0" smtClean="0"/>
+              <a:t>Amazon Simple </a:t>
+            </a:r>
+            <a:r>
+              <a:rPr lang="en-ZA" dirty="0"/>
+              <a:t>Queue Services - </a:t>
+            </a:r>
+            <a:r>
+              <a:rPr lang="en-ZA" dirty="0" smtClean="0">
+                <a:hlinkClick r:id="rId4"/>
+              </a:rPr>
               <a:t>aws.amazon.com/</a:t>
             </a:r>
             <a:r>
               <a:rPr lang="en-ZA" dirty="0" err="1" smtClean="0">
-                <a:hlinkClick r:id="rId3"/>
+                <a:hlinkClick r:id="rId4"/>
               </a:rPr>
               <a:t>sqs</a:t>
             </a:r>
             <a:r>
               <a:rPr lang="en-ZA" dirty="0">
-                <a:hlinkClick r:id="rId3"/>
+                <a:hlinkClick r:id="rId4"/>
               </a:rPr>
               <a:t>/</a:t>
             </a:r>
@@ -4244,7 +9221,7 @@
                 <a:solidFill>
                   <a:schemeClr val="accent3"/>
                 </a:solidFill>
-                <a:hlinkClick r:id="rId4"/>
+                <a:hlinkClick r:id="rId5"/>
               </a:rPr>
               <a:t>CloudAMQP</a:t>
             </a:r>
@@ -4265,7 +9242,7 @@
             </a:r>
             <a:r>
               <a:rPr lang="en-ZA" dirty="0" smtClean="0">
-                <a:hlinkClick r:id="rId5"/>
+                <a:hlinkClick r:id="rId6"/>
               </a:rPr>
               <a:t>queues.io</a:t>
             </a:r>
@@ -4280,6 +9257,146 @@
     <p:extLst>
       <p:ext uri="{BB962C8B-B14F-4D97-AF65-F5344CB8AC3E}">
         <p14:creationId xmlns:p14="http://schemas.microsoft.com/office/powerpoint/2010/main" val="552614709"/>
+      </p:ext>
+    </p:extLst>
+  </p:cSld>
+  <p:clrMapOvr>
+    <a:masterClrMapping/>
+  </p:clrMapOvr>
+  <p:timing>
+    <p:tnLst>
+      <p:par>
+        <p:cTn id="1" dur="indefinite" restart="never" nodeType="tmRoot"/>
+      </p:par>
+    </p:tnLst>
+  </p:timing>
+</p:sld>
+</file>
+
+<file path=ppt/slides/slide6.xml><?xml version="1.0" encoding="utf-8"?>
+<p:sld xmlns:a="http://schemas.openxmlformats.org/drawingml/2006/main" xmlns:r="http://schemas.openxmlformats.org/officeDocument/2006/relationships" xmlns:p="http://schemas.openxmlformats.org/presentationml/2006/main">
+  <p:cSld>
+    <p:spTree>
+      <p:nvGrpSpPr>
+        <p:cNvPr id="1" name=""/>
+        <p:cNvGrpSpPr/>
+        <p:nvPr/>
+      </p:nvGrpSpPr>
+      <p:grpSpPr>
+        <a:xfrm>
+          <a:off x="0" y="0"/>
+          <a:ext cx="0" cy="0"/>
+          <a:chOff x="0" y="0"/>
+          <a:chExt cx="0" cy="0"/>
+        </a:xfrm>
+      </p:grpSpPr>
+      <p:sp>
+        <p:nvSpPr>
+          <p:cNvPr id="4" name="Title 3"/>
+          <p:cNvSpPr>
+            <a:spLocks noGrp="1"/>
+          </p:cNvSpPr>
+          <p:nvPr>
+            <p:ph type="title"/>
+          </p:nvPr>
+        </p:nvSpPr>
+        <p:spPr/>
+        <p:txBody>
+          <a:bodyPr/>
+          <a:lstStyle/>
+          <a:p>
+            <a:r>
+              <a:rPr lang="en-ZA" dirty="0" smtClean="0"/>
+              <a:t>?? Service Bus ??</a:t>
+            </a:r>
+            <a:endParaRPr lang="en-ZA" dirty="0"/>
+          </a:p>
+        </p:txBody>
+      </p:sp>
+      <p:sp>
+        <p:nvSpPr>
+          <p:cNvPr id="5" name="Content Placeholder 4"/>
+          <p:cNvSpPr>
+            <a:spLocks noGrp="1"/>
+          </p:cNvSpPr>
+          <p:nvPr>
+            <p:ph idx="1"/>
+          </p:nvPr>
+        </p:nvSpPr>
+        <p:spPr/>
+        <p:txBody>
+          <a:bodyPr/>
+          <a:lstStyle/>
+          <a:p>
+            <a:r>
+              <a:rPr lang="en-ZA" dirty="0" smtClean="0"/>
+              <a:t>Things get even more confusing when you start talking about service buses. </a:t>
+            </a:r>
+          </a:p>
+          <a:p>
+            <a:pPr lvl="1"/>
+            <a:r>
+              <a:rPr lang="en-ZA" dirty="0" smtClean="0"/>
+              <a:t>These are generally built on top of a messaging platform, though some come with their own messaging layer built in.</a:t>
+            </a:r>
+          </a:p>
+          <a:p>
+            <a:pPr lvl="1"/>
+            <a:r>
+              <a:rPr lang="en-ZA" dirty="0" err="1" smtClean="0"/>
+              <a:t>MuleSoft</a:t>
+            </a:r>
+            <a:r>
+              <a:rPr lang="en-ZA" dirty="0" smtClean="0"/>
+              <a:t> ESB</a:t>
+            </a:r>
+          </a:p>
+          <a:p>
+            <a:pPr lvl="1"/>
+            <a:r>
+              <a:rPr lang="en-ZA" dirty="0" smtClean="0"/>
+              <a:t>TIBCO</a:t>
+            </a:r>
+          </a:p>
+          <a:p>
+            <a:pPr lvl="1"/>
+            <a:r>
+              <a:rPr lang="en-ZA" dirty="0" err="1" smtClean="0"/>
+              <a:t>NServiceBus</a:t>
+            </a:r>
+            <a:endParaRPr lang="en-ZA" dirty="0" smtClean="0"/>
+          </a:p>
+          <a:p>
+            <a:pPr lvl="1"/>
+            <a:r>
+              <a:rPr lang="en-ZA" dirty="0" smtClean="0"/>
+              <a:t>Azure Service Bus</a:t>
+            </a:r>
+          </a:p>
+          <a:p>
+            <a:pPr lvl="1"/>
+            <a:r>
+              <a:rPr lang="en-ZA" dirty="0" smtClean="0"/>
+              <a:t>Mass Transit</a:t>
+            </a:r>
+          </a:p>
+          <a:p>
+            <a:r>
+              <a:rPr lang="en-ZA" dirty="0" smtClean="0"/>
+              <a:t>For the purposes of this talk we are going to focus on the messaging or queue layer.</a:t>
+            </a:r>
+            <a:endParaRPr lang="en-ZA" dirty="0"/>
+          </a:p>
+          <a:p>
+            <a:pPr lvl="1"/>
+            <a:endParaRPr lang="en-ZA" dirty="0"/>
+          </a:p>
+        </p:txBody>
+      </p:sp>
+    </p:spTree>
+    <p:extLst>
+      <p:ext uri="{BB962C8B-B14F-4D97-AF65-F5344CB8AC3E}">
+        <p14:creationId xmlns:p14="http://schemas.microsoft.com/office/powerpoint/2010/main" val="584870068"/>
       </p:ext>
     </p:extLst>
   </p:cSld>
@@ -4328,1881 +9445,128 @@
           <a:bodyPr/>
           <a:lstStyle/>
           <a:p>
-            <a:endParaRPr lang="en-ZA"/>
-          </a:p>
-        </p:txBody>
-      </p:sp>
-      <p:graphicFrame>
-        <p:nvGraphicFramePr>
-          <p:cNvPr id="6" name="Content Placeholder 5"/>
-          <p:cNvGraphicFramePr>
-            <a:graphicFrameLocks noGrp="1"/>
-          </p:cNvGraphicFramePr>
+            <a:r>
+              <a:rPr lang="en-ZA" dirty="0" smtClean="0"/>
+              <a:t>How do I choose?</a:t>
+            </a:r>
+            <a:endParaRPr lang="en-ZA" dirty="0"/>
+          </a:p>
+        </p:txBody>
+      </p:sp>
+      <p:sp>
+        <p:nvSpPr>
+          <p:cNvPr id="5" name="Content Placeholder 4"/>
+          <p:cNvSpPr>
+            <a:spLocks noGrp="1"/>
+          </p:cNvSpPr>
           <p:nvPr>
             <p:ph idx="1"/>
-            <p:extLst>
-              <p:ext uri="{D42A27DB-BD31-4B8C-83A1-F6EECF244321}">
-                <p14:modId xmlns:p14="http://schemas.microsoft.com/office/powerpoint/2010/main" val="1307790760"/>
-              </p:ext>
-            </p:extLst>
           </p:nvPr>
-        </p:nvGraphicFramePr>
-        <p:xfrm>
-          <a:off x="876300" y="1419225"/>
-          <a:ext cx="10477500" cy="4096050"/>
-        </p:xfrm>
-        <a:graphic>
-          <a:graphicData uri="http://schemas.openxmlformats.org/drawingml/2006/table">
-            <a:tbl>
-              <a:tblPr firstRow="1" bandRow="1">
-                <a:tableStyleId>{5C22544A-7EE6-4342-B048-85BDC9FD1C3A}</a:tableStyleId>
-              </a:tblPr>
-              <a:tblGrid>
-                <a:gridCol w="1746250"/>
-                <a:gridCol w="1746250"/>
-                <a:gridCol w="1746250"/>
-                <a:gridCol w="1746250"/>
-                <a:gridCol w="1746250"/>
-                <a:gridCol w="1746250"/>
-              </a:tblGrid>
-              <a:tr h="273070">
-                <a:tc>
-                  <a:txBody>
-                    <a:bodyPr/>
-                    <a:lstStyle/>
-                    <a:p>
-                      <a:pPr algn="l" fontAlgn="b"/>
-                      <a:r>
-                        <a:rPr lang="en-ZA" sz="1100" b="0" i="0" u="none" strike="noStrike" dirty="0">
-                          <a:solidFill>
-                            <a:srgbClr val="000000"/>
-                          </a:solidFill>
-                          <a:effectLst/>
-                          <a:latin typeface="Calibri" panose="020F0502020204030204" pitchFamily="34" charset="0"/>
-                        </a:rPr>
-                        <a:t>Year</a:t>
-                      </a:r>
-                    </a:p>
-                  </a:txBody>
-                  <a:tcPr marL="6350" marR="6350" marT="6350" marB="0" anchor="b"/>
-                </a:tc>
-                <a:tc>
-                  <a:txBody>
-                    <a:bodyPr/>
-                    <a:lstStyle/>
-                    <a:p>
-                      <a:pPr algn="l" fontAlgn="b"/>
-                      <a:r>
-                        <a:rPr lang="en-ZA" sz="1100" b="0" i="0" u="none" strike="noStrike">
-                          <a:solidFill>
-                            <a:srgbClr val="000000"/>
-                          </a:solidFill>
-                          <a:effectLst/>
-                          <a:latin typeface="Calibri" panose="020F0502020204030204" pitchFamily="34" charset="0"/>
-                        </a:rPr>
-                        <a:t>Month</a:t>
-                      </a:r>
-                    </a:p>
-                  </a:txBody>
-                  <a:tcPr marL="6350" marR="6350" marT="6350" marB="0" anchor="b"/>
-                </a:tc>
-                <a:tc>
-                  <a:txBody>
-                    <a:bodyPr/>
-                    <a:lstStyle/>
-                    <a:p>
-                      <a:pPr algn="l" fontAlgn="b"/>
-                      <a:r>
-                        <a:rPr lang="en-ZA" sz="1100" b="0" i="0" u="none" strike="noStrike">
-                          <a:solidFill>
-                            <a:srgbClr val="000000"/>
-                          </a:solidFill>
-                          <a:effectLst/>
-                          <a:latin typeface="Calibri" panose="020F0502020204030204" pitchFamily="34" charset="0"/>
-                        </a:rPr>
-                        <a:t>LeadsPerMonth</a:t>
-                      </a:r>
-                    </a:p>
-                  </a:txBody>
-                  <a:tcPr marL="6350" marR="6350" marT="6350" marB="0" anchor="b"/>
-                </a:tc>
-                <a:tc>
-                  <a:txBody>
-                    <a:bodyPr/>
-                    <a:lstStyle/>
-                    <a:p>
-                      <a:pPr algn="l" fontAlgn="b"/>
-                      <a:r>
-                        <a:rPr lang="en-ZA" sz="1100" b="0" i="0" u="none" strike="noStrike">
-                          <a:solidFill>
-                            <a:srgbClr val="000000"/>
-                          </a:solidFill>
-                          <a:effectLst/>
-                          <a:latin typeface="Calibri" panose="020F0502020204030204" pitchFamily="34" charset="0"/>
-                        </a:rPr>
-                        <a:t>LeadsPerDay</a:t>
-                      </a:r>
-                    </a:p>
-                  </a:txBody>
-                  <a:tcPr marL="6350" marR="6350" marT="6350" marB="0" anchor="b"/>
-                </a:tc>
-                <a:tc>
-                  <a:txBody>
-                    <a:bodyPr/>
-                    <a:lstStyle/>
-                    <a:p>
-                      <a:pPr algn="l" fontAlgn="b"/>
-                      <a:r>
-                        <a:rPr lang="en-ZA" sz="1100" b="0" i="0" u="none" strike="noStrike">
-                          <a:solidFill>
-                            <a:srgbClr val="000000"/>
-                          </a:solidFill>
-                          <a:effectLst/>
-                          <a:latin typeface="Calibri" panose="020F0502020204030204" pitchFamily="34" charset="0"/>
-                        </a:rPr>
-                        <a:t>LeadsPerAwakeHour</a:t>
-                      </a:r>
-                    </a:p>
-                  </a:txBody>
-                  <a:tcPr marL="6350" marR="6350" marT="6350" marB="0" anchor="b"/>
-                </a:tc>
-                <a:tc>
-                  <a:txBody>
-                    <a:bodyPr/>
-                    <a:lstStyle/>
-                    <a:p>
-                      <a:pPr algn="l" fontAlgn="b"/>
-                      <a:r>
-                        <a:rPr lang="en-ZA" sz="1100" b="0" i="0" u="none" strike="noStrike">
-                          <a:solidFill>
-                            <a:srgbClr val="000000"/>
-                          </a:solidFill>
-                          <a:effectLst/>
-                          <a:latin typeface="Calibri" panose="020F0502020204030204" pitchFamily="34" charset="0"/>
-                        </a:rPr>
-                        <a:t>LeadsPerAwakeMinute</a:t>
-                      </a:r>
-                    </a:p>
-                  </a:txBody>
-                  <a:tcPr marL="6350" marR="6350" marT="6350" marB="0" anchor="b"/>
-                </a:tc>
-              </a:tr>
-              <a:tr h="273070">
-                <a:tc>
-                  <a:txBody>
-                    <a:bodyPr/>
-                    <a:lstStyle/>
-                    <a:p>
-                      <a:pPr algn="r" fontAlgn="b"/>
-                      <a:r>
-                        <a:rPr lang="en-ZA" sz="1100" b="0" i="0" u="none" strike="noStrike">
-                          <a:solidFill>
-                            <a:srgbClr val="000000"/>
-                          </a:solidFill>
-                          <a:effectLst/>
-                          <a:latin typeface="Calibri" panose="020F0502020204030204" pitchFamily="34" charset="0"/>
-                        </a:rPr>
-                        <a:t>2015</a:t>
-                      </a:r>
-                    </a:p>
-                  </a:txBody>
-                  <a:tcPr marL="6350" marR="6350" marT="6350" marB="0" anchor="b"/>
-                </a:tc>
-                <a:tc>
-                  <a:txBody>
-                    <a:bodyPr/>
-                    <a:lstStyle/>
-                    <a:p>
-                      <a:pPr algn="r" fontAlgn="b"/>
-                      <a:r>
-                        <a:rPr lang="en-ZA" sz="1100" b="0" i="0" u="none" strike="noStrike">
-                          <a:solidFill>
-                            <a:srgbClr val="000000"/>
-                          </a:solidFill>
-                          <a:effectLst/>
-                          <a:latin typeface="Calibri" panose="020F0502020204030204" pitchFamily="34" charset="0"/>
-                        </a:rPr>
-                        <a:t>1</a:t>
-                      </a:r>
-                    </a:p>
-                  </a:txBody>
-                  <a:tcPr marL="6350" marR="6350" marT="6350" marB="0" anchor="b"/>
-                </a:tc>
-                <a:tc>
-                  <a:txBody>
-                    <a:bodyPr/>
-                    <a:lstStyle/>
-                    <a:p>
-                      <a:pPr algn="r" fontAlgn="b"/>
-                      <a:r>
-                        <a:rPr lang="en-ZA" sz="1100" b="0" i="0" u="none" strike="noStrike">
-                          <a:solidFill>
-                            <a:srgbClr val="000000"/>
-                          </a:solidFill>
-                          <a:effectLst/>
-                          <a:latin typeface="Calibri" panose="020F0502020204030204" pitchFamily="34" charset="0"/>
-                        </a:rPr>
-                        <a:t>53979</a:t>
-                      </a:r>
-                    </a:p>
-                  </a:txBody>
-                  <a:tcPr marL="6350" marR="6350" marT="6350" marB="0" anchor="b"/>
-                </a:tc>
-                <a:tc>
-                  <a:txBody>
-                    <a:bodyPr/>
-                    <a:lstStyle/>
-                    <a:p>
-                      <a:pPr algn="r" fontAlgn="b"/>
-                      <a:r>
-                        <a:rPr lang="en-ZA" sz="1100" b="0" i="0" u="none" strike="noStrike">
-                          <a:solidFill>
-                            <a:srgbClr val="000000"/>
-                          </a:solidFill>
-                          <a:effectLst/>
-                          <a:latin typeface="Calibri" panose="020F0502020204030204" pitchFamily="34" charset="0"/>
-                        </a:rPr>
-                        <a:t>1741</a:t>
-                      </a:r>
-                    </a:p>
-                  </a:txBody>
-                  <a:tcPr marL="6350" marR="6350" marT="6350" marB="0" anchor="b"/>
-                </a:tc>
-                <a:tc>
-                  <a:txBody>
-                    <a:bodyPr/>
-                    <a:lstStyle/>
-                    <a:p>
-                      <a:pPr algn="r" fontAlgn="b"/>
-                      <a:r>
-                        <a:rPr lang="en-ZA" sz="1100" b="0" i="0" u="none" strike="noStrike">
-                          <a:solidFill>
-                            <a:srgbClr val="000000"/>
-                          </a:solidFill>
-                          <a:effectLst/>
-                          <a:latin typeface="Calibri" panose="020F0502020204030204" pitchFamily="34" charset="0"/>
-                        </a:rPr>
-                        <a:t>102</a:t>
-                      </a:r>
-                    </a:p>
-                  </a:txBody>
-                  <a:tcPr marL="6350" marR="6350" marT="6350" marB="0" anchor="b"/>
-                </a:tc>
-                <a:tc>
-                  <a:txBody>
-                    <a:bodyPr/>
-                    <a:lstStyle/>
-                    <a:p>
-                      <a:pPr algn="r" fontAlgn="b"/>
-                      <a:r>
-                        <a:rPr lang="en-ZA" sz="1100" b="0" i="0" u="none" strike="noStrike">
-                          <a:solidFill>
-                            <a:srgbClr val="000000"/>
-                          </a:solidFill>
-                          <a:effectLst/>
-                          <a:latin typeface="Calibri" panose="020F0502020204030204" pitchFamily="34" charset="0"/>
-                        </a:rPr>
-                        <a:t>1.7</a:t>
-                      </a:r>
-                    </a:p>
-                  </a:txBody>
-                  <a:tcPr marL="6350" marR="6350" marT="6350" marB="0" anchor="b"/>
-                </a:tc>
-              </a:tr>
-              <a:tr h="273070">
-                <a:tc>
-                  <a:txBody>
-                    <a:bodyPr/>
-                    <a:lstStyle/>
-                    <a:p>
-                      <a:pPr algn="r" fontAlgn="b"/>
-                      <a:r>
-                        <a:rPr lang="en-ZA" sz="1100" b="0" i="0" u="none" strike="noStrike">
-                          <a:solidFill>
-                            <a:srgbClr val="000000"/>
-                          </a:solidFill>
-                          <a:effectLst/>
-                          <a:latin typeface="Calibri" panose="020F0502020204030204" pitchFamily="34" charset="0"/>
-                        </a:rPr>
-                        <a:t>2015</a:t>
-                      </a:r>
-                    </a:p>
-                  </a:txBody>
-                  <a:tcPr marL="6350" marR="6350" marT="6350" marB="0" anchor="b"/>
-                </a:tc>
-                <a:tc>
-                  <a:txBody>
-                    <a:bodyPr/>
-                    <a:lstStyle/>
-                    <a:p>
-                      <a:pPr algn="r" fontAlgn="b"/>
-                      <a:r>
-                        <a:rPr lang="en-ZA" sz="1100" b="0" i="0" u="none" strike="noStrike">
-                          <a:solidFill>
-                            <a:srgbClr val="000000"/>
-                          </a:solidFill>
-                          <a:effectLst/>
-                          <a:latin typeface="Calibri" panose="020F0502020204030204" pitchFamily="34" charset="0"/>
-                        </a:rPr>
-                        <a:t>2</a:t>
-                      </a:r>
-                    </a:p>
-                  </a:txBody>
-                  <a:tcPr marL="6350" marR="6350" marT="6350" marB="0" anchor="b"/>
-                </a:tc>
-                <a:tc>
-                  <a:txBody>
-                    <a:bodyPr/>
-                    <a:lstStyle/>
-                    <a:p>
-                      <a:pPr algn="r" fontAlgn="b"/>
-                      <a:r>
-                        <a:rPr lang="en-ZA" sz="1100" b="0" i="0" u="none" strike="noStrike">
-                          <a:solidFill>
-                            <a:srgbClr val="000000"/>
-                          </a:solidFill>
-                          <a:effectLst/>
-                          <a:latin typeface="Calibri" panose="020F0502020204030204" pitchFamily="34" charset="0"/>
-                        </a:rPr>
-                        <a:t>62616</a:t>
-                      </a:r>
-                    </a:p>
-                  </a:txBody>
-                  <a:tcPr marL="6350" marR="6350" marT="6350" marB="0" anchor="b"/>
-                </a:tc>
-                <a:tc>
-                  <a:txBody>
-                    <a:bodyPr/>
-                    <a:lstStyle/>
-                    <a:p>
-                      <a:pPr algn="r" fontAlgn="b"/>
-                      <a:r>
-                        <a:rPr lang="en-ZA" sz="1100" b="0" i="0" u="none" strike="noStrike">
-                          <a:solidFill>
-                            <a:srgbClr val="000000"/>
-                          </a:solidFill>
-                          <a:effectLst/>
-                          <a:latin typeface="Calibri" panose="020F0502020204030204" pitchFamily="34" charset="0"/>
-                        </a:rPr>
-                        <a:t>2236</a:t>
-                      </a:r>
-                    </a:p>
-                  </a:txBody>
-                  <a:tcPr marL="6350" marR="6350" marT="6350" marB="0" anchor="b"/>
-                </a:tc>
-                <a:tc>
-                  <a:txBody>
-                    <a:bodyPr/>
-                    <a:lstStyle/>
-                    <a:p>
-                      <a:pPr algn="r" fontAlgn="b"/>
-                      <a:r>
-                        <a:rPr lang="en-ZA" sz="1100" b="0" i="0" u="none" strike="noStrike">
-                          <a:solidFill>
-                            <a:srgbClr val="000000"/>
-                          </a:solidFill>
-                          <a:effectLst/>
-                          <a:latin typeface="Calibri" panose="020F0502020204030204" pitchFamily="34" charset="0"/>
-                        </a:rPr>
-                        <a:t>131</a:t>
-                      </a:r>
-                    </a:p>
-                  </a:txBody>
-                  <a:tcPr marL="6350" marR="6350" marT="6350" marB="0" anchor="b"/>
-                </a:tc>
-                <a:tc>
-                  <a:txBody>
-                    <a:bodyPr/>
-                    <a:lstStyle/>
-                    <a:p>
-                      <a:pPr algn="r" fontAlgn="b"/>
-                      <a:r>
-                        <a:rPr lang="en-ZA" sz="1100" b="0" i="0" u="none" strike="noStrike">
-                          <a:solidFill>
-                            <a:srgbClr val="000000"/>
-                          </a:solidFill>
-                          <a:effectLst/>
-                          <a:latin typeface="Calibri" panose="020F0502020204030204" pitchFamily="34" charset="0"/>
-                        </a:rPr>
-                        <a:t>2.183333</a:t>
-                      </a:r>
-                    </a:p>
-                  </a:txBody>
-                  <a:tcPr marL="6350" marR="6350" marT="6350" marB="0" anchor="b"/>
-                </a:tc>
-              </a:tr>
-              <a:tr h="273070">
-                <a:tc>
-                  <a:txBody>
-                    <a:bodyPr/>
-                    <a:lstStyle/>
-                    <a:p>
-                      <a:pPr algn="r" fontAlgn="b"/>
-                      <a:r>
-                        <a:rPr lang="en-ZA" sz="1100" b="0" i="0" u="none" strike="noStrike">
-                          <a:solidFill>
-                            <a:srgbClr val="000000"/>
-                          </a:solidFill>
-                          <a:effectLst/>
-                          <a:latin typeface="Calibri" panose="020F0502020204030204" pitchFamily="34" charset="0"/>
-                        </a:rPr>
-                        <a:t>2015</a:t>
-                      </a:r>
-                    </a:p>
-                  </a:txBody>
-                  <a:tcPr marL="6350" marR="6350" marT="6350" marB="0" anchor="b"/>
-                </a:tc>
-                <a:tc>
-                  <a:txBody>
-                    <a:bodyPr/>
-                    <a:lstStyle/>
-                    <a:p>
-                      <a:pPr algn="r" fontAlgn="b"/>
-                      <a:r>
-                        <a:rPr lang="en-ZA" sz="1100" b="0" i="0" u="none" strike="noStrike">
-                          <a:solidFill>
-                            <a:srgbClr val="000000"/>
-                          </a:solidFill>
-                          <a:effectLst/>
-                          <a:latin typeface="Calibri" panose="020F0502020204030204" pitchFamily="34" charset="0"/>
-                        </a:rPr>
-                        <a:t>3</a:t>
-                      </a:r>
-                    </a:p>
-                  </a:txBody>
-                  <a:tcPr marL="6350" marR="6350" marT="6350" marB="0" anchor="b"/>
-                </a:tc>
-                <a:tc>
-                  <a:txBody>
-                    <a:bodyPr/>
-                    <a:lstStyle/>
-                    <a:p>
-                      <a:pPr algn="r" fontAlgn="b"/>
-                      <a:r>
-                        <a:rPr lang="en-ZA" sz="1100" b="0" i="0" u="none" strike="noStrike">
-                          <a:solidFill>
-                            <a:srgbClr val="000000"/>
-                          </a:solidFill>
-                          <a:effectLst/>
-                          <a:latin typeface="Calibri" panose="020F0502020204030204" pitchFamily="34" charset="0"/>
-                        </a:rPr>
-                        <a:t>80051</a:t>
-                      </a:r>
-                    </a:p>
-                  </a:txBody>
-                  <a:tcPr marL="6350" marR="6350" marT="6350" marB="0" anchor="b"/>
-                </a:tc>
-                <a:tc>
-                  <a:txBody>
-                    <a:bodyPr/>
-                    <a:lstStyle/>
-                    <a:p>
-                      <a:pPr algn="r" fontAlgn="b"/>
-                      <a:r>
-                        <a:rPr lang="en-ZA" sz="1100" b="0" i="0" u="none" strike="noStrike">
-                          <a:solidFill>
-                            <a:srgbClr val="000000"/>
-                          </a:solidFill>
-                          <a:effectLst/>
-                          <a:latin typeface="Calibri" panose="020F0502020204030204" pitchFamily="34" charset="0"/>
-                        </a:rPr>
-                        <a:t>2582</a:t>
-                      </a:r>
-                    </a:p>
-                  </a:txBody>
-                  <a:tcPr marL="6350" marR="6350" marT="6350" marB="0" anchor="b"/>
-                </a:tc>
-                <a:tc>
-                  <a:txBody>
-                    <a:bodyPr/>
-                    <a:lstStyle/>
-                    <a:p>
-                      <a:pPr algn="r" fontAlgn="b"/>
-                      <a:r>
-                        <a:rPr lang="en-ZA" sz="1100" b="0" i="0" u="none" strike="noStrike">
-                          <a:solidFill>
-                            <a:srgbClr val="000000"/>
-                          </a:solidFill>
-                          <a:effectLst/>
-                          <a:latin typeface="Calibri" panose="020F0502020204030204" pitchFamily="34" charset="0"/>
-                        </a:rPr>
-                        <a:t>151</a:t>
-                      </a:r>
-                    </a:p>
-                  </a:txBody>
-                  <a:tcPr marL="6350" marR="6350" marT="6350" marB="0" anchor="b"/>
-                </a:tc>
-                <a:tc>
-                  <a:txBody>
-                    <a:bodyPr/>
-                    <a:lstStyle/>
-                    <a:p>
-                      <a:pPr algn="r" fontAlgn="b"/>
-                      <a:r>
-                        <a:rPr lang="en-ZA" sz="1100" b="0" i="0" u="none" strike="noStrike">
-                          <a:solidFill>
-                            <a:srgbClr val="000000"/>
-                          </a:solidFill>
-                          <a:effectLst/>
-                          <a:latin typeface="Calibri" panose="020F0502020204030204" pitchFamily="34" charset="0"/>
-                        </a:rPr>
-                        <a:t>2.516666</a:t>
-                      </a:r>
-                    </a:p>
-                  </a:txBody>
-                  <a:tcPr marL="6350" marR="6350" marT="6350" marB="0" anchor="b"/>
-                </a:tc>
-              </a:tr>
-              <a:tr h="273070">
-                <a:tc>
-                  <a:txBody>
-                    <a:bodyPr/>
-                    <a:lstStyle/>
-                    <a:p>
-                      <a:pPr algn="r" fontAlgn="b"/>
-                      <a:r>
-                        <a:rPr lang="en-ZA" sz="1100" b="0" i="0" u="none" strike="noStrike">
-                          <a:solidFill>
-                            <a:srgbClr val="000000"/>
-                          </a:solidFill>
-                          <a:effectLst/>
-                          <a:latin typeface="Calibri" panose="020F0502020204030204" pitchFamily="34" charset="0"/>
-                        </a:rPr>
-                        <a:t>2015</a:t>
-                      </a:r>
-                    </a:p>
-                  </a:txBody>
-                  <a:tcPr marL="6350" marR="6350" marT="6350" marB="0" anchor="b"/>
-                </a:tc>
-                <a:tc>
-                  <a:txBody>
-                    <a:bodyPr/>
-                    <a:lstStyle/>
-                    <a:p>
-                      <a:pPr algn="r" fontAlgn="b"/>
-                      <a:r>
-                        <a:rPr lang="en-ZA" sz="1100" b="0" i="0" u="none" strike="noStrike">
-                          <a:solidFill>
-                            <a:srgbClr val="000000"/>
-                          </a:solidFill>
-                          <a:effectLst/>
-                          <a:latin typeface="Calibri" panose="020F0502020204030204" pitchFamily="34" charset="0"/>
-                        </a:rPr>
-                        <a:t>4</a:t>
-                      </a:r>
-                    </a:p>
-                  </a:txBody>
-                  <a:tcPr marL="6350" marR="6350" marT="6350" marB="0" anchor="b"/>
-                </a:tc>
-                <a:tc>
-                  <a:txBody>
-                    <a:bodyPr/>
-                    <a:lstStyle/>
-                    <a:p>
-                      <a:pPr algn="r" fontAlgn="b"/>
-                      <a:r>
-                        <a:rPr lang="en-ZA" sz="1100" b="0" i="0" u="none" strike="noStrike">
-                          <a:solidFill>
-                            <a:srgbClr val="000000"/>
-                          </a:solidFill>
-                          <a:effectLst/>
-                          <a:latin typeface="Calibri" panose="020F0502020204030204" pitchFamily="34" charset="0"/>
-                        </a:rPr>
-                        <a:t>76196</a:t>
-                      </a:r>
-                    </a:p>
-                  </a:txBody>
-                  <a:tcPr marL="6350" marR="6350" marT="6350" marB="0" anchor="b"/>
-                </a:tc>
-                <a:tc>
-                  <a:txBody>
-                    <a:bodyPr/>
-                    <a:lstStyle/>
-                    <a:p>
-                      <a:pPr algn="r" fontAlgn="b"/>
-                      <a:r>
-                        <a:rPr lang="en-ZA" sz="1100" b="0" i="0" u="none" strike="noStrike">
-                          <a:solidFill>
-                            <a:srgbClr val="000000"/>
-                          </a:solidFill>
-                          <a:effectLst/>
-                          <a:latin typeface="Calibri" panose="020F0502020204030204" pitchFamily="34" charset="0"/>
-                        </a:rPr>
-                        <a:t>2539</a:t>
-                      </a:r>
-                    </a:p>
-                  </a:txBody>
-                  <a:tcPr marL="6350" marR="6350" marT="6350" marB="0" anchor="b"/>
-                </a:tc>
-                <a:tc>
-                  <a:txBody>
-                    <a:bodyPr/>
-                    <a:lstStyle/>
-                    <a:p>
-                      <a:pPr algn="r" fontAlgn="b"/>
-                      <a:r>
-                        <a:rPr lang="en-ZA" sz="1100" b="0" i="0" u="none" strike="noStrike">
-                          <a:solidFill>
-                            <a:srgbClr val="000000"/>
-                          </a:solidFill>
-                          <a:effectLst/>
-                          <a:latin typeface="Calibri" panose="020F0502020204030204" pitchFamily="34" charset="0"/>
-                        </a:rPr>
-                        <a:t>149</a:t>
-                      </a:r>
-                    </a:p>
-                  </a:txBody>
-                  <a:tcPr marL="6350" marR="6350" marT="6350" marB="0" anchor="b"/>
-                </a:tc>
-                <a:tc>
-                  <a:txBody>
-                    <a:bodyPr/>
-                    <a:lstStyle/>
-                    <a:p>
-                      <a:pPr algn="r" fontAlgn="b"/>
-                      <a:r>
-                        <a:rPr lang="en-ZA" sz="1100" b="0" i="0" u="none" strike="noStrike">
-                          <a:solidFill>
-                            <a:srgbClr val="000000"/>
-                          </a:solidFill>
-                          <a:effectLst/>
-                          <a:latin typeface="Calibri" panose="020F0502020204030204" pitchFamily="34" charset="0"/>
-                        </a:rPr>
-                        <a:t>2.483333</a:t>
-                      </a:r>
-                    </a:p>
-                  </a:txBody>
-                  <a:tcPr marL="6350" marR="6350" marT="6350" marB="0" anchor="b"/>
-                </a:tc>
-              </a:tr>
-              <a:tr h="273070">
-                <a:tc>
-                  <a:txBody>
-                    <a:bodyPr/>
-                    <a:lstStyle/>
-                    <a:p>
-                      <a:pPr algn="r" fontAlgn="b"/>
-                      <a:r>
-                        <a:rPr lang="en-ZA" sz="1100" b="0" i="0" u="none" strike="noStrike">
-                          <a:solidFill>
-                            <a:srgbClr val="000000"/>
-                          </a:solidFill>
-                          <a:effectLst/>
-                          <a:latin typeface="Calibri" panose="020F0502020204030204" pitchFamily="34" charset="0"/>
-                        </a:rPr>
-                        <a:t>2015</a:t>
-                      </a:r>
-                    </a:p>
-                  </a:txBody>
-                  <a:tcPr marL="6350" marR="6350" marT="6350" marB="0" anchor="b"/>
-                </a:tc>
-                <a:tc>
-                  <a:txBody>
-                    <a:bodyPr/>
-                    <a:lstStyle/>
-                    <a:p>
-                      <a:pPr algn="r" fontAlgn="b"/>
-                      <a:r>
-                        <a:rPr lang="en-ZA" sz="1100" b="0" i="0" u="none" strike="noStrike">
-                          <a:solidFill>
-                            <a:srgbClr val="000000"/>
-                          </a:solidFill>
-                          <a:effectLst/>
-                          <a:latin typeface="Calibri" panose="020F0502020204030204" pitchFamily="34" charset="0"/>
-                        </a:rPr>
-                        <a:t>5</a:t>
-                      </a:r>
-                    </a:p>
-                  </a:txBody>
-                  <a:tcPr marL="6350" marR="6350" marT="6350" marB="0" anchor="b"/>
-                </a:tc>
-                <a:tc>
-                  <a:txBody>
-                    <a:bodyPr/>
-                    <a:lstStyle/>
-                    <a:p>
-                      <a:pPr algn="r" fontAlgn="b"/>
-                      <a:r>
-                        <a:rPr lang="en-ZA" sz="1100" b="0" i="0" u="none" strike="noStrike">
-                          <a:solidFill>
-                            <a:srgbClr val="000000"/>
-                          </a:solidFill>
-                          <a:effectLst/>
-                          <a:latin typeface="Calibri" panose="020F0502020204030204" pitchFamily="34" charset="0"/>
-                        </a:rPr>
-                        <a:t>79572</a:t>
-                      </a:r>
-                    </a:p>
-                  </a:txBody>
-                  <a:tcPr marL="6350" marR="6350" marT="6350" marB="0" anchor="b"/>
-                </a:tc>
-                <a:tc>
-                  <a:txBody>
-                    <a:bodyPr/>
-                    <a:lstStyle/>
-                    <a:p>
-                      <a:pPr algn="r" fontAlgn="b"/>
-                      <a:r>
-                        <a:rPr lang="en-ZA" sz="1100" b="0" i="0" u="none" strike="noStrike">
-                          <a:solidFill>
-                            <a:srgbClr val="000000"/>
-                          </a:solidFill>
-                          <a:effectLst/>
-                          <a:latin typeface="Calibri" panose="020F0502020204030204" pitchFamily="34" charset="0"/>
-                        </a:rPr>
-                        <a:t>2566</a:t>
-                      </a:r>
-                    </a:p>
-                  </a:txBody>
-                  <a:tcPr marL="6350" marR="6350" marT="6350" marB="0" anchor="b"/>
-                </a:tc>
-                <a:tc>
-                  <a:txBody>
-                    <a:bodyPr/>
-                    <a:lstStyle/>
-                    <a:p>
-                      <a:pPr algn="r" fontAlgn="b"/>
-                      <a:r>
-                        <a:rPr lang="en-ZA" sz="1100" b="0" i="0" u="none" strike="noStrike">
-                          <a:solidFill>
-                            <a:srgbClr val="000000"/>
-                          </a:solidFill>
-                          <a:effectLst/>
-                          <a:latin typeface="Calibri" panose="020F0502020204030204" pitchFamily="34" charset="0"/>
-                        </a:rPr>
-                        <a:t>150</a:t>
-                      </a:r>
-                    </a:p>
-                  </a:txBody>
-                  <a:tcPr marL="6350" marR="6350" marT="6350" marB="0" anchor="b"/>
-                </a:tc>
-                <a:tc>
-                  <a:txBody>
-                    <a:bodyPr/>
-                    <a:lstStyle/>
-                    <a:p>
-                      <a:pPr algn="r" fontAlgn="b"/>
-                      <a:r>
-                        <a:rPr lang="en-ZA" sz="1100" b="0" i="0" u="none" strike="noStrike">
-                          <a:solidFill>
-                            <a:srgbClr val="000000"/>
-                          </a:solidFill>
-                          <a:effectLst/>
-                          <a:latin typeface="Calibri" panose="020F0502020204030204" pitchFamily="34" charset="0"/>
-                        </a:rPr>
-                        <a:t>2.5</a:t>
-                      </a:r>
-                    </a:p>
-                  </a:txBody>
-                  <a:tcPr marL="6350" marR="6350" marT="6350" marB="0" anchor="b"/>
-                </a:tc>
-              </a:tr>
-              <a:tr h="273070">
-                <a:tc>
-                  <a:txBody>
-                    <a:bodyPr/>
-                    <a:lstStyle/>
-                    <a:p>
-                      <a:pPr algn="r" fontAlgn="b"/>
-                      <a:r>
-                        <a:rPr lang="en-ZA" sz="1100" b="0" i="0" u="none" strike="noStrike">
-                          <a:solidFill>
-                            <a:srgbClr val="000000"/>
-                          </a:solidFill>
-                          <a:effectLst/>
-                          <a:latin typeface="Calibri" panose="020F0502020204030204" pitchFamily="34" charset="0"/>
-                        </a:rPr>
-                        <a:t>2015</a:t>
-                      </a:r>
-                    </a:p>
-                  </a:txBody>
-                  <a:tcPr marL="6350" marR="6350" marT="6350" marB="0" anchor="b"/>
-                </a:tc>
-                <a:tc>
-                  <a:txBody>
-                    <a:bodyPr/>
-                    <a:lstStyle/>
-                    <a:p>
-                      <a:pPr algn="r" fontAlgn="b"/>
-                      <a:r>
-                        <a:rPr lang="en-ZA" sz="1100" b="0" i="0" u="none" strike="noStrike">
-                          <a:solidFill>
-                            <a:srgbClr val="000000"/>
-                          </a:solidFill>
-                          <a:effectLst/>
-                          <a:latin typeface="Calibri" panose="020F0502020204030204" pitchFamily="34" charset="0"/>
-                        </a:rPr>
-                        <a:t>6</a:t>
-                      </a:r>
-                    </a:p>
-                  </a:txBody>
-                  <a:tcPr marL="6350" marR="6350" marT="6350" marB="0" anchor="b"/>
-                </a:tc>
-                <a:tc>
-                  <a:txBody>
-                    <a:bodyPr/>
-                    <a:lstStyle/>
-                    <a:p>
-                      <a:pPr algn="r" fontAlgn="b"/>
-                      <a:r>
-                        <a:rPr lang="en-ZA" sz="1100" b="0" i="0" u="none" strike="noStrike">
-                          <a:solidFill>
-                            <a:srgbClr val="000000"/>
-                          </a:solidFill>
-                          <a:effectLst/>
-                          <a:latin typeface="Calibri" panose="020F0502020204030204" pitchFamily="34" charset="0"/>
-                        </a:rPr>
-                        <a:t>83168</a:t>
-                      </a:r>
-                    </a:p>
-                  </a:txBody>
-                  <a:tcPr marL="6350" marR="6350" marT="6350" marB="0" anchor="b"/>
-                </a:tc>
-                <a:tc>
-                  <a:txBody>
-                    <a:bodyPr/>
-                    <a:lstStyle/>
-                    <a:p>
-                      <a:pPr algn="r" fontAlgn="b"/>
-                      <a:r>
-                        <a:rPr lang="en-ZA" sz="1100" b="0" i="0" u="none" strike="noStrike">
-                          <a:solidFill>
-                            <a:srgbClr val="000000"/>
-                          </a:solidFill>
-                          <a:effectLst/>
-                          <a:latin typeface="Calibri" panose="020F0502020204030204" pitchFamily="34" charset="0"/>
-                        </a:rPr>
-                        <a:t>2772</a:t>
-                      </a:r>
-                    </a:p>
-                  </a:txBody>
-                  <a:tcPr marL="6350" marR="6350" marT="6350" marB="0" anchor="b"/>
-                </a:tc>
-                <a:tc>
-                  <a:txBody>
-                    <a:bodyPr/>
-                    <a:lstStyle/>
-                    <a:p>
-                      <a:pPr algn="r" fontAlgn="b"/>
-                      <a:r>
-                        <a:rPr lang="en-ZA" sz="1100" b="0" i="0" u="none" strike="noStrike">
-                          <a:solidFill>
-                            <a:srgbClr val="000000"/>
-                          </a:solidFill>
-                          <a:effectLst/>
-                          <a:latin typeface="Calibri" panose="020F0502020204030204" pitchFamily="34" charset="0"/>
-                        </a:rPr>
-                        <a:t>163</a:t>
-                      </a:r>
-                    </a:p>
-                  </a:txBody>
-                  <a:tcPr marL="6350" marR="6350" marT="6350" marB="0" anchor="b"/>
-                </a:tc>
-                <a:tc>
-                  <a:txBody>
-                    <a:bodyPr/>
-                    <a:lstStyle/>
-                    <a:p>
-                      <a:pPr algn="r" fontAlgn="b"/>
-                      <a:r>
-                        <a:rPr lang="en-ZA" sz="1100" b="0" i="0" u="none" strike="noStrike">
-                          <a:solidFill>
-                            <a:srgbClr val="000000"/>
-                          </a:solidFill>
-                          <a:effectLst/>
-                          <a:latin typeface="Calibri" panose="020F0502020204030204" pitchFamily="34" charset="0"/>
-                        </a:rPr>
-                        <a:t>2.716666</a:t>
-                      </a:r>
-                    </a:p>
-                  </a:txBody>
-                  <a:tcPr marL="6350" marR="6350" marT="6350" marB="0" anchor="b"/>
-                </a:tc>
-              </a:tr>
-              <a:tr h="273070">
-                <a:tc>
-                  <a:txBody>
-                    <a:bodyPr/>
-                    <a:lstStyle/>
-                    <a:p>
-                      <a:pPr algn="r" fontAlgn="b"/>
-                      <a:r>
-                        <a:rPr lang="en-ZA" sz="1100" b="0" i="0" u="none" strike="noStrike">
-                          <a:solidFill>
-                            <a:srgbClr val="000000"/>
-                          </a:solidFill>
-                          <a:effectLst/>
-                          <a:latin typeface="Calibri" panose="020F0502020204030204" pitchFamily="34" charset="0"/>
-                        </a:rPr>
-                        <a:t>2015</a:t>
-                      </a:r>
-                    </a:p>
-                  </a:txBody>
-                  <a:tcPr marL="6350" marR="6350" marT="6350" marB="0" anchor="b"/>
-                </a:tc>
-                <a:tc>
-                  <a:txBody>
-                    <a:bodyPr/>
-                    <a:lstStyle/>
-                    <a:p>
-                      <a:pPr algn="r" fontAlgn="b"/>
-                      <a:r>
-                        <a:rPr lang="en-ZA" sz="1100" b="0" i="0" u="none" strike="noStrike">
-                          <a:solidFill>
-                            <a:srgbClr val="000000"/>
-                          </a:solidFill>
-                          <a:effectLst/>
-                          <a:latin typeface="Calibri" panose="020F0502020204030204" pitchFamily="34" charset="0"/>
-                        </a:rPr>
-                        <a:t>7</a:t>
-                      </a:r>
-                    </a:p>
-                  </a:txBody>
-                  <a:tcPr marL="6350" marR="6350" marT="6350" marB="0" anchor="b"/>
-                </a:tc>
-                <a:tc>
-                  <a:txBody>
-                    <a:bodyPr/>
-                    <a:lstStyle/>
-                    <a:p>
-                      <a:pPr algn="r" fontAlgn="b"/>
-                      <a:r>
-                        <a:rPr lang="en-ZA" sz="1100" b="0" i="0" u="none" strike="noStrike">
-                          <a:solidFill>
-                            <a:srgbClr val="000000"/>
-                          </a:solidFill>
-                          <a:effectLst/>
-                          <a:latin typeface="Calibri" panose="020F0502020204030204" pitchFamily="34" charset="0"/>
-                        </a:rPr>
-                        <a:t>92049</a:t>
-                      </a:r>
-                    </a:p>
-                  </a:txBody>
-                  <a:tcPr marL="6350" marR="6350" marT="6350" marB="0" anchor="b"/>
-                </a:tc>
-                <a:tc>
-                  <a:txBody>
-                    <a:bodyPr/>
-                    <a:lstStyle/>
-                    <a:p>
-                      <a:pPr algn="r" fontAlgn="b"/>
-                      <a:r>
-                        <a:rPr lang="en-ZA" sz="1100" b="0" i="0" u="none" strike="noStrike">
-                          <a:solidFill>
-                            <a:srgbClr val="000000"/>
-                          </a:solidFill>
-                          <a:effectLst/>
-                          <a:latin typeface="Calibri" panose="020F0502020204030204" pitchFamily="34" charset="0"/>
-                        </a:rPr>
-                        <a:t>2969</a:t>
-                      </a:r>
-                    </a:p>
-                  </a:txBody>
-                  <a:tcPr marL="6350" marR="6350" marT="6350" marB="0" anchor="b"/>
-                </a:tc>
-                <a:tc>
-                  <a:txBody>
-                    <a:bodyPr/>
-                    <a:lstStyle/>
-                    <a:p>
-                      <a:pPr algn="r" fontAlgn="b"/>
-                      <a:r>
-                        <a:rPr lang="en-ZA" sz="1100" b="0" i="0" u="none" strike="noStrike">
-                          <a:solidFill>
-                            <a:srgbClr val="000000"/>
-                          </a:solidFill>
-                          <a:effectLst/>
-                          <a:latin typeface="Calibri" panose="020F0502020204030204" pitchFamily="34" charset="0"/>
-                        </a:rPr>
-                        <a:t>174</a:t>
-                      </a:r>
-                    </a:p>
-                  </a:txBody>
-                  <a:tcPr marL="6350" marR="6350" marT="6350" marB="0" anchor="b"/>
-                </a:tc>
-                <a:tc>
-                  <a:txBody>
-                    <a:bodyPr/>
-                    <a:lstStyle/>
-                    <a:p>
-                      <a:pPr algn="r" fontAlgn="b"/>
-                      <a:r>
-                        <a:rPr lang="en-ZA" sz="1100" b="0" i="0" u="none" strike="noStrike">
-                          <a:solidFill>
-                            <a:srgbClr val="000000"/>
-                          </a:solidFill>
-                          <a:effectLst/>
-                          <a:latin typeface="Calibri" panose="020F0502020204030204" pitchFamily="34" charset="0"/>
-                        </a:rPr>
-                        <a:t>2.9</a:t>
-                      </a:r>
-                    </a:p>
-                  </a:txBody>
-                  <a:tcPr marL="6350" marR="6350" marT="6350" marB="0" anchor="b"/>
-                </a:tc>
-              </a:tr>
-              <a:tr h="273070">
-                <a:tc>
-                  <a:txBody>
-                    <a:bodyPr/>
-                    <a:lstStyle/>
-                    <a:p>
-                      <a:pPr algn="r" fontAlgn="b"/>
-                      <a:r>
-                        <a:rPr lang="en-ZA" sz="1100" b="0" i="0" u="none" strike="noStrike">
-                          <a:solidFill>
-                            <a:srgbClr val="000000"/>
-                          </a:solidFill>
-                          <a:effectLst/>
-                          <a:latin typeface="Calibri" panose="020F0502020204030204" pitchFamily="34" charset="0"/>
-                        </a:rPr>
-                        <a:t>2015</a:t>
-                      </a:r>
-                    </a:p>
-                  </a:txBody>
-                  <a:tcPr marL="6350" marR="6350" marT="6350" marB="0" anchor="b"/>
-                </a:tc>
-                <a:tc>
-                  <a:txBody>
-                    <a:bodyPr/>
-                    <a:lstStyle/>
-                    <a:p>
-                      <a:pPr algn="r" fontAlgn="b"/>
-                      <a:r>
-                        <a:rPr lang="en-ZA" sz="1100" b="0" i="0" u="none" strike="noStrike">
-                          <a:solidFill>
-                            <a:srgbClr val="000000"/>
-                          </a:solidFill>
-                          <a:effectLst/>
-                          <a:latin typeface="Calibri" panose="020F0502020204030204" pitchFamily="34" charset="0"/>
-                        </a:rPr>
-                        <a:t>8</a:t>
-                      </a:r>
-                    </a:p>
-                  </a:txBody>
-                  <a:tcPr marL="6350" marR="6350" marT="6350" marB="0" anchor="b"/>
-                </a:tc>
-                <a:tc>
-                  <a:txBody>
-                    <a:bodyPr/>
-                    <a:lstStyle/>
-                    <a:p>
-                      <a:pPr algn="r" fontAlgn="b"/>
-                      <a:r>
-                        <a:rPr lang="en-ZA" sz="1100" b="0" i="0" u="none" strike="noStrike" dirty="0">
-                          <a:solidFill>
-                            <a:srgbClr val="000000"/>
-                          </a:solidFill>
-                          <a:effectLst/>
-                          <a:latin typeface="Calibri" panose="020F0502020204030204" pitchFamily="34" charset="0"/>
-                        </a:rPr>
-                        <a:t>91808</a:t>
-                      </a:r>
-                    </a:p>
-                  </a:txBody>
-                  <a:tcPr marL="6350" marR="6350" marT="6350" marB="0" anchor="b"/>
-                </a:tc>
-                <a:tc>
-                  <a:txBody>
-                    <a:bodyPr/>
-                    <a:lstStyle/>
-                    <a:p>
-                      <a:pPr algn="r" fontAlgn="b"/>
-                      <a:r>
-                        <a:rPr lang="en-ZA" sz="1100" b="0" i="0" u="none" strike="noStrike">
-                          <a:solidFill>
-                            <a:srgbClr val="000000"/>
-                          </a:solidFill>
-                          <a:effectLst/>
-                          <a:latin typeface="Calibri" panose="020F0502020204030204" pitchFamily="34" charset="0"/>
-                        </a:rPr>
-                        <a:t>2961</a:t>
-                      </a:r>
-                    </a:p>
-                  </a:txBody>
-                  <a:tcPr marL="6350" marR="6350" marT="6350" marB="0" anchor="b"/>
-                </a:tc>
-                <a:tc>
-                  <a:txBody>
-                    <a:bodyPr/>
-                    <a:lstStyle/>
-                    <a:p>
-                      <a:pPr algn="r" fontAlgn="b"/>
-                      <a:r>
-                        <a:rPr lang="en-ZA" sz="1100" b="0" i="0" u="none" strike="noStrike">
-                          <a:solidFill>
-                            <a:srgbClr val="000000"/>
-                          </a:solidFill>
-                          <a:effectLst/>
-                          <a:latin typeface="Calibri" panose="020F0502020204030204" pitchFamily="34" charset="0"/>
-                        </a:rPr>
-                        <a:t>174</a:t>
-                      </a:r>
-                    </a:p>
-                  </a:txBody>
-                  <a:tcPr marL="6350" marR="6350" marT="6350" marB="0" anchor="b"/>
-                </a:tc>
-                <a:tc>
-                  <a:txBody>
-                    <a:bodyPr/>
-                    <a:lstStyle/>
-                    <a:p>
-                      <a:pPr algn="r" fontAlgn="b"/>
-                      <a:r>
-                        <a:rPr lang="en-ZA" sz="1100" b="0" i="0" u="none" strike="noStrike">
-                          <a:solidFill>
-                            <a:srgbClr val="000000"/>
-                          </a:solidFill>
-                          <a:effectLst/>
-                          <a:latin typeface="Calibri" panose="020F0502020204030204" pitchFamily="34" charset="0"/>
-                        </a:rPr>
-                        <a:t>2.9</a:t>
-                      </a:r>
-                    </a:p>
-                  </a:txBody>
-                  <a:tcPr marL="6350" marR="6350" marT="6350" marB="0" anchor="b"/>
-                </a:tc>
-              </a:tr>
-              <a:tr h="273070">
-                <a:tc>
-                  <a:txBody>
-                    <a:bodyPr/>
-                    <a:lstStyle/>
-                    <a:p>
-                      <a:pPr algn="r" fontAlgn="b"/>
-                      <a:r>
-                        <a:rPr lang="en-ZA" sz="1100" b="0" i="0" u="none" strike="noStrike">
-                          <a:solidFill>
-                            <a:srgbClr val="000000"/>
-                          </a:solidFill>
-                          <a:effectLst/>
-                          <a:latin typeface="Calibri" panose="020F0502020204030204" pitchFamily="34" charset="0"/>
-                        </a:rPr>
-                        <a:t>2015</a:t>
-                      </a:r>
-                    </a:p>
-                  </a:txBody>
-                  <a:tcPr marL="6350" marR="6350" marT="6350" marB="0" anchor="b"/>
-                </a:tc>
-                <a:tc>
-                  <a:txBody>
-                    <a:bodyPr/>
-                    <a:lstStyle/>
-                    <a:p>
-                      <a:pPr algn="r" fontAlgn="b"/>
-                      <a:r>
-                        <a:rPr lang="en-ZA" sz="1100" b="0" i="0" u="none" strike="noStrike">
-                          <a:solidFill>
-                            <a:srgbClr val="000000"/>
-                          </a:solidFill>
-                          <a:effectLst/>
-                          <a:latin typeface="Calibri" panose="020F0502020204030204" pitchFamily="34" charset="0"/>
-                        </a:rPr>
-                        <a:t>9</a:t>
-                      </a:r>
-                    </a:p>
-                  </a:txBody>
-                  <a:tcPr marL="6350" marR="6350" marT="6350" marB="0" anchor="b"/>
-                </a:tc>
-                <a:tc>
-                  <a:txBody>
-                    <a:bodyPr/>
-                    <a:lstStyle/>
-                    <a:p>
-                      <a:pPr algn="r" fontAlgn="b"/>
-                      <a:r>
-                        <a:rPr lang="en-ZA" sz="1100" b="0" i="0" u="none" strike="noStrike">
-                          <a:solidFill>
-                            <a:srgbClr val="000000"/>
-                          </a:solidFill>
-                          <a:effectLst/>
-                          <a:latin typeface="Calibri" panose="020F0502020204030204" pitchFamily="34" charset="0"/>
-                        </a:rPr>
-                        <a:t>88697</a:t>
-                      </a:r>
-                    </a:p>
-                  </a:txBody>
-                  <a:tcPr marL="6350" marR="6350" marT="6350" marB="0" anchor="b"/>
-                </a:tc>
-                <a:tc>
-                  <a:txBody>
-                    <a:bodyPr/>
-                    <a:lstStyle/>
-                    <a:p>
-                      <a:pPr algn="r" fontAlgn="b"/>
-                      <a:r>
-                        <a:rPr lang="en-ZA" sz="1100" b="0" i="0" u="none" strike="noStrike">
-                          <a:solidFill>
-                            <a:srgbClr val="000000"/>
-                          </a:solidFill>
-                          <a:effectLst/>
-                          <a:latin typeface="Calibri" panose="020F0502020204030204" pitchFamily="34" charset="0"/>
-                        </a:rPr>
-                        <a:t>2956</a:t>
-                      </a:r>
-                    </a:p>
-                  </a:txBody>
-                  <a:tcPr marL="6350" marR="6350" marT="6350" marB="0" anchor="b"/>
-                </a:tc>
-                <a:tc>
-                  <a:txBody>
-                    <a:bodyPr/>
-                    <a:lstStyle/>
-                    <a:p>
-                      <a:pPr algn="r" fontAlgn="b"/>
-                      <a:r>
-                        <a:rPr lang="en-ZA" sz="1100" b="0" i="0" u="none" strike="noStrike">
-                          <a:solidFill>
-                            <a:srgbClr val="000000"/>
-                          </a:solidFill>
-                          <a:effectLst/>
-                          <a:latin typeface="Calibri" panose="020F0502020204030204" pitchFamily="34" charset="0"/>
-                        </a:rPr>
-                        <a:t>173</a:t>
-                      </a:r>
-                    </a:p>
-                  </a:txBody>
-                  <a:tcPr marL="6350" marR="6350" marT="6350" marB="0" anchor="b"/>
-                </a:tc>
-                <a:tc>
-                  <a:txBody>
-                    <a:bodyPr/>
-                    <a:lstStyle/>
-                    <a:p>
-                      <a:pPr algn="r" fontAlgn="b"/>
-                      <a:r>
-                        <a:rPr lang="en-ZA" sz="1100" b="0" i="0" u="none" strike="noStrike">
-                          <a:solidFill>
-                            <a:srgbClr val="000000"/>
-                          </a:solidFill>
-                          <a:effectLst/>
-                          <a:latin typeface="Calibri" panose="020F0502020204030204" pitchFamily="34" charset="0"/>
-                        </a:rPr>
-                        <a:t>2.883333</a:t>
-                      </a:r>
-                    </a:p>
-                  </a:txBody>
-                  <a:tcPr marL="6350" marR="6350" marT="6350" marB="0" anchor="b"/>
-                </a:tc>
-              </a:tr>
-              <a:tr h="273070">
-                <a:tc>
-                  <a:txBody>
-                    <a:bodyPr/>
-                    <a:lstStyle/>
-                    <a:p>
-                      <a:pPr algn="r" fontAlgn="b"/>
-                      <a:r>
-                        <a:rPr lang="en-ZA" sz="1100" b="0" i="0" u="none" strike="noStrike">
-                          <a:solidFill>
-                            <a:srgbClr val="000000"/>
-                          </a:solidFill>
-                          <a:effectLst/>
-                          <a:latin typeface="Calibri" panose="020F0502020204030204" pitchFamily="34" charset="0"/>
-                        </a:rPr>
-                        <a:t>2015</a:t>
-                      </a:r>
-                    </a:p>
-                  </a:txBody>
-                  <a:tcPr marL="6350" marR="6350" marT="6350" marB="0" anchor="b"/>
-                </a:tc>
-                <a:tc>
-                  <a:txBody>
-                    <a:bodyPr/>
-                    <a:lstStyle/>
-                    <a:p>
-                      <a:pPr algn="r" fontAlgn="b"/>
-                      <a:r>
-                        <a:rPr lang="en-ZA" sz="1100" b="0" i="0" u="none" strike="noStrike">
-                          <a:solidFill>
-                            <a:srgbClr val="000000"/>
-                          </a:solidFill>
-                          <a:effectLst/>
-                          <a:latin typeface="Calibri" panose="020F0502020204030204" pitchFamily="34" charset="0"/>
-                        </a:rPr>
-                        <a:t>10</a:t>
-                      </a:r>
-                    </a:p>
-                  </a:txBody>
-                  <a:tcPr marL="6350" marR="6350" marT="6350" marB="0" anchor="b"/>
-                </a:tc>
-                <a:tc>
-                  <a:txBody>
-                    <a:bodyPr/>
-                    <a:lstStyle/>
-                    <a:p>
-                      <a:pPr algn="r" fontAlgn="b"/>
-                      <a:r>
-                        <a:rPr lang="en-ZA" sz="1100" b="0" i="0" u="none" strike="noStrike">
-                          <a:solidFill>
-                            <a:srgbClr val="000000"/>
-                          </a:solidFill>
-                          <a:effectLst/>
-                          <a:latin typeface="Calibri" panose="020F0502020204030204" pitchFamily="34" charset="0"/>
-                        </a:rPr>
-                        <a:t>88872</a:t>
-                      </a:r>
-                    </a:p>
-                  </a:txBody>
-                  <a:tcPr marL="6350" marR="6350" marT="6350" marB="0" anchor="b"/>
-                </a:tc>
-                <a:tc>
-                  <a:txBody>
-                    <a:bodyPr/>
-                    <a:lstStyle/>
-                    <a:p>
-                      <a:pPr algn="r" fontAlgn="b"/>
-                      <a:r>
-                        <a:rPr lang="en-ZA" sz="1100" b="0" i="0" u="none" strike="noStrike">
-                          <a:solidFill>
-                            <a:srgbClr val="000000"/>
-                          </a:solidFill>
-                          <a:effectLst/>
-                          <a:latin typeface="Calibri" panose="020F0502020204030204" pitchFamily="34" charset="0"/>
-                        </a:rPr>
-                        <a:t>2866</a:t>
-                      </a:r>
-                    </a:p>
-                  </a:txBody>
-                  <a:tcPr marL="6350" marR="6350" marT="6350" marB="0" anchor="b"/>
-                </a:tc>
-                <a:tc>
-                  <a:txBody>
-                    <a:bodyPr/>
-                    <a:lstStyle/>
-                    <a:p>
-                      <a:pPr algn="r" fontAlgn="b"/>
-                      <a:r>
-                        <a:rPr lang="en-ZA" sz="1100" b="0" i="0" u="none" strike="noStrike">
-                          <a:solidFill>
-                            <a:srgbClr val="000000"/>
-                          </a:solidFill>
-                          <a:effectLst/>
-                          <a:latin typeface="Calibri" panose="020F0502020204030204" pitchFamily="34" charset="0"/>
-                        </a:rPr>
-                        <a:t>168</a:t>
-                      </a:r>
-                    </a:p>
-                  </a:txBody>
-                  <a:tcPr marL="6350" marR="6350" marT="6350" marB="0" anchor="b"/>
-                </a:tc>
-                <a:tc>
-                  <a:txBody>
-                    <a:bodyPr/>
-                    <a:lstStyle/>
-                    <a:p>
-                      <a:pPr algn="r" fontAlgn="b"/>
-                      <a:r>
-                        <a:rPr lang="en-ZA" sz="1100" b="0" i="0" u="none" strike="noStrike">
-                          <a:solidFill>
-                            <a:srgbClr val="000000"/>
-                          </a:solidFill>
-                          <a:effectLst/>
-                          <a:latin typeface="Calibri" panose="020F0502020204030204" pitchFamily="34" charset="0"/>
-                        </a:rPr>
-                        <a:t>2.8</a:t>
-                      </a:r>
-                    </a:p>
-                  </a:txBody>
-                  <a:tcPr marL="6350" marR="6350" marT="6350" marB="0" anchor="b"/>
-                </a:tc>
-              </a:tr>
-              <a:tr h="273070">
-                <a:tc>
-                  <a:txBody>
-                    <a:bodyPr/>
-                    <a:lstStyle/>
-                    <a:p>
-                      <a:pPr algn="r" fontAlgn="b"/>
-                      <a:r>
-                        <a:rPr lang="en-ZA" sz="1100" b="0" i="0" u="none" strike="noStrike">
-                          <a:solidFill>
-                            <a:srgbClr val="000000"/>
-                          </a:solidFill>
-                          <a:effectLst/>
-                          <a:latin typeface="Calibri" panose="020F0502020204030204" pitchFamily="34" charset="0"/>
-                        </a:rPr>
-                        <a:t>2015</a:t>
-                      </a:r>
-                    </a:p>
-                  </a:txBody>
-                  <a:tcPr marL="6350" marR="6350" marT="6350" marB="0" anchor="b"/>
-                </a:tc>
-                <a:tc>
-                  <a:txBody>
-                    <a:bodyPr/>
-                    <a:lstStyle/>
-                    <a:p>
-                      <a:pPr algn="r" fontAlgn="b"/>
-                      <a:r>
-                        <a:rPr lang="en-ZA" sz="1100" b="0" i="0" u="none" strike="noStrike">
-                          <a:solidFill>
-                            <a:srgbClr val="000000"/>
-                          </a:solidFill>
-                          <a:effectLst/>
-                          <a:latin typeface="Calibri" panose="020F0502020204030204" pitchFamily="34" charset="0"/>
-                        </a:rPr>
-                        <a:t>11</a:t>
-                      </a:r>
-                    </a:p>
-                  </a:txBody>
-                  <a:tcPr marL="6350" marR="6350" marT="6350" marB="0" anchor="b"/>
-                </a:tc>
-                <a:tc>
-                  <a:txBody>
-                    <a:bodyPr/>
-                    <a:lstStyle/>
-                    <a:p>
-                      <a:pPr algn="r" fontAlgn="b"/>
-                      <a:r>
-                        <a:rPr lang="en-ZA" sz="1100" b="0" i="0" u="none" strike="noStrike">
-                          <a:solidFill>
-                            <a:srgbClr val="000000"/>
-                          </a:solidFill>
-                          <a:effectLst/>
-                          <a:latin typeface="Calibri" panose="020F0502020204030204" pitchFamily="34" charset="0"/>
-                        </a:rPr>
-                        <a:t>73401</a:t>
-                      </a:r>
-                    </a:p>
-                  </a:txBody>
-                  <a:tcPr marL="6350" marR="6350" marT="6350" marB="0" anchor="b"/>
-                </a:tc>
-                <a:tc>
-                  <a:txBody>
-                    <a:bodyPr/>
-                    <a:lstStyle/>
-                    <a:p>
-                      <a:pPr algn="r" fontAlgn="b"/>
-                      <a:r>
-                        <a:rPr lang="en-ZA" sz="1100" b="0" i="0" u="none" strike="noStrike">
-                          <a:solidFill>
-                            <a:srgbClr val="000000"/>
-                          </a:solidFill>
-                          <a:effectLst/>
-                          <a:latin typeface="Calibri" panose="020F0502020204030204" pitchFamily="34" charset="0"/>
-                        </a:rPr>
-                        <a:t>2446</a:t>
-                      </a:r>
-                    </a:p>
-                  </a:txBody>
-                  <a:tcPr marL="6350" marR="6350" marT="6350" marB="0" anchor="b"/>
-                </a:tc>
-                <a:tc>
-                  <a:txBody>
-                    <a:bodyPr/>
-                    <a:lstStyle/>
-                    <a:p>
-                      <a:pPr algn="r" fontAlgn="b"/>
-                      <a:r>
-                        <a:rPr lang="en-ZA" sz="1100" b="0" i="0" u="none" strike="noStrike">
-                          <a:solidFill>
-                            <a:srgbClr val="000000"/>
-                          </a:solidFill>
-                          <a:effectLst/>
-                          <a:latin typeface="Calibri" panose="020F0502020204030204" pitchFamily="34" charset="0"/>
-                        </a:rPr>
-                        <a:t>143</a:t>
-                      </a:r>
-                    </a:p>
-                  </a:txBody>
-                  <a:tcPr marL="6350" marR="6350" marT="6350" marB="0" anchor="b"/>
-                </a:tc>
-                <a:tc>
-                  <a:txBody>
-                    <a:bodyPr/>
-                    <a:lstStyle/>
-                    <a:p>
-                      <a:pPr algn="r" fontAlgn="b"/>
-                      <a:r>
-                        <a:rPr lang="en-ZA" sz="1100" b="0" i="0" u="none" strike="noStrike">
-                          <a:solidFill>
-                            <a:srgbClr val="000000"/>
-                          </a:solidFill>
-                          <a:effectLst/>
-                          <a:latin typeface="Calibri" panose="020F0502020204030204" pitchFamily="34" charset="0"/>
-                        </a:rPr>
-                        <a:t>2.383333</a:t>
-                      </a:r>
-                    </a:p>
-                  </a:txBody>
-                  <a:tcPr marL="6350" marR="6350" marT="6350" marB="0" anchor="b"/>
-                </a:tc>
-              </a:tr>
-              <a:tr h="273070">
-                <a:tc>
-                  <a:txBody>
-                    <a:bodyPr/>
-                    <a:lstStyle/>
-                    <a:p>
-                      <a:pPr algn="r" fontAlgn="b"/>
-                      <a:r>
-                        <a:rPr lang="en-ZA" sz="1100" b="0" i="0" u="none" strike="noStrike">
-                          <a:solidFill>
-                            <a:srgbClr val="000000"/>
-                          </a:solidFill>
-                          <a:effectLst/>
-                          <a:latin typeface="Calibri" panose="020F0502020204030204" pitchFamily="34" charset="0"/>
-                        </a:rPr>
-                        <a:t>2015</a:t>
-                      </a:r>
-                    </a:p>
-                  </a:txBody>
-                  <a:tcPr marL="6350" marR="6350" marT="6350" marB="0" anchor="b"/>
-                </a:tc>
-                <a:tc>
-                  <a:txBody>
-                    <a:bodyPr/>
-                    <a:lstStyle/>
-                    <a:p>
-                      <a:pPr algn="r" fontAlgn="b"/>
-                      <a:r>
-                        <a:rPr lang="en-ZA" sz="1100" b="0" i="0" u="none" strike="noStrike">
-                          <a:solidFill>
-                            <a:srgbClr val="000000"/>
-                          </a:solidFill>
-                          <a:effectLst/>
-                          <a:latin typeface="Calibri" panose="020F0502020204030204" pitchFamily="34" charset="0"/>
-                        </a:rPr>
-                        <a:t>12</a:t>
-                      </a:r>
-                    </a:p>
-                  </a:txBody>
-                  <a:tcPr marL="6350" marR="6350" marT="6350" marB="0" anchor="b"/>
-                </a:tc>
-                <a:tc>
-                  <a:txBody>
-                    <a:bodyPr/>
-                    <a:lstStyle/>
-                    <a:p>
-                      <a:pPr algn="r" fontAlgn="b"/>
-                      <a:r>
-                        <a:rPr lang="en-ZA" sz="1100" b="0" i="0" u="none" strike="noStrike">
-                          <a:solidFill>
-                            <a:srgbClr val="000000"/>
-                          </a:solidFill>
-                          <a:effectLst/>
-                          <a:latin typeface="Calibri" panose="020F0502020204030204" pitchFamily="34" charset="0"/>
-                        </a:rPr>
-                        <a:t>58343</a:t>
-                      </a:r>
-                    </a:p>
-                  </a:txBody>
-                  <a:tcPr marL="6350" marR="6350" marT="6350" marB="0" anchor="b"/>
-                </a:tc>
-                <a:tc>
-                  <a:txBody>
-                    <a:bodyPr/>
-                    <a:lstStyle/>
-                    <a:p>
-                      <a:pPr algn="r" fontAlgn="b"/>
-                      <a:r>
-                        <a:rPr lang="en-ZA" sz="1100" b="0" i="0" u="none" strike="noStrike">
-                          <a:solidFill>
-                            <a:srgbClr val="000000"/>
-                          </a:solidFill>
-                          <a:effectLst/>
-                          <a:latin typeface="Calibri" panose="020F0502020204030204" pitchFamily="34" charset="0"/>
-                        </a:rPr>
-                        <a:t>1882</a:t>
-                      </a:r>
-                    </a:p>
-                  </a:txBody>
-                  <a:tcPr marL="6350" marR="6350" marT="6350" marB="0" anchor="b"/>
-                </a:tc>
-                <a:tc>
-                  <a:txBody>
-                    <a:bodyPr/>
-                    <a:lstStyle/>
-                    <a:p>
-                      <a:pPr algn="r" fontAlgn="b"/>
-                      <a:r>
-                        <a:rPr lang="en-ZA" sz="1100" b="0" i="0" u="none" strike="noStrike">
-                          <a:solidFill>
-                            <a:srgbClr val="000000"/>
-                          </a:solidFill>
-                          <a:effectLst/>
-                          <a:latin typeface="Calibri" panose="020F0502020204030204" pitchFamily="34" charset="0"/>
-                        </a:rPr>
-                        <a:t>110</a:t>
-                      </a:r>
-                    </a:p>
-                  </a:txBody>
-                  <a:tcPr marL="6350" marR="6350" marT="6350" marB="0" anchor="b"/>
-                </a:tc>
-                <a:tc>
-                  <a:txBody>
-                    <a:bodyPr/>
-                    <a:lstStyle/>
-                    <a:p>
-                      <a:pPr algn="r" fontAlgn="b"/>
-                      <a:r>
-                        <a:rPr lang="en-ZA" sz="1100" b="0" i="0" u="none" strike="noStrike">
-                          <a:solidFill>
-                            <a:srgbClr val="000000"/>
-                          </a:solidFill>
-                          <a:effectLst/>
-                          <a:latin typeface="Calibri" panose="020F0502020204030204" pitchFamily="34" charset="0"/>
-                        </a:rPr>
-                        <a:t>1.833333</a:t>
-                      </a:r>
-                    </a:p>
-                  </a:txBody>
-                  <a:tcPr marL="6350" marR="6350" marT="6350" marB="0" anchor="b"/>
-                </a:tc>
-              </a:tr>
-              <a:tr h="273070">
-                <a:tc>
-                  <a:txBody>
-                    <a:bodyPr/>
-                    <a:lstStyle/>
-                    <a:p>
-                      <a:pPr algn="r" fontAlgn="b"/>
-                      <a:r>
-                        <a:rPr lang="en-ZA" sz="1100" b="0" i="0" u="none" strike="noStrike">
-                          <a:solidFill>
-                            <a:srgbClr val="000000"/>
-                          </a:solidFill>
-                          <a:effectLst/>
-                          <a:latin typeface="Calibri" panose="020F0502020204030204" pitchFamily="34" charset="0"/>
-                        </a:rPr>
-                        <a:t>2016</a:t>
-                      </a:r>
-                    </a:p>
-                  </a:txBody>
-                  <a:tcPr marL="6350" marR="6350" marT="6350" marB="0" anchor="b"/>
-                </a:tc>
-                <a:tc>
-                  <a:txBody>
-                    <a:bodyPr/>
-                    <a:lstStyle/>
-                    <a:p>
-                      <a:pPr algn="r" fontAlgn="b"/>
-                      <a:r>
-                        <a:rPr lang="en-ZA" sz="1100" b="0" i="0" u="none" strike="noStrike">
-                          <a:solidFill>
-                            <a:srgbClr val="000000"/>
-                          </a:solidFill>
-                          <a:effectLst/>
-                          <a:latin typeface="Calibri" panose="020F0502020204030204" pitchFamily="34" charset="0"/>
-                        </a:rPr>
-                        <a:t>1</a:t>
-                      </a:r>
-                    </a:p>
-                  </a:txBody>
-                  <a:tcPr marL="6350" marR="6350" marT="6350" marB="0" anchor="b"/>
-                </a:tc>
-                <a:tc>
-                  <a:txBody>
-                    <a:bodyPr/>
-                    <a:lstStyle/>
-                    <a:p>
-                      <a:pPr algn="r" fontAlgn="b"/>
-                      <a:r>
-                        <a:rPr lang="en-ZA" sz="1100" b="0" i="0" u="none" strike="noStrike">
-                          <a:solidFill>
-                            <a:srgbClr val="000000"/>
-                          </a:solidFill>
-                          <a:effectLst/>
-                          <a:latin typeface="Calibri" panose="020F0502020204030204" pitchFamily="34" charset="0"/>
-                        </a:rPr>
-                        <a:t>72291</a:t>
-                      </a:r>
-                    </a:p>
-                  </a:txBody>
-                  <a:tcPr marL="6350" marR="6350" marT="6350" marB="0" anchor="b"/>
-                </a:tc>
-                <a:tc>
-                  <a:txBody>
-                    <a:bodyPr/>
-                    <a:lstStyle/>
-                    <a:p>
-                      <a:pPr algn="r" fontAlgn="b"/>
-                      <a:r>
-                        <a:rPr lang="en-ZA" sz="1100" b="0" i="0" u="none" strike="noStrike">
-                          <a:solidFill>
-                            <a:srgbClr val="000000"/>
-                          </a:solidFill>
-                          <a:effectLst/>
-                          <a:latin typeface="Calibri" panose="020F0502020204030204" pitchFamily="34" charset="0"/>
-                        </a:rPr>
-                        <a:t>2331</a:t>
-                      </a:r>
-                    </a:p>
-                  </a:txBody>
-                  <a:tcPr marL="6350" marR="6350" marT="6350" marB="0" anchor="b"/>
-                </a:tc>
-                <a:tc>
-                  <a:txBody>
-                    <a:bodyPr/>
-                    <a:lstStyle/>
-                    <a:p>
-                      <a:pPr algn="r" fontAlgn="b"/>
-                      <a:r>
-                        <a:rPr lang="en-ZA" sz="1100" b="0" i="0" u="none" strike="noStrike">
-                          <a:solidFill>
-                            <a:srgbClr val="000000"/>
-                          </a:solidFill>
-                          <a:effectLst/>
-                          <a:latin typeface="Calibri" panose="020F0502020204030204" pitchFamily="34" charset="0"/>
-                        </a:rPr>
-                        <a:t>137</a:t>
-                      </a:r>
-                    </a:p>
-                  </a:txBody>
-                  <a:tcPr marL="6350" marR="6350" marT="6350" marB="0" anchor="b"/>
-                </a:tc>
-                <a:tc>
-                  <a:txBody>
-                    <a:bodyPr/>
-                    <a:lstStyle/>
-                    <a:p>
-                      <a:pPr algn="r" fontAlgn="b"/>
-                      <a:r>
-                        <a:rPr lang="en-ZA" sz="1100" b="0" i="0" u="none" strike="noStrike">
-                          <a:solidFill>
-                            <a:srgbClr val="000000"/>
-                          </a:solidFill>
-                          <a:effectLst/>
-                          <a:latin typeface="Calibri" panose="020F0502020204030204" pitchFamily="34" charset="0"/>
-                        </a:rPr>
-                        <a:t>2.283333</a:t>
-                      </a:r>
-                    </a:p>
-                  </a:txBody>
-                  <a:tcPr marL="6350" marR="6350" marT="6350" marB="0" anchor="b"/>
-                </a:tc>
-              </a:tr>
-              <a:tr h="273070">
-                <a:tc>
-                  <a:txBody>
-                    <a:bodyPr/>
-                    <a:lstStyle/>
-                    <a:p>
-                      <a:pPr algn="r" fontAlgn="b"/>
-                      <a:r>
-                        <a:rPr lang="en-ZA" sz="1100" b="0" i="0" u="none" strike="noStrike">
-                          <a:solidFill>
-                            <a:srgbClr val="000000"/>
-                          </a:solidFill>
-                          <a:effectLst/>
-                          <a:latin typeface="Calibri" panose="020F0502020204030204" pitchFamily="34" charset="0"/>
-                        </a:rPr>
-                        <a:t>2016</a:t>
-                      </a:r>
-                    </a:p>
-                  </a:txBody>
-                  <a:tcPr marL="6350" marR="6350" marT="6350" marB="0" anchor="b"/>
-                </a:tc>
-                <a:tc>
-                  <a:txBody>
-                    <a:bodyPr/>
-                    <a:lstStyle/>
-                    <a:p>
-                      <a:pPr algn="r" fontAlgn="b"/>
-                      <a:r>
-                        <a:rPr lang="en-ZA" sz="1100" b="0" i="0" u="none" strike="noStrike">
-                          <a:solidFill>
-                            <a:srgbClr val="000000"/>
-                          </a:solidFill>
-                          <a:effectLst/>
-                          <a:latin typeface="Calibri" panose="020F0502020204030204" pitchFamily="34" charset="0"/>
-                        </a:rPr>
-                        <a:t>2</a:t>
-                      </a:r>
-                    </a:p>
-                  </a:txBody>
-                  <a:tcPr marL="6350" marR="6350" marT="6350" marB="0" anchor="b"/>
-                </a:tc>
-                <a:tc>
-                  <a:txBody>
-                    <a:bodyPr/>
-                    <a:lstStyle/>
-                    <a:p>
-                      <a:pPr algn="r" fontAlgn="b"/>
-                      <a:r>
-                        <a:rPr lang="en-ZA" sz="1100" b="0" i="0" u="none" strike="noStrike">
-                          <a:solidFill>
-                            <a:srgbClr val="000000"/>
-                          </a:solidFill>
-                          <a:effectLst/>
-                          <a:latin typeface="Calibri" panose="020F0502020204030204" pitchFamily="34" charset="0"/>
-                        </a:rPr>
-                        <a:t>50195</a:t>
-                      </a:r>
-                    </a:p>
-                  </a:txBody>
-                  <a:tcPr marL="6350" marR="6350" marT="6350" marB="0" anchor="b"/>
-                </a:tc>
-                <a:tc>
-                  <a:txBody>
-                    <a:bodyPr/>
-                    <a:lstStyle/>
-                    <a:p>
-                      <a:pPr algn="r" fontAlgn="b"/>
-                      <a:r>
-                        <a:rPr lang="en-ZA" sz="1100" b="0" i="0" u="none" strike="noStrike">
-                          <a:solidFill>
-                            <a:srgbClr val="000000"/>
-                          </a:solidFill>
-                          <a:effectLst/>
-                          <a:latin typeface="Calibri" panose="020F0502020204030204" pitchFamily="34" charset="0"/>
-                        </a:rPr>
-                        <a:t>1730</a:t>
-                      </a:r>
-                    </a:p>
-                  </a:txBody>
-                  <a:tcPr marL="6350" marR="6350" marT="6350" marB="0" anchor="b"/>
-                </a:tc>
-                <a:tc>
-                  <a:txBody>
-                    <a:bodyPr/>
-                    <a:lstStyle/>
-                    <a:p>
-                      <a:pPr algn="r" fontAlgn="b"/>
-                      <a:r>
-                        <a:rPr lang="en-ZA" sz="1100" b="0" i="0" u="none" strike="noStrike">
-                          <a:solidFill>
-                            <a:srgbClr val="000000"/>
-                          </a:solidFill>
-                          <a:effectLst/>
-                          <a:latin typeface="Calibri" panose="020F0502020204030204" pitchFamily="34" charset="0"/>
-                        </a:rPr>
-                        <a:t>101</a:t>
-                      </a:r>
-                    </a:p>
-                  </a:txBody>
-                  <a:tcPr marL="6350" marR="6350" marT="6350" marB="0" anchor="b"/>
-                </a:tc>
-                <a:tc>
-                  <a:txBody>
-                    <a:bodyPr/>
-                    <a:lstStyle/>
-                    <a:p>
-                      <a:pPr algn="r" fontAlgn="b"/>
-                      <a:r>
-                        <a:rPr lang="en-ZA" sz="1100" b="0" i="0" u="none" strike="noStrike" dirty="0">
-                          <a:solidFill>
-                            <a:srgbClr val="000000"/>
-                          </a:solidFill>
-                          <a:effectLst/>
-                          <a:latin typeface="Calibri" panose="020F0502020204030204" pitchFamily="34" charset="0"/>
-                        </a:rPr>
-                        <a:t>1.683333</a:t>
-                      </a:r>
-                    </a:p>
-                  </a:txBody>
-                  <a:tcPr marL="6350" marR="6350" marT="6350" marB="0" anchor="b"/>
-                </a:tc>
-              </a:tr>
-            </a:tbl>
-          </a:graphicData>
-        </a:graphic>
-      </p:graphicFrame>
+        </p:nvSpPr>
+        <p:spPr>
+          <a:xfrm>
+            <a:off x="876300" y="1419224"/>
+            <a:ext cx="10477500" cy="4970690"/>
+          </a:xfrm>
+        </p:spPr>
+        <p:txBody>
+          <a:bodyPr>
+            <a:normAutofit lnSpcReduction="10000"/>
+          </a:bodyPr>
+          <a:lstStyle/>
+          <a:p>
+            <a:r>
+              <a:rPr lang="en-ZA" dirty="0" smtClean="0"/>
+              <a:t>What is important for you</a:t>
+            </a:r>
+          </a:p>
+          <a:p>
+            <a:pPr lvl="1"/>
+            <a:r>
+              <a:rPr lang="en-ZA" dirty="0" smtClean="0"/>
+              <a:t>Location</a:t>
+            </a:r>
+          </a:p>
+          <a:p>
+            <a:pPr lvl="1"/>
+            <a:r>
+              <a:rPr lang="en-ZA" dirty="0" smtClean="0"/>
+              <a:t>Ease of use</a:t>
+            </a:r>
+          </a:p>
+          <a:p>
+            <a:pPr lvl="1"/>
+            <a:r>
+              <a:rPr lang="en-ZA" dirty="0" smtClean="0"/>
+              <a:t>Cost </a:t>
+            </a:r>
+          </a:p>
+          <a:p>
+            <a:pPr lvl="1"/>
+            <a:r>
+              <a:rPr lang="en-ZA" dirty="0" smtClean="0"/>
+              <a:t>Language API</a:t>
+            </a:r>
+          </a:p>
+          <a:p>
+            <a:r>
+              <a:rPr lang="en-ZA" dirty="0" smtClean="0"/>
+              <a:t>For us it was Location &amp; Ease of use &amp; Cost</a:t>
+            </a:r>
+          </a:p>
+          <a:p>
+            <a:pPr lvl="1"/>
+            <a:r>
+              <a:rPr lang="en-ZA" dirty="0" smtClean="0"/>
+              <a:t>Why send data to an external service?</a:t>
+            </a:r>
+          </a:p>
+          <a:p>
+            <a:pPr lvl="1"/>
+            <a:r>
+              <a:rPr lang="en-ZA" dirty="0" smtClean="0"/>
+              <a:t>Easily monitor &amp; configure queues.</a:t>
+            </a:r>
+          </a:p>
+          <a:p>
+            <a:pPr lvl="1"/>
+            <a:r>
+              <a:rPr lang="en-ZA" dirty="0" smtClean="0"/>
+              <a:t>Why pay?</a:t>
+            </a:r>
+          </a:p>
+          <a:p>
+            <a:r>
+              <a:rPr lang="en-ZA" dirty="0" smtClean="0"/>
+              <a:t>Location: Ruled out hosted services like Azure, Amazon, etc.</a:t>
+            </a:r>
+          </a:p>
+          <a:p>
+            <a:r>
+              <a:rPr lang="en-ZA" dirty="0" smtClean="0"/>
+              <a:t>Ease: Ruled out MSMQ</a:t>
+            </a:r>
+          </a:p>
+          <a:p>
+            <a:r>
+              <a:rPr lang="en-ZA" dirty="0" smtClean="0"/>
+              <a:t>Cost: Ruled out most ESBs</a:t>
+            </a:r>
+            <a:endParaRPr lang="en-ZA" dirty="0"/>
+          </a:p>
+          <a:p>
+            <a:pPr lvl="1"/>
+            <a:endParaRPr lang="en-ZA" dirty="0" smtClean="0"/>
+          </a:p>
+          <a:p>
+            <a:endParaRPr lang="en-ZA" dirty="0"/>
+          </a:p>
+        </p:txBody>
+      </p:sp>
     </p:spTree>
     <p:extLst>
       <p:ext uri="{BB962C8B-B14F-4D97-AF65-F5344CB8AC3E}">
-        <p14:creationId xmlns:p14="http://schemas.microsoft.com/office/powerpoint/2010/main" val="3597156087"/>
+        <p14:creationId xmlns:p14="http://schemas.microsoft.com/office/powerpoint/2010/main" val="2684526195"/>
       </p:ext>
     </p:extLst>
   </p:cSld>
@@ -6251,7 +9615,11 @@
           <a:bodyPr/>
           <a:lstStyle/>
           <a:p>
-            <a:endParaRPr lang="en-ZA"/>
+            <a:r>
+              <a:rPr lang="en-ZA" dirty="0" smtClean="0"/>
+              <a:t>Lets talk Rabbit MQ</a:t>
+            </a:r>
+            <a:endParaRPr lang="en-ZA" dirty="0"/>
           </a:p>
         </p:txBody>
       </p:sp>
@@ -6270,14 +9638,177 @@
           <a:bodyPr/>
           <a:lstStyle/>
           <a:p>
-            <a:endParaRPr lang="en-ZA"/>
-          </a:p>
-        </p:txBody>
-      </p:sp>
+            <a:r>
+              <a:rPr lang="en-ZA" dirty="0" smtClean="0"/>
+              <a:t>Written in </a:t>
+            </a:r>
+            <a:r>
+              <a:rPr lang="en-ZA" dirty="0" err="1" smtClean="0"/>
+              <a:t>Erlang</a:t>
+            </a:r>
+            <a:r>
+              <a:rPr lang="en-ZA" dirty="0" smtClean="0"/>
+              <a:t> / OTP (Open Telecom Platform)</a:t>
+            </a:r>
+          </a:p>
+          <a:p>
+            <a:pPr lvl="1"/>
+            <a:r>
+              <a:rPr lang="en-ZA" dirty="0" smtClean="0"/>
+              <a:t>Concurrency</a:t>
+            </a:r>
+          </a:p>
+          <a:p>
+            <a:pPr lvl="1"/>
+            <a:r>
+              <a:rPr lang="en-ZA" dirty="0" smtClean="0"/>
+              <a:t>Parallelism </a:t>
+            </a:r>
+          </a:p>
+          <a:p>
+            <a:r>
+              <a:rPr lang="en-ZA" dirty="0" smtClean="0"/>
+              <a:t>Built on AMQP messaging Protocol</a:t>
+            </a:r>
+          </a:p>
+          <a:p>
+            <a:pPr lvl="1"/>
+            <a:r>
+              <a:rPr lang="en-ZA" dirty="0" smtClean="0"/>
+              <a:t>Advances Messaging Queuing Protocol</a:t>
+            </a:r>
+          </a:p>
+          <a:p>
+            <a:pPr lvl="1"/>
+            <a:r>
+              <a:rPr lang="en-ZA" dirty="0">
+                <a:hlinkClick r:id="rId3"/>
+              </a:rPr>
+              <a:t>http://www.amqp.org</a:t>
+            </a:r>
+            <a:r>
+              <a:rPr lang="en-ZA" dirty="0" smtClean="0">
+                <a:hlinkClick r:id="rId3"/>
+              </a:rPr>
+              <a:t>/</a:t>
+            </a:r>
+            <a:endParaRPr lang="en-ZA" dirty="0" smtClean="0"/>
+          </a:p>
+          <a:p>
+            <a:r>
+              <a:rPr lang="en-ZA" dirty="0" smtClean="0"/>
+              <a:t>POC in 2006, First public release 2007</a:t>
+            </a:r>
+          </a:p>
+          <a:p>
+            <a:r>
+              <a:rPr lang="en-ZA" dirty="0" smtClean="0"/>
+              <a:t>Was 5000, now </a:t>
+            </a:r>
+            <a:r>
+              <a:rPr lang="en-ZA" b="1" dirty="0" smtClean="0"/>
+              <a:t>12,000 </a:t>
+            </a:r>
+            <a:r>
+              <a:rPr lang="en-ZA" dirty="0" smtClean="0"/>
+              <a:t>lines of code</a:t>
+            </a:r>
+          </a:p>
+          <a:p>
+            <a:r>
+              <a:rPr lang="en-ZA" dirty="0" smtClean="0"/>
+              <a:t>Extended by plugins</a:t>
+            </a:r>
+          </a:p>
+          <a:p>
+            <a:pPr lvl="1"/>
+            <a:endParaRPr lang="en-ZA" dirty="0" smtClean="0"/>
+          </a:p>
+          <a:p>
+            <a:endParaRPr lang="en-ZA" dirty="0"/>
+          </a:p>
+          <a:p>
+            <a:pPr lvl="1"/>
+            <a:endParaRPr lang="en-ZA" dirty="0" smtClean="0"/>
+          </a:p>
+          <a:p>
+            <a:pPr lvl="1"/>
+            <a:endParaRPr lang="en-ZA" dirty="0" smtClean="0"/>
+          </a:p>
+          <a:p>
+            <a:endParaRPr lang="en-ZA" dirty="0"/>
+          </a:p>
+        </p:txBody>
+      </p:sp>
+      <p:pic>
+        <p:nvPicPr>
+          <p:cNvPr id="1026" name="Picture 2" descr="http://www.mbejda.com/content/images/2015/12/rabbitmq.jpg"/>
+          <p:cNvPicPr>
+            <a:picLocks noChangeAspect="1" noChangeArrowheads="1"/>
+          </p:cNvPicPr>
+          <p:nvPr/>
+        </p:nvPicPr>
+        <p:blipFill>
+          <a:blip r:embed="rId4" cstate="print">
+            <a:extLst>
+              <a:ext uri="{28A0092B-C50C-407E-A947-70E740481C1C}">
+                <a14:useLocalDpi xmlns:a14="http://schemas.microsoft.com/office/drawing/2010/main" val="0"/>
+              </a:ext>
+            </a:extLst>
+          </a:blip>
+          <a:srcRect/>
+          <a:stretch>
+            <a:fillRect/>
+          </a:stretch>
+        </p:blipFill>
+        <p:spPr bwMode="auto">
+          <a:xfrm>
+            <a:off x="9900673" y="1"/>
+            <a:ext cx="2291327" cy="1133476"/>
+          </a:xfrm>
+          <a:prstGeom prst="rect">
+            <a:avLst/>
+          </a:prstGeom>
+          <a:noFill/>
+          <a:extLst>
+            <a:ext uri="{909E8E84-426E-40DD-AFC4-6F175D3DCCD1}">
+              <a14:hiddenFill xmlns:a14="http://schemas.microsoft.com/office/drawing/2010/main">
+                <a:solidFill>
+                  <a:srgbClr val="FFFFFF"/>
+                </a:solidFill>
+              </a14:hiddenFill>
+            </a:ext>
+          </a:extLst>
+        </p:spPr>
+      </p:pic>
+      <p:pic>
+        <p:nvPicPr>
+          <p:cNvPr id="4" name="Picture 3"/>
+          <p:cNvPicPr>
+            <a:picLocks noChangeAspect="1"/>
+          </p:cNvPicPr>
+          <p:nvPr/>
+        </p:nvPicPr>
+        <p:blipFill>
+          <a:blip r:embed="rId5"/>
+          <a:stretch>
+            <a:fillRect/>
+          </a:stretch>
+        </p:blipFill>
+        <p:spPr>
+          <a:xfrm>
+            <a:off x="8286549" y="3051011"/>
+            <a:ext cx="3905451" cy="3149762"/>
+          </a:xfrm>
+          <a:prstGeom prst="rect">
+            <a:avLst/>
+          </a:prstGeom>
+        </p:spPr>
+      </p:pic>
     </p:spTree>
     <p:extLst>
       <p:ext uri="{BB962C8B-B14F-4D97-AF65-F5344CB8AC3E}">
-        <p14:creationId xmlns:p14="http://schemas.microsoft.com/office/powerpoint/2010/main" val="2616351500"/>
+        <p14:creationId xmlns:p14="http://schemas.microsoft.com/office/powerpoint/2010/main" val="4033564761"/>
       </p:ext>
     </p:extLst>
   </p:cSld>
@@ -6297,14 +9828,6 @@
 <file path=ppt/slides/slide9.xml><?xml version="1.0" encoding="utf-8"?>
 <p:sld xmlns:a="http://schemas.openxmlformats.org/drawingml/2006/main" xmlns:r="http://schemas.openxmlformats.org/officeDocument/2006/relationships" xmlns:p="http://schemas.openxmlformats.org/presentationml/2006/main">
   <p:cSld>
-    <p:bg>
-      <p:bgPr>
-        <a:solidFill>
-          <a:srgbClr val="000F30"/>
-        </a:solidFill>
-        <a:effectLst/>
-      </p:bgPr>
-    </p:bg>
     <p:spTree>
       <p:nvGrpSpPr>
         <p:cNvPr id="1" name=""/>
@@ -6319,264 +9842,180 @@
           <a:chExt cx="0" cy="0"/>
         </a:xfrm>
       </p:grpSpPr>
-      <p:pic>
-        <p:nvPicPr>
-          <p:cNvPr id="3" name="Picture 2"/>
-          <p:cNvPicPr>
-            <a:picLocks noChangeAspect="1"/>
-          </p:cNvPicPr>
-          <p:nvPr/>
-        </p:nvPicPr>
-        <p:blipFill>
-          <a:blip r:embed="rId2">
-            <a:extLst>
-              <a:ext uri="{28A0092B-C50C-407E-A947-70E740481C1C}">
-                <a14:useLocalDpi xmlns:a14="http://schemas.microsoft.com/office/drawing/2010/main" val="0"/>
-              </a:ext>
-            </a:extLst>
-          </a:blip>
-          <a:stretch>
-            <a:fillRect/>
-          </a:stretch>
-        </p:blipFill>
+      <p:sp>
+        <p:nvSpPr>
+          <p:cNvPr id="4" name="Title 3"/>
+          <p:cNvSpPr>
+            <a:spLocks noGrp="1"/>
+          </p:cNvSpPr>
+          <p:nvPr>
+            <p:ph type="title"/>
+          </p:nvPr>
+        </p:nvSpPr>
+        <p:spPr/>
+        <p:txBody>
+          <a:bodyPr/>
+          <a:lstStyle/>
+          <a:p>
+            <a:r>
+              <a:rPr lang="en-ZA" dirty="0" smtClean="0"/>
+              <a:t>Core Rabbit MQ concepts</a:t>
+            </a:r>
+            <a:endParaRPr lang="en-ZA" dirty="0"/>
+          </a:p>
+        </p:txBody>
+      </p:sp>
+      <p:sp>
+        <p:nvSpPr>
+          <p:cNvPr id="5" name="Content Placeholder 4"/>
+          <p:cNvSpPr>
+            <a:spLocks noGrp="1"/>
+          </p:cNvSpPr>
+          <p:nvPr>
+            <p:ph idx="1"/>
+          </p:nvPr>
+        </p:nvSpPr>
         <p:spPr>
           <a:xfrm>
-            <a:off x="-1" y="0"/>
-            <a:ext cx="12192000" cy="6857999"/>
-          </a:xfrm>
-          <a:prstGeom prst="rect">
-            <a:avLst/>
-          </a:prstGeom>
-        </p:spPr>
-      </p:pic>
-      <p:sp>
-        <p:nvSpPr>
-          <p:cNvPr id="6" name="TextBox 5"/>
-          <p:cNvSpPr txBox="1"/>
-          <p:nvPr/>
-        </p:nvSpPr>
-        <p:spPr>
-          <a:xfrm>
-            <a:off x="8547222" y="479599"/>
-            <a:ext cx="3644777" cy="954107"/>
-          </a:xfrm>
-          <a:prstGeom prst="rect">
-            <a:avLst/>
-          </a:prstGeom>
-          <a:noFill/>
-        </p:spPr>
-        <p:txBody>
-          <a:bodyPr wrap="square" rtlCol="0">
-            <a:spAutoFit/>
+            <a:off x="876300" y="1419224"/>
+            <a:ext cx="10477500" cy="4768307"/>
+          </a:xfrm>
+        </p:spPr>
+        <p:txBody>
+          <a:bodyPr>
+            <a:normAutofit fontScale="85000" lnSpcReduction="20000"/>
           </a:bodyPr>
           <a:lstStyle/>
           <a:p>
-            <a:pPr algn="ctr"/>
-            <a:r>
-              <a:rPr lang="en-ZA" sz="2800" dirty="0">
-                <a:solidFill>
-                  <a:schemeClr val="bg1"/>
-                </a:solidFill>
-              </a:rPr>
-              <a:t>So </a:t>
-            </a:r>
-            <a:r>
-              <a:rPr lang="en-ZA" sz="2800" dirty="0" smtClean="0">
-                <a:solidFill>
-                  <a:schemeClr val="bg1"/>
-                </a:solidFill>
-              </a:rPr>
-              <a:t>Long, and </a:t>
-            </a:r>
-          </a:p>
-          <a:p>
-            <a:pPr algn="ctr"/>
-            <a:r>
-              <a:rPr lang="en-ZA" sz="2800" dirty="0" smtClean="0">
-                <a:solidFill>
-                  <a:schemeClr val="bg1"/>
-                </a:solidFill>
-              </a:rPr>
-              <a:t>Thanks </a:t>
-            </a:r>
-            <a:r>
-              <a:rPr lang="en-ZA" sz="2800" dirty="0">
-                <a:solidFill>
-                  <a:schemeClr val="bg1"/>
-                </a:solidFill>
-              </a:rPr>
-              <a:t>for All the Fish</a:t>
-            </a:r>
-          </a:p>
-        </p:txBody>
-      </p:sp>
-      <p:sp>
-        <p:nvSpPr>
-          <p:cNvPr id="11" name="TextBox 10"/>
-          <p:cNvSpPr txBox="1"/>
-          <p:nvPr/>
-        </p:nvSpPr>
-        <p:spPr>
-          <a:xfrm>
-            <a:off x="8719820" y="1551742"/>
-            <a:ext cx="4551679" cy="338554"/>
-          </a:xfrm>
-          <a:prstGeom prst="rect">
-            <a:avLst/>
-          </a:prstGeom>
-          <a:noFill/>
-        </p:spPr>
-        <p:txBody>
-          <a:bodyPr wrap="square" rtlCol="0">
-            <a:spAutoFit/>
-          </a:bodyPr>
-          <a:lstStyle/>
-          <a:p>
-            <a:r>
-              <a:rPr lang="en-ZA" sz="1600" dirty="0" smtClean="0">
-                <a:solidFill>
-                  <a:srgbClr val="FF064D"/>
-                </a:solidFill>
-                <a:latin typeface="+mj-lt"/>
-              </a:rPr>
-              <a:t>Brendan Fry</a:t>
-            </a:r>
-            <a:endParaRPr lang="en-ZA" sz="1600" dirty="0">
-              <a:solidFill>
-                <a:srgbClr val="FF064D"/>
-              </a:solidFill>
-              <a:latin typeface="+mj-lt"/>
-            </a:endParaRPr>
-          </a:p>
-        </p:txBody>
-      </p:sp>
-      <p:cxnSp>
-        <p:nvCxnSpPr>
-          <p:cNvPr id="9" name="Straight Connector 8"/>
-          <p:cNvCxnSpPr/>
-          <p:nvPr/>
-        </p:nvCxnSpPr>
-        <p:spPr>
-          <a:xfrm>
-            <a:off x="8843433" y="1890296"/>
-            <a:ext cx="3348566" cy="0"/>
-          </a:xfrm>
-          <a:prstGeom prst="line">
-            <a:avLst/>
-          </a:prstGeom>
-          <a:ln>
-            <a:solidFill>
-              <a:schemeClr val="accent4">
-                <a:alpha val="62000"/>
-              </a:schemeClr>
-            </a:solidFill>
-          </a:ln>
-        </p:spPr>
-        <p:style>
-          <a:lnRef idx="1">
-            <a:schemeClr val="accent1"/>
-          </a:lnRef>
-          <a:fillRef idx="0">
-            <a:schemeClr val="accent1"/>
-          </a:fillRef>
-          <a:effectRef idx="0">
-            <a:schemeClr val="accent1"/>
-          </a:effectRef>
-          <a:fontRef idx="minor">
-            <a:schemeClr val="tx1"/>
-          </a:fontRef>
-        </p:style>
-      </p:cxnSp>
-      <p:sp>
-        <p:nvSpPr>
-          <p:cNvPr id="8" name="TextBox 7"/>
-          <p:cNvSpPr txBox="1"/>
-          <p:nvPr/>
-        </p:nvSpPr>
-        <p:spPr>
-          <a:xfrm>
-            <a:off x="8956676" y="1894642"/>
-            <a:ext cx="4314824" cy="1077218"/>
-          </a:xfrm>
-          <a:prstGeom prst="rect">
-            <a:avLst/>
-          </a:prstGeom>
-          <a:noFill/>
-        </p:spPr>
-        <p:txBody>
-          <a:bodyPr wrap="square" rtlCol="0">
-            <a:spAutoFit/>
-          </a:bodyPr>
-          <a:lstStyle/>
-          <a:p>
-            <a:endParaRPr lang="en-ZA" sz="1600" dirty="0" smtClean="0">
-              <a:solidFill>
-                <a:schemeClr val="accent3"/>
-              </a:solidFill>
-              <a:latin typeface="+mj-lt"/>
-            </a:endParaRPr>
-          </a:p>
-          <a:p>
-            <a:r>
-              <a:rPr lang="en-ZA" sz="1600" dirty="0" smtClean="0">
-                <a:solidFill>
-                  <a:schemeClr val="accent3"/>
-                </a:solidFill>
-                <a:latin typeface="+mj-lt"/>
-              </a:rPr>
-              <a:t>bfry@fryhard.com</a:t>
-            </a:r>
-          </a:p>
-          <a:p>
-            <a:r>
-              <a:rPr lang="en-ZA" sz="1600" dirty="0" smtClean="0">
-                <a:solidFill>
-                  <a:schemeClr val="accent3"/>
-                </a:solidFill>
-                <a:latin typeface="+mj-lt"/>
-              </a:rPr>
-              <a:t>0836337634</a:t>
-            </a:r>
-          </a:p>
-          <a:p>
-            <a:r>
-              <a:rPr lang="en-ZA" sz="1600" dirty="0" smtClean="0">
-                <a:solidFill>
-                  <a:schemeClr val="accent3"/>
-                </a:solidFill>
-                <a:latin typeface="+mj-lt"/>
-              </a:rPr>
-              <a:t>@Fry_Hard</a:t>
-            </a:r>
-            <a:endParaRPr lang="en-ZA" sz="1600" dirty="0">
-              <a:solidFill>
-                <a:schemeClr val="accent3"/>
-              </a:solidFill>
-              <a:latin typeface="+mj-lt"/>
-            </a:endParaRPr>
-          </a:p>
-        </p:txBody>
-      </p:sp>
-      <p:sp>
-        <p:nvSpPr>
-          <p:cNvPr id="4" name="Rounded Rectangle 3"/>
+            <a:r>
+              <a:rPr lang="en-ZA" dirty="0" smtClean="0"/>
+              <a:t>Queues</a:t>
+            </a:r>
+          </a:p>
+          <a:p>
+            <a:pPr lvl="1"/>
+            <a:r>
+              <a:rPr lang="en-ZA" dirty="0" smtClean="0"/>
+              <a:t>Store messages</a:t>
+            </a:r>
+          </a:p>
+          <a:p>
+            <a:r>
+              <a:rPr lang="en-ZA" dirty="0" smtClean="0"/>
+              <a:t>Exchanges</a:t>
+            </a:r>
+          </a:p>
+          <a:p>
+            <a:pPr lvl="1"/>
+            <a:r>
+              <a:rPr lang="en-ZA" dirty="0" smtClean="0"/>
+              <a:t>Route messages</a:t>
+            </a:r>
+          </a:p>
+          <a:p>
+            <a:pPr lvl="1"/>
+            <a:r>
+              <a:rPr lang="en-ZA" dirty="0" smtClean="0"/>
+              <a:t>Types </a:t>
+            </a:r>
+          </a:p>
+          <a:p>
+            <a:pPr lvl="2"/>
+            <a:r>
+              <a:rPr lang="en-ZA" dirty="0" smtClean="0"/>
+              <a:t>Direct</a:t>
+            </a:r>
+          </a:p>
+          <a:p>
+            <a:pPr lvl="2"/>
+            <a:r>
+              <a:rPr lang="en-ZA" dirty="0" err="1" smtClean="0"/>
+              <a:t>Fanout</a:t>
+            </a:r>
+            <a:endParaRPr lang="en-ZA" dirty="0" smtClean="0"/>
+          </a:p>
+          <a:p>
+            <a:pPr lvl="2"/>
+            <a:r>
+              <a:rPr lang="en-ZA" dirty="0" smtClean="0"/>
+              <a:t>Topic</a:t>
+            </a:r>
+          </a:p>
+          <a:p>
+            <a:pPr lvl="2"/>
+            <a:r>
+              <a:rPr lang="en-ZA" dirty="0" smtClean="0"/>
+              <a:t>Header</a:t>
+            </a:r>
+          </a:p>
+          <a:p>
+            <a:r>
+              <a:rPr lang="en-ZA" dirty="0" smtClean="0"/>
+              <a:t>Binding</a:t>
+            </a:r>
+          </a:p>
+          <a:p>
+            <a:pPr lvl="1"/>
+            <a:r>
+              <a:rPr lang="en-ZA" dirty="0" smtClean="0"/>
+              <a:t>Rules used by Exchanges</a:t>
+            </a:r>
+          </a:p>
+          <a:p>
+            <a:pPr lvl="1"/>
+            <a:r>
+              <a:rPr lang="en-ZA" dirty="0" smtClean="0"/>
+              <a:t>Tells </a:t>
+            </a:r>
+            <a:r>
+              <a:rPr lang="en-ZA" dirty="0"/>
+              <a:t>e</a:t>
+            </a:r>
+            <a:r>
+              <a:rPr lang="en-ZA" dirty="0" smtClean="0"/>
+              <a:t>xchange E to route messages to queue Q</a:t>
+            </a:r>
+          </a:p>
+          <a:p>
+            <a:r>
+              <a:rPr lang="en-ZA" dirty="0" smtClean="0"/>
+              <a:t>Channels</a:t>
+            </a:r>
+          </a:p>
+          <a:p>
+            <a:pPr lvl="1"/>
+            <a:r>
+              <a:rPr lang="en-ZA" dirty="0" smtClean="0"/>
+              <a:t>Allows single connection to Rabbit to be multiplexed</a:t>
+            </a:r>
+          </a:p>
+          <a:p>
+            <a:r>
+              <a:rPr lang="en-ZA" dirty="0" smtClean="0"/>
+              <a:t>Producer &amp; Consumer</a:t>
+            </a:r>
+            <a:endParaRPr lang="en-ZA" dirty="0"/>
+          </a:p>
+          <a:p>
+            <a:pPr lvl="1"/>
+            <a:endParaRPr lang="en-ZA" dirty="0"/>
+          </a:p>
+        </p:txBody>
+      </p:sp>
+      <p:sp>
+        <p:nvSpPr>
+          <p:cNvPr id="77" name="Oval 76"/>
           <p:cNvSpPr/>
           <p:nvPr/>
         </p:nvSpPr>
         <p:spPr>
           <a:xfrm>
-            <a:off x="3275615" y="2971859"/>
-            <a:ext cx="4437518" cy="1295341"/>
-          </a:xfrm>
-          <a:prstGeom prst="roundRect">
-            <a:avLst/>
-          </a:prstGeom>
-          <a:noFill/>
-          <a:ln>
-            <a:solidFill>
-              <a:schemeClr val="accent2"/>
-            </a:solidFill>
-          </a:ln>
+            <a:off x="7951439" y="5494513"/>
+            <a:ext cx="1605154" cy="693019"/>
+          </a:xfrm>
+          <a:prstGeom prst="ellipse">
+            <a:avLst/>
+          </a:prstGeom>
         </p:spPr>
         <p:style>
           <a:lnRef idx="2">
@@ -6601,302 +10040,387 @@
             <a:pPr algn="ctr"/>
             <a:r>
               <a:rPr lang="en-ZA" dirty="0" smtClean="0"/>
-              <a:t>http://devconf.co.za</a:t>
-            </a:r>
-            <a:br>
+              <a:t>Producers</a:t>
+            </a:r>
+            <a:endParaRPr lang="en-ZA" dirty="0"/>
+          </a:p>
+        </p:txBody>
+      </p:sp>
+      <p:grpSp>
+        <p:nvGrpSpPr>
+          <p:cNvPr id="78" name="Group 77"/>
+          <p:cNvGrpSpPr/>
+          <p:nvPr/>
+        </p:nvGrpSpPr>
+        <p:grpSpPr>
+          <a:xfrm>
+            <a:off x="8324968" y="1501988"/>
+            <a:ext cx="2685448" cy="563579"/>
+            <a:chOff x="7883091" y="1419225"/>
+            <a:chExt cx="2685448" cy="563579"/>
+          </a:xfrm>
+        </p:grpSpPr>
+        <p:sp>
+          <p:nvSpPr>
+            <p:cNvPr id="79" name="Rectangle 78"/>
+            <p:cNvSpPr/>
+            <p:nvPr/>
+          </p:nvSpPr>
+          <p:spPr>
+            <a:xfrm>
+              <a:off x="7883091" y="1419225"/>
+              <a:ext cx="2685448" cy="563579"/>
+            </a:xfrm>
+            <a:prstGeom prst="rect">
+              <a:avLst/>
+            </a:prstGeom>
+          </p:spPr>
+          <p:style>
+            <a:lnRef idx="3">
+              <a:schemeClr val="lt1"/>
+            </a:lnRef>
+            <a:fillRef idx="1">
+              <a:schemeClr val="accent6"/>
+            </a:fillRef>
+            <a:effectRef idx="1">
+              <a:schemeClr val="accent6"/>
+            </a:effectRef>
+            <a:fontRef idx="minor">
+              <a:schemeClr val="lt1"/>
+            </a:fontRef>
+          </p:style>
+          <p:txBody>
+            <a:bodyPr rtlCol="0" anchor="ctr"/>
+            <a:lstStyle/>
+            <a:p>
+              <a:pPr algn="ctr"/>
+              <a:endParaRPr lang="en-ZA"/>
+            </a:p>
+          </p:txBody>
+        </p:sp>
+        <p:cxnSp>
+          <p:nvCxnSpPr>
+            <p:cNvPr id="80" name="Straight Connector 79"/>
+            <p:cNvCxnSpPr/>
+            <p:nvPr/>
+          </p:nvCxnSpPr>
+          <p:spPr>
+            <a:xfrm flipH="1">
+              <a:off x="8296977" y="1419225"/>
+              <a:ext cx="1" cy="563579"/>
+            </a:xfrm>
+            <a:prstGeom prst="line">
+              <a:avLst/>
+            </a:prstGeom>
+          </p:spPr>
+          <p:style>
+            <a:lnRef idx="3">
+              <a:schemeClr val="lt1"/>
+            </a:lnRef>
+            <a:fillRef idx="1">
+              <a:schemeClr val="accent6"/>
+            </a:fillRef>
+            <a:effectRef idx="1">
+              <a:schemeClr val="accent6"/>
+            </a:effectRef>
+            <a:fontRef idx="minor">
+              <a:schemeClr val="lt1"/>
+            </a:fontRef>
+          </p:style>
+        </p:cxnSp>
+        <p:cxnSp>
+          <p:nvCxnSpPr>
+            <p:cNvPr id="81" name="Straight Connector 80"/>
+            <p:cNvCxnSpPr/>
+            <p:nvPr/>
+          </p:nvCxnSpPr>
+          <p:spPr>
+            <a:xfrm>
+              <a:off x="8778242" y="1419225"/>
+              <a:ext cx="0" cy="563579"/>
+            </a:xfrm>
+            <a:prstGeom prst="line">
+              <a:avLst/>
+            </a:prstGeom>
+          </p:spPr>
+          <p:style>
+            <a:lnRef idx="3">
+              <a:schemeClr val="lt1"/>
+            </a:lnRef>
+            <a:fillRef idx="1">
+              <a:schemeClr val="accent6"/>
+            </a:fillRef>
+            <a:effectRef idx="1">
+              <a:schemeClr val="accent6"/>
+            </a:effectRef>
+            <a:fontRef idx="minor">
+              <a:schemeClr val="lt1"/>
+            </a:fontRef>
+          </p:style>
+        </p:cxnSp>
+        <p:cxnSp>
+          <p:nvCxnSpPr>
+            <p:cNvPr id="82" name="Straight Connector 81"/>
+            <p:cNvCxnSpPr/>
+            <p:nvPr/>
+          </p:nvCxnSpPr>
+          <p:spPr>
+            <a:xfrm flipH="1">
+              <a:off x="9297102" y="1419225"/>
+              <a:ext cx="1" cy="563579"/>
+            </a:xfrm>
+            <a:prstGeom prst="line">
+              <a:avLst/>
+            </a:prstGeom>
+          </p:spPr>
+          <p:style>
+            <a:lnRef idx="3">
+              <a:schemeClr val="lt1"/>
+            </a:lnRef>
+            <a:fillRef idx="1">
+              <a:schemeClr val="accent6"/>
+            </a:fillRef>
+            <a:effectRef idx="1">
+              <a:schemeClr val="accent6"/>
+            </a:effectRef>
+            <a:fontRef idx="minor">
+              <a:schemeClr val="lt1"/>
+            </a:fontRef>
+          </p:style>
+        </p:cxnSp>
+        <p:cxnSp>
+          <p:nvCxnSpPr>
+            <p:cNvPr id="83" name="Straight Connector 82"/>
+            <p:cNvCxnSpPr/>
+            <p:nvPr/>
+          </p:nvCxnSpPr>
+          <p:spPr>
+            <a:xfrm>
+              <a:off x="9778367" y="1419225"/>
+              <a:ext cx="0" cy="563579"/>
+            </a:xfrm>
+            <a:prstGeom prst="line">
+              <a:avLst/>
+            </a:prstGeom>
+          </p:spPr>
+          <p:style>
+            <a:lnRef idx="3">
+              <a:schemeClr val="lt1"/>
+            </a:lnRef>
+            <a:fillRef idx="1">
+              <a:schemeClr val="accent6"/>
+            </a:fillRef>
+            <a:effectRef idx="1">
+              <a:schemeClr val="accent6"/>
+            </a:effectRef>
+            <a:fontRef idx="minor">
+              <a:schemeClr val="lt1"/>
+            </a:fontRef>
+          </p:style>
+        </p:cxnSp>
+        <p:cxnSp>
+          <p:nvCxnSpPr>
+            <p:cNvPr id="84" name="Straight Connector 83"/>
+            <p:cNvCxnSpPr/>
+            <p:nvPr/>
+          </p:nvCxnSpPr>
+          <p:spPr>
+            <a:xfrm>
+              <a:off x="10206992" y="1419225"/>
+              <a:ext cx="0" cy="563579"/>
+            </a:xfrm>
+            <a:prstGeom prst="line">
+              <a:avLst/>
+            </a:prstGeom>
+          </p:spPr>
+          <p:style>
+            <a:lnRef idx="3">
+              <a:schemeClr val="lt1"/>
+            </a:lnRef>
+            <a:fillRef idx="1">
+              <a:schemeClr val="accent6"/>
+            </a:fillRef>
+            <a:effectRef idx="1">
+              <a:schemeClr val="accent6"/>
+            </a:effectRef>
+            <a:fontRef idx="minor">
+              <a:schemeClr val="lt1"/>
+            </a:fontRef>
+          </p:style>
+        </p:cxnSp>
+      </p:grpSp>
+      <p:sp>
+        <p:nvSpPr>
+          <p:cNvPr id="85" name="Plaque 84"/>
+          <p:cNvSpPr/>
+          <p:nvPr/>
+        </p:nvSpPr>
+        <p:spPr>
+          <a:xfrm>
+            <a:off x="9031484" y="2870677"/>
+            <a:ext cx="1347537" cy="886636"/>
+          </a:xfrm>
+          <a:prstGeom prst="plaque">
+            <a:avLst/>
+          </a:prstGeom>
+        </p:spPr>
+        <p:style>
+          <a:lnRef idx="3">
+            <a:schemeClr val="lt1"/>
+          </a:lnRef>
+          <a:fillRef idx="1">
+            <a:schemeClr val="accent2"/>
+          </a:fillRef>
+          <a:effectRef idx="1">
+            <a:schemeClr val="accent2"/>
+          </a:effectRef>
+          <a:fontRef idx="minor">
+            <a:schemeClr val="lt1"/>
+          </a:fontRef>
+        </p:style>
+        <p:txBody>
+          <a:bodyPr rtlCol="0" anchor="ctr"/>
+          <a:lstStyle/>
+          <a:p>
+            <a:pPr algn="ctr"/>
+            <a:r>
               <a:rPr lang="en-ZA" dirty="0" smtClean="0"/>
-            </a:br>
+              <a:t>Exchanges</a:t>
+            </a:r>
+            <a:endParaRPr lang="en-ZA" dirty="0"/>
+          </a:p>
+        </p:txBody>
+      </p:sp>
+      <p:sp>
+        <p:nvSpPr>
+          <p:cNvPr id="2061" name="Right Arrow 2060"/>
+          <p:cNvSpPr/>
+          <p:nvPr/>
+        </p:nvSpPr>
+        <p:spPr>
+          <a:xfrm>
+            <a:off x="8976979" y="4244913"/>
+            <a:ext cx="1524000" cy="381000"/>
+          </a:xfrm>
+          <a:prstGeom prst="rightArrow">
+            <a:avLst/>
+          </a:prstGeom>
+        </p:spPr>
+        <p:style>
+          <a:lnRef idx="2">
+            <a:schemeClr val="accent1">
+              <a:shade val="50000"/>
+            </a:schemeClr>
+          </a:lnRef>
+          <a:fillRef idx="1">
+            <a:schemeClr val="accent1"/>
+          </a:fillRef>
+          <a:effectRef idx="0">
+            <a:schemeClr val="accent1"/>
+          </a:effectRef>
+          <a:fontRef idx="minor">
+            <a:schemeClr val="lt1"/>
+          </a:fontRef>
+        </p:style>
+        <p:txBody>
+          <a:bodyPr rtlCol="0" anchor="ctr"/>
+          <a:lstStyle/>
+          <a:p>
+            <a:pPr algn="ctr"/>
             <a:r>
               <a:rPr lang="en-ZA" dirty="0" smtClean="0"/>
-              <a:t>http://fryhard.com</a:t>
+              <a:t>Bindings</a:t>
             </a:r>
             <a:endParaRPr lang="en-ZA" dirty="0"/>
           </a:p>
+        </p:txBody>
+      </p:sp>
+      <p:sp>
+        <p:nvSpPr>
+          <p:cNvPr id="2062" name="TextBox 2061"/>
+          <p:cNvSpPr txBox="1"/>
+          <p:nvPr/>
+        </p:nvSpPr>
+        <p:spPr>
+          <a:xfrm>
+            <a:off x="9298070" y="1155788"/>
+            <a:ext cx="922174" cy="369332"/>
+          </a:xfrm>
+          <a:prstGeom prst="rect">
+            <a:avLst/>
+          </a:prstGeom>
+          <a:noFill/>
+        </p:spPr>
+        <p:txBody>
+          <a:bodyPr wrap="square" rtlCol="0">
+            <a:spAutoFit/>
+          </a:bodyPr>
+          <a:lstStyle/>
+          <a:p>
+            <a:r>
+              <a:rPr lang="en-ZA" b="1" dirty="0" smtClean="0">
+                <a:solidFill>
+                  <a:schemeClr val="accent6"/>
+                </a:solidFill>
+              </a:rPr>
+              <a:t>Queues</a:t>
+            </a:r>
+            <a:endParaRPr lang="en-ZA" b="1" dirty="0">
+              <a:solidFill>
+                <a:schemeClr val="accent6"/>
+              </a:solidFill>
+            </a:endParaRPr>
+          </a:p>
+        </p:txBody>
+      </p:sp>
+      <p:sp>
+        <p:nvSpPr>
+          <p:cNvPr id="88" name="Oval 87"/>
+          <p:cNvSpPr/>
+          <p:nvPr/>
+        </p:nvSpPr>
+        <p:spPr>
+          <a:xfrm>
+            <a:off x="9731200" y="5494513"/>
+            <a:ext cx="1774999" cy="693019"/>
+          </a:xfrm>
+          <a:prstGeom prst="ellipse">
+            <a:avLst/>
+          </a:prstGeom>
+        </p:spPr>
+        <p:style>
+          <a:lnRef idx="2">
+            <a:schemeClr val="accent3">
+              <a:shade val="50000"/>
+            </a:schemeClr>
+          </a:lnRef>
+          <a:fillRef idx="1">
+            <a:schemeClr val="accent3"/>
+          </a:fillRef>
+          <a:effectRef idx="0">
+            <a:schemeClr val="accent3"/>
+          </a:effectRef>
+          <a:fontRef idx="minor">
+            <a:schemeClr val="lt1"/>
+          </a:fontRef>
+        </p:style>
+        <p:txBody>
+          <a:bodyPr rtlCol="0" anchor="ctr"/>
+          <a:lstStyle/>
           <a:p>
             <a:pPr algn="ctr"/>
             <a:r>
               <a:rPr lang="en-ZA" dirty="0" smtClean="0"/>
-              <a:t>http://Jagmethod.com</a:t>
-            </a:r>
-          </a:p>
-          <a:p>
-            <a:pPr algn="ctr"/>
-            <a:r>
-              <a:rPr lang="en-ZA" dirty="0" smtClean="0"/>
-              <a:t>https</a:t>
-            </a:r>
-            <a:r>
-              <a:rPr lang="en-ZA" dirty="0"/>
-              <a:t>://</a:t>
-            </a:r>
-            <a:r>
-              <a:rPr lang="en-ZA" dirty="0" smtClean="0"/>
-              <a:t>www.rabbitmq.com</a:t>
+              <a:t>Consumers</a:t>
             </a:r>
             <a:endParaRPr lang="en-ZA" dirty="0"/>
           </a:p>
         </p:txBody>
       </p:sp>
-      <p:pic>
-        <p:nvPicPr>
-          <p:cNvPr id="1026" name="Picture 2" descr="Placeholder"/>
-          <p:cNvPicPr>
-            <a:picLocks noChangeAspect="1" noChangeArrowheads="1"/>
-          </p:cNvPicPr>
-          <p:nvPr/>
-        </p:nvPicPr>
-        <p:blipFill>
-          <a:blip r:embed="rId3">
-            <a:extLst>
-              <a:ext uri="{28A0092B-C50C-407E-A947-70E740481C1C}">
-                <a14:useLocalDpi xmlns:a14="http://schemas.microsoft.com/office/drawing/2010/main" val="0"/>
-              </a:ext>
-            </a:extLst>
-          </a:blip>
-          <a:srcRect/>
-          <a:stretch>
-            <a:fillRect/>
-          </a:stretch>
-        </p:blipFill>
-        <p:spPr bwMode="auto">
-          <a:xfrm>
-            <a:off x="8787246" y="1933854"/>
-            <a:ext cx="1608667" cy="212031"/>
-          </a:xfrm>
-          <a:prstGeom prst="rect">
-            <a:avLst/>
-          </a:prstGeom>
-          <a:noFill/>
-          <a:extLst>
-            <a:ext uri="{909E8E84-426E-40DD-AFC4-6F175D3DCCD1}">
-              <a14:hiddenFill xmlns:a14="http://schemas.microsoft.com/office/drawing/2010/main">
-                <a:solidFill>
-                  <a:srgbClr val="FFFFFF"/>
-                </a:solidFill>
-              </a14:hiddenFill>
-            </a:ext>
-          </a:extLst>
-        </p:spPr>
-      </p:pic>
-      <p:pic>
-        <p:nvPicPr>
-          <p:cNvPr id="5" name="Picture 4"/>
-          <p:cNvPicPr>
-            <a:picLocks noChangeAspect="1"/>
-          </p:cNvPicPr>
-          <p:nvPr/>
-        </p:nvPicPr>
-        <p:blipFill>
-          <a:blip r:embed="rId4" cstate="print">
-            <a:extLst>
-              <a:ext uri="{28A0092B-C50C-407E-A947-70E740481C1C}">
-                <a14:useLocalDpi xmlns:a14="http://schemas.microsoft.com/office/drawing/2010/main" val="0"/>
-              </a:ext>
-            </a:extLst>
-          </a:blip>
-          <a:stretch>
-            <a:fillRect/>
-          </a:stretch>
-        </p:blipFill>
-        <p:spPr>
-          <a:xfrm>
-            <a:off x="8798983" y="2700867"/>
-            <a:ext cx="212784" cy="212784"/>
-          </a:xfrm>
-          <a:prstGeom prst="rect">
-            <a:avLst/>
-          </a:prstGeom>
-        </p:spPr>
-      </p:pic>
-      <p:pic>
-        <p:nvPicPr>
-          <p:cNvPr id="1036" name="Picture 12" descr="http://icons.iconarchive.com/icons/wwalczyszyn/android-style-honeycomb/256/Phone-icon.png"/>
-          <p:cNvPicPr>
-            <a:picLocks noChangeAspect="1" noChangeArrowheads="1"/>
-          </p:cNvPicPr>
-          <p:nvPr/>
-        </p:nvPicPr>
-        <p:blipFill>
-          <a:blip r:embed="rId5" cstate="print">
-            <a:extLst>
-              <a:ext uri="{28A0092B-C50C-407E-A947-70E740481C1C}">
-                <a14:useLocalDpi xmlns:a14="http://schemas.microsoft.com/office/drawing/2010/main" val="0"/>
-              </a:ext>
-            </a:extLst>
-          </a:blip>
-          <a:srcRect/>
-          <a:stretch>
-            <a:fillRect/>
-          </a:stretch>
-        </p:blipFill>
-        <p:spPr bwMode="auto">
-          <a:xfrm>
-            <a:off x="8787246" y="2445104"/>
-            <a:ext cx="236258" cy="236258"/>
-          </a:xfrm>
-          <a:prstGeom prst="rect">
-            <a:avLst/>
-          </a:prstGeom>
-          <a:noFill/>
-          <a:extLst>
-            <a:ext uri="{909E8E84-426E-40DD-AFC4-6F175D3DCCD1}">
-              <a14:hiddenFill xmlns:a14="http://schemas.microsoft.com/office/drawing/2010/main">
-                <a:solidFill>
-                  <a:srgbClr val="FFFFFF"/>
-                </a:solidFill>
-              </a14:hiddenFill>
-            </a:ext>
-          </a:extLst>
-        </p:spPr>
-      </p:pic>
-      <p:pic>
-        <p:nvPicPr>
-          <p:cNvPr id="12" name="Picture 11"/>
-          <p:cNvPicPr>
-            <a:picLocks noChangeAspect="1"/>
-          </p:cNvPicPr>
-          <p:nvPr/>
-        </p:nvPicPr>
-        <p:blipFill>
-          <a:blip r:embed="rId6" cstate="print">
-            <a:extLst>
-              <a:ext uri="{28A0092B-C50C-407E-A947-70E740481C1C}">
-                <a14:useLocalDpi xmlns:a14="http://schemas.microsoft.com/office/drawing/2010/main" val="0"/>
-              </a:ext>
-            </a:extLst>
-          </a:blip>
-          <a:stretch>
-            <a:fillRect/>
-          </a:stretch>
-        </p:blipFill>
-        <p:spPr>
-          <a:xfrm>
-            <a:off x="8773625" y="2186812"/>
-            <a:ext cx="263499" cy="263499"/>
-          </a:xfrm>
-          <a:prstGeom prst="rect">
-            <a:avLst/>
-          </a:prstGeom>
-        </p:spPr>
-      </p:pic>
-      <p:pic>
-        <p:nvPicPr>
-          <p:cNvPr id="2" name="Picture 1"/>
-          <p:cNvPicPr>
-            <a:picLocks noChangeAspect="1"/>
-          </p:cNvPicPr>
-          <p:nvPr/>
-        </p:nvPicPr>
-        <p:blipFill>
-          <a:blip r:embed="rId7">
-            <a:extLst>
-              <a:ext uri="{28A0092B-C50C-407E-A947-70E740481C1C}">
-                <a14:useLocalDpi xmlns:a14="http://schemas.microsoft.com/office/drawing/2010/main" val="0"/>
-              </a:ext>
-            </a:extLst>
-          </a:blip>
-          <a:stretch>
-            <a:fillRect/>
-          </a:stretch>
-        </p:blipFill>
-        <p:spPr>
-          <a:xfrm>
-            <a:off x="3542329" y="3158998"/>
-            <a:ext cx="533427" cy="190510"/>
-          </a:xfrm>
-          <a:prstGeom prst="rect">
-            <a:avLst/>
-          </a:prstGeom>
-        </p:spPr>
-      </p:pic>
-      <p:pic>
-        <p:nvPicPr>
-          <p:cNvPr id="7" name="Picture 6"/>
-          <p:cNvPicPr>
-            <a:picLocks noChangeAspect="1"/>
-          </p:cNvPicPr>
-          <p:nvPr/>
-        </p:nvPicPr>
-        <p:blipFill>
-          <a:blip r:embed="rId8" cstate="print">
-            <a:extLst>
-              <a:ext uri="{28A0092B-C50C-407E-A947-70E740481C1C}">
-                <a14:useLocalDpi xmlns:a14="http://schemas.microsoft.com/office/drawing/2010/main" val="0"/>
-              </a:ext>
-            </a:extLst>
-          </a:blip>
-          <a:stretch>
-            <a:fillRect/>
-          </a:stretch>
-        </p:blipFill>
-        <p:spPr>
-          <a:xfrm>
-            <a:off x="3462986" y="3429213"/>
-            <a:ext cx="692112" cy="692112"/>
-          </a:xfrm>
-          <a:prstGeom prst="rect">
-            <a:avLst/>
-          </a:prstGeom>
-        </p:spPr>
-      </p:pic>
-      <p:pic>
-        <p:nvPicPr>
-          <p:cNvPr id="17" name="Picture 16"/>
-          <p:cNvPicPr>
-            <a:picLocks noChangeAspect="1"/>
-          </p:cNvPicPr>
-          <p:nvPr/>
-        </p:nvPicPr>
-        <p:blipFill>
-          <a:blip r:embed="rId9"/>
-          <a:stretch>
-            <a:fillRect/>
-          </a:stretch>
-        </p:blipFill>
-        <p:spPr>
-          <a:xfrm>
-            <a:off x="6690606" y="3158998"/>
-            <a:ext cx="997001" cy="292115"/>
-          </a:xfrm>
-          <a:prstGeom prst="rect">
-            <a:avLst/>
-          </a:prstGeom>
-        </p:spPr>
-      </p:pic>
-      <p:pic>
-        <p:nvPicPr>
-          <p:cNvPr id="18" name="Picture 17"/>
-          <p:cNvPicPr>
-            <a:picLocks noChangeAspect="1"/>
-          </p:cNvPicPr>
-          <p:nvPr/>
-        </p:nvPicPr>
-        <p:blipFill>
-          <a:blip r:embed="rId10" cstate="print">
-            <a:extLst>
-              <a:ext uri="{28A0092B-C50C-407E-A947-70E740481C1C}">
-                <a14:useLocalDpi xmlns:a14="http://schemas.microsoft.com/office/drawing/2010/main" val="0"/>
-              </a:ext>
-            </a:extLst>
-          </a:blip>
-          <a:stretch>
-            <a:fillRect/>
-          </a:stretch>
-        </p:blipFill>
-        <p:spPr>
-          <a:xfrm>
-            <a:off x="7008109" y="3638252"/>
-            <a:ext cx="361993" cy="361993"/>
-          </a:xfrm>
-          <a:prstGeom prst="rect">
-            <a:avLst/>
-          </a:prstGeom>
-        </p:spPr>
-      </p:pic>
     </p:spTree>
     <p:extLst>
       <p:ext uri="{BB962C8B-B14F-4D97-AF65-F5344CB8AC3E}">
-        <p14:creationId xmlns:p14="http://schemas.microsoft.com/office/powerpoint/2010/main" val="1624035251"/>
+        <p14:creationId xmlns:p14="http://schemas.microsoft.com/office/powerpoint/2010/main" val="310407370"/>
       </p:ext>
     </p:extLst>
   </p:cSld>
